--- a/ch6 matplotlib.pptx
+++ b/ch6 matplotlib.pptx
@@ -7,7 +7,7 @@
     <p:sldMasterId id="2147485354" r:id="rId3"/>
   </p:sldMasterIdLst>
   <p:notesMasterIdLst>
-    <p:notesMasterId r:id="rId39"/>
+    <p:notesMasterId r:id="rId55"/>
   </p:notesMasterIdLst>
   <p:sldIdLst>
     <p:sldId id="535" r:id="rId4"/>
@@ -43,8 +43,24 @@
     <p:sldId id="609" r:id="rId34"/>
     <p:sldId id="611" r:id="rId35"/>
     <p:sldId id="612" r:id="rId36"/>
-    <p:sldId id="624" r:id="rId37"/>
-    <p:sldId id="627" r:id="rId38"/>
+    <p:sldId id="630" r:id="rId37"/>
+    <p:sldId id="632" r:id="rId38"/>
+    <p:sldId id="633" r:id="rId39"/>
+    <p:sldId id="629" r:id="rId40"/>
+    <p:sldId id="634" r:id="rId41"/>
+    <p:sldId id="635" r:id="rId42"/>
+    <p:sldId id="636" r:id="rId43"/>
+    <p:sldId id="637" r:id="rId44"/>
+    <p:sldId id="628" r:id="rId45"/>
+    <p:sldId id="638" r:id="rId46"/>
+    <p:sldId id="639" r:id="rId47"/>
+    <p:sldId id="631" r:id="rId48"/>
+    <p:sldId id="640" r:id="rId49"/>
+    <p:sldId id="643" r:id="rId50"/>
+    <p:sldId id="644" r:id="rId51"/>
+    <p:sldId id="624" r:id="rId52"/>
+    <p:sldId id="627" r:id="rId53"/>
+    <p:sldId id="641" r:id="rId54"/>
   </p:sldIdLst>
   <p:sldSz cx="9144000" cy="6858000" type="screen4x3"/>
   <p:notesSz cx="7099300" cy="10234613"/>
@@ -209,13 +225,677 @@
 <file path=ppt/revisionInfo.xml><?xml version="1.0" encoding="utf-8"?>
 <p1510:revInfo xmlns:a="http://schemas.openxmlformats.org/drawingml/2006/main" xmlns:r="http://schemas.openxmlformats.org/officeDocument/2006/relationships" xmlns:p1510="http://schemas.microsoft.com/office/powerpoint/2015/10/main">
   <p1510:revLst>
-    <p1510:client id="{EEC35AF2-33CF-4297-B9FF-8F9851E27CE8}" v="97" dt="2021-01-01T15:33:29.153"/>
+    <p1510:client id="{758FC9A8-A726-4B39-96F5-30AF5D78A8D8}" v="8" dt="2021-01-07T08:56:26.521"/>
+    <p1510:client id="{FD5993E5-7D7F-492C-83C4-68FAF556D6E5}" v="149" dt="2021-01-07T15:25:06.499"/>
   </p1510:revLst>
 </p1510:revInfo>
 </file>
 
 <file path=ppt/changesInfos/changesInfo1.xml><?xml version="1.0" encoding="utf-8"?>
 <pc:chgInfo xmlns:a="http://schemas.openxmlformats.org/drawingml/2006/main" xmlns:r="http://schemas.openxmlformats.org/officeDocument/2006/relationships" xmlns:ac="http://schemas.microsoft.com/office/drawing/2013/main/command" xmlns:pc="http://schemas.microsoft.com/office/powerpoint/2013/main/command">
+  <pc:docChgLst>
+    <pc:chgData name="KimNamhyoung" userId="442ac80a-8cd4-4165-8fc5-0e4ac214a370" providerId="ADAL" clId="{FD5993E5-7D7F-492C-83C4-68FAF556D6E5}"/>
+    <pc:docChg chg="undo custSel addSld delSld modSld sldOrd">
+      <pc:chgData name="KimNamhyoung" userId="442ac80a-8cd4-4165-8fc5-0e4ac214a370" providerId="ADAL" clId="{FD5993E5-7D7F-492C-83C4-68FAF556D6E5}" dt="2021-01-07T15:25:06.499" v="1902" actId="20577"/>
+      <pc:docMkLst>
+        <pc:docMk/>
+      </pc:docMkLst>
+      <pc:sldChg chg="addSp modSp mod">
+        <pc:chgData name="KimNamhyoung" userId="442ac80a-8cd4-4165-8fc5-0e4ac214a370" providerId="ADAL" clId="{FD5993E5-7D7F-492C-83C4-68FAF556D6E5}" dt="2021-01-07T13:42:20.156" v="999" actId="20577"/>
+        <pc:sldMkLst>
+          <pc:docMk/>
+          <pc:sldMk cId="3128233427" sldId="628"/>
+        </pc:sldMkLst>
+        <pc:spChg chg="mod">
+          <ac:chgData name="KimNamhyoung" userId="442ac80a-8cd4-4165-8fc5-0e4ac214a370" providerId="ADAL" clId="{FD5993E5-7D7F-492C-83C4-68FAF556D6E5}" dt="2021-01-07T13:42:20.156" v="999" actId="20577"/>
+          <ac:spMkLst>
+            <pc:docMk/>
+            <pc:sldMk cId="3128233427" sldId="628"/>
+            <ac:spMk id="13" creationId="{00000000-0000-0000-0000-000000000000}"/>
+          </ac:spMkLst>
+        </pc:spChg>
+        <pc:picChg chg="add mod">
+          <ac:chgData name="KimNamhyoung" userId="442ac80a-8cd4-4165-8fc5-0e4ac214a370" providerId="ADAL" clId="{FD5993E5-7D7F-492C-83C4-68FAF556D6E5}" dt="2021-01-07T13:42:16.605" v="987" actId="1076"/>
+          <ac:picMkLst>
+            <pc:docMk/>
+            <pc:sldMk cId="3128233427" sldId="628"/>
+            <ac:picMk id="4" creationId="{F63CE7F7-E0EC-42A4-B0E0-72EB2E48230E}"/>
+          </ac:picMkLst>
+        </pc:picChg>
+      </pc:sldChg>
+      <pc:sldChg chg="addSp modSp mod ord">
+        <pc:chgData name="KimNamhyoung" userId="442ac80a-8cd4-4165-8fc5-0e4ac214a370" providerId="ADAL" clId="{FD5993E5-7D7F-492C-83C4-68FAF556D6E5}" dt="2021-01-07T13:13:59.700" v="447" actId="9405"/>
+        <pc:sldMkLst>
+          <pc:docMk/>
+          <pc:sldMk cId="1766814976" sldId="629"/>
+        </pc:sldMkLst>
+        <pc:spChg chg="mod">
+          <ac:chgData name="KimNamhyoung" userId="442ac80a-8cd4-4165-8fc5-0e4ac214a370" providerId="ADAL" clId="{FD5993E5-7D7F-492C-83C4-68FAF556D6E5}" dt="2021-01-07T13:12:09.649" v="438" actId="6549"/>
+          <ac:spMkLst>
+            <pc:docMk/>
+            <pc:sldMk cId="1766814976" sldId="629"/>
+            <ac:spMk id="13" creationId="{00000000-0000-0000-0000-000000000000}"/>
+          </ac:spMkLst>
+        </pc:spChg>
+        <pc:picChg chg="add mod">
+          <ac:chgData name="KimNamhyoung" userId="442ac80a-8cd4-4165-8fc5-0e4ac214a370" providerId="ADAL" clId="{FD5993E5-7D7F-492C-83C4-68FAF556D6E5}" dt="2021-01-07T13:12:55.452" v="445" actId="14100"/>
+          <ac:picMkLst>
+            <pc:docMk/>
+            <pc:sldMk cId="1766814976" sldId="629"/>
+            <ac:picMk id="4" creationId="{ACE2FF7B-5540-484D-A37B-C15EE5BE226B}"/>
+          </ac:picMkLst>
+        </pc:picChg>
+        <pc:picChg chg="add mod">
+          <ac:chgData name="KimNamhyoung" userId="442ac80a-8cd4-4165-8fc5-0e4ac214a370" providerId="ADAL" clId="{FD5993E5-7D7F-492C-83C4-68FAF556D6E5}" dt="2021-01-07T13:13:00.042" v="446" actId="1076"/>
+          <ac:picMkLst>
+            <pc:docMk/>
+            <pc:sldMk cId="1766814976" sldId="629"/>
+            <ac:picMk id="6" creationId="{37D9702C-4441-4A85-912E-A4C9F39DB91A}"/>
+          </ac:picMkLst>
+        </pc:picChg>
+        <pc:inkChg chg="add">
+          <ac:chgData name="KimNamhyoung" userId="442ac80a-8cd4-4165-8fc5-0e4ac214a370" providerId="ADAL" clId="{FD5993E5-7D7F-492C-83C4-68FAF556D6E5}" dt="2021-01-07T13:13:59.700" v="447" actId="9405"/>
+          <ac:inkMkLst>
+            <pc:docMk/>
+            <pc:sldMk cId="1766814976" sldId="629"/>
+            <ac:inkMk id="7" creationId="{DA33FEBA-4552-45BE-A1B0-F25C64B57127}"/>
+          </ac:inkMkLst>
+        </pc:inkChg>
+      </pc:sldChg>
+      <pc:sldChg chg="addSp delSp modSp mod ord">
+        <pc:chgData name="KimNamhyoung" userId="442ac80a-8cd4-4165-8fc5-0e4ac214a370" providerId="ADAL" clId="{FD5993E5-7D7F-492C-83C4-68FAF556D6E5}" dt="2021-01-07T13:14:20.255" v="449" actId="9405"/>
+        <pc:sldMkLst>
+          <pc:docMk/>
+          <pc:sldMk cId="2263278789" sldId="630"/>
+        </pc:sldMkLst>
+        <pc:spChg chg="mod">
+          <ac:chgData name="KimNamhyoung" userId="442ac80a-8cd4-4165-8fc5-0e4ac214a370" providerId="ADAL" clId="{FD5993E5-7D7F-492C-83C4-68FAF556D6E5}" dt="2021-01-07T13:07:39.028" v="259" actId="6549"/>
+          <ac:spMkLst>
+            <pc:docMk/>
+            <pc:sldMk cId="2263278789" sldId="630"/>
+            <ac:spMk id="13" creationId="{00000000-0000-0000-0000-000000000000}"/>
+          </ac:spMkLst>
+        </pc:spChg>
+        <pc:picChg chg="add del mod">
+          <ac:chgData name="KimNamhyoung" userId="442ac80a-8cd4-4165-8fc5-0e4ac214a370" providerId="ADAL" clId="{FD5993E5-7D7F-492C-83C4-68FAF556D6E5}" dt="2021-01-07T13:08:31.450" v="268" actId="478"/>
+          <ac:picMkLst>
+            <pc:docMk/>
+            <pc:sldMk cId="2263278789" sldId="630"/>
+            <ac:picMk id="4" creationId="{971C7B55-19A4-49F2-8781-06D8B30A048A}"/>
+          </ac:picMkLst>
+        </pc:picChg>
+        <pc:picChg chg="add del mod">
+          <ac:chgData name="KimNamhyoung" userId="442ac80a-8cd4-4165-8fc5-0e4ac214a370" providerId="ADAL" clId="{FD5993E5-7D7F-492C-83C4-68FAF556D6E5}" dt="2021-01-07T13:08:30.165" v="267" actId="478"/>
+          <ac:picMkLst>
+            <pc:docMk/>
+            <pc:sldMk cId="2263278789" sldId="630"/>
+            <ac:picMk id="6" creationId="{391DDB6F-37CF-49B5-9670-0A4F4282D173}"/>
+          </ac:picMkLst>
+        </pc:picChg>
+        <pc:picChg chg="add mod">
+          <ac:chgData name="KimNamhyoung" userId="442ac80a-8cd4-4165-8fc5-0e4ac214a370" providerId="ADAL" clId="{FD5993E5-7D7F-492C-83C4-68FAF556D6E5}" dt="2021-01-07T13:08:51.619" v="273" actId="14100"/>
+          <ac:picMkLst>
+            <pc:docMk/>
+            <pc:sldMk cId="2263278789" sldId="630"/>
+            <ac:picMk id="8" creationId="{154D2DCA-46F5-4851-AA1D-EB624B55B81C}"/>
+          </ac:picMkLst>
+        </pc:picChg>
+        <pc:inkChg chg="add">
+          <ac:chgData name="KimNamhyoung" userId="442ac80a-8cd4-4165-8fc5-0e4ac214a370" providerId="ADAL" clId="{FD5993E5-7D7F-492C-83C4-68FAF556D6E5}" dt="2021-01-07T13:14:20.255" v="449" actId="9405"/>
+          <ac:inkMkLst>
+            <pc:docMk/>
+            <pc:sldMk cId="2263278789" sldId="630"/>
+            <ac:inkMk id="9" creationId="{48D63209-B825-4D70-9A64-42992BC38F70}"/>
+          </ac:inkMkLst>
+        </pc:inkChg>
+      </pc:sldChg>
+      <pc:sldChg chg="addSp modSp mod">
+        <pc:chgData name="KimNamhyoung" userId="442ac80a-8cd4-4165-8fc5-0e4ac214a370" providerId="ADAL" clId="{FD5993E5-7D7F-492C-83C4-68FAF556D6E5}" dt="2021-01-07T14:00:45.431" v="1286" actId="1076"/>
+        <pc:sldMkLst>
+          <pc:docMk/>
+          <pc:sldMk cId="3782876394" sldId="631"/>
+        </pc:sldMkLst>
+        <pc:spChg chg="mod">
+          <ac:chgData name="KimNamhyoung" userId="442ac80a-8cd4-4165-8fc5-0e4ac214a370" providerId="ADAL" clId="{FD5993E5-7D7F-492C-83C4-68FAF556D6E5}" dt="2021-01-07T13:51:36.625" v="1273" actId="6549"/>
+          <ac:spMkLst>
+            <pc:docMk/>
+            <pc:sldMk cId="3782876394" sldId="631"/>
+            <ac:spMk id="13" creationId="{00000000-0000-0000-0000-000000000000}"/>
+          </ac:spMkLst>
+        </pc:spChg>
+        <pc:picChg chg="add mod">
+          <ac:chgData name="KimNamhyoung" userId="442ac80a-8cd4-4165-8fc5-0e4ac214a370" providerId="ADAL" clId="{FD5993E5-7D7F-492C-83C4-68FAF556D6E5}" dt="2021-01-07T14:00:45.431" v="1286" actId="1076"/>
+          <ac:picMkLst>
+            <pc:docMk/>
+            <pc:sldMk cId="3782876394" sldId="631"/>
+            <ac:picMk id="4" creationId="{43230E8B-3805-4948-88EC-69E4BC69F2CC}"/>
+          </ac:picMkLst>
+        </pc:picChg>
+        <pc:picChg chg="add mod modCrop">
+          <ac:chgData name="KimNamhyoung" userId="442ac80a-8cd4-4165-8fc5-0e4ac214a370" providerId="ADAL" clId="{FD5993E5-7D7F-492C-83C4-68FAF556D6E5}" dt="2021-01-07T14:00:43.333" v="1285" actId="14100"/>
+          <ac:picMkLst>
+            <pc:docMk/>
+            <pc:sldMk cId="3782876394" sldId="631"/>
+            <ac:picMk id="6" creationId="{CAD69C95-7BA7-4A19-A15A-2C2C569C6452}"/>
+          </ac:picMkLst>
+        </pc:picChg>
+      </pc:sldChg>
+      <pc:sldChg chg="modSp add mod">
+        <pc:chgData name="KimNamhyoung" userId="442ac80a-8cd4-4165-8fc5-0e4ac214a370" providerId="ADAL" clId="{FD5993E5-7D7F-492C-83C4-68FAF556D6E5}" dt="2021-01-07T13:10:54.574" v="334" actId="6549"/>
+        <pc:sldMkLst>
+          <pc:docMk/>
+          <pc:sldMk cId="2467232341" sldId="632"/>
+        </pc:sldMkLst>
+        <pc:spChg chg="mod">
+          <ac:chgData name="KimNamhyoung" userId="442ac80a-8cd4-4165-8fc5-0e4ac214a370" providerId="ADAL" clId="{FD5993E5-7D7F-492C-83C4-68FAF556D6E5}" dt="2021-01-07T13:10:54.574" v="334" actId="6549"/>
+          <ac:spMkLst>
+            <pc:docMk/>
+            <pc:sldMk cId="2467232341" sldId="632"/>
+            <ac:spMk id="13" creationId="{00000000-0000-0000-0000-000000000000}"/>
+          </ac:spMkLst>
+        </pc:spChg>
+      </pc:sldChg>
+      <pc:sldChg chg="addSp modSp add mod">
+        <pc:chgData name="KimNamhyoung" userId="442ac80a-8cd4-4165-8fc5-0e4ac214a370" providerId="ADAL" clId="{FD5993E5-7D7F-492C-83C4-68FAF556D6E5}" dt="2021-01-07T13:14:07.337" v="448" actId="9405"/>
+        <pc:sldMkLst>
+          <pc:docMk/>
+          <pc:sldMk cId="520938638" sldId="633"/>
+        </pc:sldMkLst>
+        <pc:spChg chg="mod">
+          <ac:chgData name="KimNamhyoung" userId="442ac80a-8cd4-4165-8fc5-0e4ac214a370" providerId="ADAL" clId="{FD5993E5-7D7F-492C-83C4-68FAF556D6E5}" dt="2021-01-07T13:10:04.026" v="275" actId="6549"/>
+          <ac:spMkLst>
+            <pc:docMk/>
+            <pc:sldMk cId="520938638" sldId="633"/>
+            <ac:spMk id="13" creationId="{00000000-0000-0000-0000-000000000000}"/>
+          </ac:spMkLst>
+        </pc:spChg>
+        <pc:picChg chg="add mod">
+          <ac:chgData name="KimNamhyoung" userId="442ac80a-8cd4-4165-8fc5-0e4ac214a370" providerId="ADAL" clId="{FD5993E5-7D7F-492C-83C4-68FAF556D6E5}" dt="2021-01-07T13:10:08.132" v="278" actId="1076"/>
+          <ac:picMkLst>
+            <pc:docMk/>
+            <pc:sldMk cId="520938638" sldId="633"/>
+            <ac:picMk id="4" creationId="{E6D45726-3AEA-4B32-9AF1-C0861CC912D4}"/>
+          </ac:picMkLst>
+        </pc:picChg>
+        <pc:picChg chg="add mod">
+          <ac:chgData name="KimNamhyoung" userId="442ac80a-8cd4-4165-8fc5-0e4ac214a370" providerId="ADAL" clId="{FD5993E5-7D7F-492C-83C4-68FAF556D6E5}" dt="2021-01-07T13:10:25.420" v="281" actId="1076"/>
+          <ac:picMkLst>
+            <pc:docMk/>
+            <pc:sldMk cId="520938638" sldId="633"/>
+            <ac:picMk id="6" creationId="{171570A8-3142-44EB-9896-616D8EB36023}"/>
+          </ac:picMkLst>
+        </pc:picChg>
+        <pc:inkChg chg="add">
+          <ac:chgData name="KimNamhyoung" userId="442ac80a-8cd4-4165-8fc5-0e4ac214a370" providerId="ADAL" clId="{FD5993E5-7D7F-492C-83C4-68FAF556D6E5}" dt="2021-01-07T13:14:07.337" v="448" actId="9405"/>
+          <ac:inkMkLst>
+            <pc:docMk/>
+            <pc:sldMk cId="520938638" sldId="633"/>
+            <ac:inkMk id="7" creationId="{36428412-8D6A-4FAF-B704-9B68865CB2E0}"/>
+          </ac:inkMkLst>
+        </pc:inkChg>
+      </pc:sldChg>
+      <pc:sldChg chg="addSp delSp modSp add mod">
+        <pc:chgData name="KimNamhyoung" userId="442ac80a-8cd4-4165-8fc5-0e4ac214a370" providerId="ADAL" clId="{FD5993E5-7D7F-492C-83C4-68FAF556D6E5}" dt="2021-01-07T13:34:02.798" v="685" actId="478"/>
+        <pc:sldMkLst>
+          <pc:docMk/>
+          <pc:sldMk cId="1397646456" sldId="634"/>
+        </pc:sldMkLst>
+        <pc:spChg chg="mod">
+          <ac:chgData name="KimNamhyoung" userId="442ac80a-8cd4-4165-8fc5-0e4ac214a370" providerId="ADAL" clId="{FD5993E5-7D7F-492C-83C4-68FAF556D6E5}" dt="2021-01-07T13:32:34.205" v="639" actId="6549"/>
+          <ac:spMkLst>
+            <pc:docMk/>
+            <pc:sldMk cId="1397646456" sldId="634"/>
+            <ac:spMk id="13" creationId="{00000000-0000-0000-0000-000000000000}"/>
+          </ac:spMkLst>
+        </pc:spChg>
+        <pc:picChg chg="add del mod">
+          <ac:chgData name="KimNamhyoung" userId="442ac80a-8cd4-4165-8fc5-0e4ac214a370" providerId="ADAL" clId="{FD5993E5-7D7F-492C-83C4-68FAF556D6E5}" dt="2021-01-07T13:32:45.416" v="646" actId="478"/>
+          <ac:picMkLst>
+            <pc:docMk/>
+            <pc:sldMk cId="1397646456" sldId="634"/>
+            <ac:picMk id="6" creationId="{63DF143D-003D-4233-8CF0-34FB89097195}"/>
+          </ac:picMkLst>
+        </pc:picChg>
+        <pc:picChg chg="add del mod">
+          <ac:chgData name="KimNamhyoung" userId="442ac80a-8cd4-4165-8fc5-0e4ac214a370" providerId="ADAL" clId="{FD5993E5-7D7F-492C-83C4-68FAF556D6E5}" dt="2021-01-07T13:34:02.081" v="684" actId="478"/>
+          <ac:picMkLst>
+            <pc:docMk/>
+            <pc:sldMk cId="1397646456" sldId="634"/>
+            <ac:picMk id="8" creationId="{4438CDE4-C819-4A7E-95D4-A34F0CC87D44}"/>
+          </ac:picMkLst>
+        </pc:picChg>
+        <pc:picChg chg="add del mod">
+          <ac:chgData name="KimNamhyoung" userId="442ac80a-8cd4-4165-8fc5-0e4ac214a370" providerId="ADAL" clId="{FD5993E5-7D7F-492C-83C4-68FAF556D6E5}" dt="2021-01-07T13:34:02.798" v="685" actId="478"/>
+          <ac:picMkLst>
+            <pc:docMk/>
+            <pc:sldMk cId="1397646456" sldId="634"/>
+            <ac:picMk id="10" creationId="{A4EF7A80-3577-4CE0-9641-E4EAFBBB2DAE}"/>
+          </ac:picMkLst>
+        </pc:picChg>
+        <pc:picChg chg="add mod">
+          <ac:chgData name="KimNamhyoung" userId="442ac80a-8cd4-4165-8fc5-0e4ac214a370" providerId="ADAL" clId="{FD5993E5-7D7F-492C-83C4-68FAF556D6E5}" dt="2021-01-07T13:34:00.210" v="683" actId="1038"/>
+          <ac:picMkLst>
+            <pc:docMk/>
+            <pc:sldMk cId="1397646456" sldId="634"/>
+            <ac:picMk id="12" creationId="{EFEE377A-CDB7-4034-9A87-AC2A5CCD21BF}"/>
+          </ac:picMkLst>
+        </pc:picChg>
+        <pc:picChg chg="add mod">
+          <ac:chgData name="KimNamhyoung" userId="442ac80a-8cd4-4165-8fc5-0e4ac214a370" providerId="ADAL" clId="{FD5993E5-7D7F-492C-83C4-68FAF556D6E5}" dt="2021-01-07T13:34:00.210" v="683" actId="1038"/>
+          <ac:picMkLst>
+            <pc:docMk/>
+            <pc:sldMk cId="1397646456" sldId="634"/>
+            <ac:picMk id="14" creationId="{DA2036CB-A038-48E9-95B6-B2FA9C44C4ED}"/>
+          </ac:picMkLst>
+        </pc:picChg>
+        <pc:inkChg chg="add del">
+          <ac:chgData name="KimNamhyoung" userId="442ac80a-8cd4-4165-8fc5-0e4ac214a370" providerId="ADAL" clId="{FD5993E5-7D7F-492C-83C4-68FAF556D6E5}" dt="2021-01-07T13:14:35.712" v="453"/>
+          <ac:inkMkLst>
+            <pc:docMk/>
+            <pc:sldMk cId="1397646456" sldId="634"/>
+            <ac:inkMk id="2" creationId="{FD485F9D-1446-4595-94D6-B7A17A4036AC}"/>
+          </ac:inkMkLst>
+        </pc:inkChg>
+        <pc:inkChg chg="add del">
+          <ac:chgData name="KimNamhyoung" userId="442ac80a-8cd4-4165-8fc5-0e4ac214a370" providerId="ADAL" clId="{FD5993E5-7D7F-492C-83C4-68FAF556D6E5}" dt="2021-01-07T13:14:35.711" v="452"/>
+          <ac:inkMkLst>
+            <pc:docMk/>
+            <pc:sldMk cId="1397646456" sldId="634"/>
+            <ac:inkMk id="4" creationId="{E0F73B07-D42B-49CC-9276-2B81B0327ECE}"/>
+          </ac:inkMkLst>
+        </pc:inkChg>
+      </pc:sldChg>
+      <pc:sldChg chg="addSp delSp modSp add mod">
+        <pc:chgData name="KimNamhyoung" userId="442ac80a-8cd4-4165-8fc5-0e4ac214a370" providerId="ADAL" clId="{FD5993E5-7D7F-492C-83C4-68FAF556D6E5}" dt="2021-01-07T13:36:06.810" v="743" actId="1076"/>
+        <pc:sldMkLst>
+          <pc:docMk/>
+          <pc:sldMk cId="1270955117" sldId="635"/>
+        </pc:sldMkLst>
+        <pc:spChg chg="mod">
+          <ac:chgData name="KimNamhyoung" userId="442ac80a-8cd4-4165-8fc5-0e4ac214a370" providerId="ADAL" clId="{FD5993E5-7D7F-492C-83C4-68FAF556D6E5}" dt="2021-01-07T13:34:27.175" v="729"/>
+          <ac:spMkLst>
+            <pc:docMk/>
+            <pc:sldMk cId="1270955117" sldId="635"/>
+            <ac:spMk id="13" creationId="{00000000-0000-0000-0000-000000000000}"/>
+          </ac:spMkLst>
+        </pc:spChg>
+        <pc:picChg chg="add mod">
+          <ac:chgData name="KimNamhyoung" userId="442ac80a-8cd4-4165-8fc5-0e4ac214a370" providerId="ADAL" clId="{FD5993E5-7D7F-492C-83C4-68FAF556D6E5}" dt="2021-01-07T13:36:06.810" v="743" actId="1076"/>
+          <ac:picMkLst>
+            <pc:docMk/>
+            <pc:sldMk cId="1270955117" sldId="635"/>
+            <ac:picMk id="4" creationId="{4EDFA1BF-626A-4D41-A0A4-1671CF9ED061}"/>
+          </ac:picMkLst>
+        </pc:picChg>
+        <pc:picChg chg="add del mod">
+          <ac:chgData name="KimNamhyoung" userId="442ac80a-8cd4-4165-8fc5-0e4ac214a370" providerId="ADAL" clId="{FD5993E5-7D7F-492C-83C4-68FAF556D6E5}" dt="2021-01-07T13:36:03.015" v="742" actId="21"/>
+          <ac:picMkLst>
+            <pc:docMk/>
+            <pc:sldMk cId="1270955117" sldId="635"/>
+            <ac:picMk id="6" creationId="{F2A137C4-3A6F-4862-A6B2-7E29F073E08C}"/>
+          </ac:picMkLst>
+        </pc:picChg>
+      </pc:sldChg>
+      <pc:sldChg chg="addSp modSp add mod">
+        <pc:chgData name="KimNamhyoung" userId="442ac80a-8cd4-4165-8fc5-0e4ac214a370" providerId="ADAL" clId="{FD5993E5-7D7F-492C-83C4-68FAF556D6E5}" dt="2021-01-07T13:36:30.031" v="775" actId="14100"/>
+        <pc:sldMkLst>
+          <pc:docMk/>
+          <pc:sldMk cId="2792513227" sldId="636"/>
+        </pc:sldMkLst>
+        <pc:spChg chg="mod">
+          <ac:chgData name="KimNamhyoung" userId="442ac80a-8cd4-4165-8fc5-0e4ac214a370" providerId="ADAL" clId="{FD5993E5-7D7F-492C-83C4-68FAF556D6E5}" dt="2021-01-07T13:36:21.401" v="773" actId="6549"/>
+          <ac:spMkLst>
+            <pc:docMk/>
+            <pc:sldMk cId="2792513227" sldId="636"/>
+            <ac:spMk id="13" creationId="{00000000-0000-0000-0000-000000000000}"/>
+          </ac:spMkLst>
+        </pc:spChg>
+        <pc:picChg chg="add mod">
+          <ac:chgData name="KimNamhyoung" userId="442ac80a-8cd4-4165-8fc5-0e4ac214a370" providerId="ADAL" clId="{FD5993E5-7D7F-492C-83C4-68FAF556D6E5}" dt="2021-01-07T13:36:30.031" v="775" actId="14100"/>
+          <ac:picMkLst>
+            <pc:docMk/>
+            <pc:sldMk cId="2792513227" sldId="636"/>
+            <ac:picMk id="4" creationId="{540F8836-D2A5-486C-A247-666F919713FC}"/>
+          </ac:picMkLst>
+        </pc:picChg>
+      </pc:sldChg>
+      <pc:sldChg chg="addSp delSp modSp add mod">
+        <pc:chgData name="KimNamhyoung" userId="442ac80a-8cd4-4165-8fc5-0e4ac214a370" providerId="ADAL" clId="{FD5993E5-7D7F-492C-83C4-68FAF556D6E5}" dt="2021-01-07T13:38:37.150" v="861" actId="6549"/>
+        <pc:sldMkLst>
+          <pc:docMk/>
+          <pc:sldMk cId="1106447599" sldId="637"/>
+        </pc:sldMkLst>
+        <pc:spChg chg="mod">
+          <ac:chgData name="KimNamhyoung" userId="442ac80a-8cd4-4165-8fc5-0e4ac214a370" providerId="ADAL" clId="{FD5993E5-7D7F-492C-83C4-68FAF556D6E5}" dt="2021-01-07T13:38:37.150" v="861" actId="6549"/>
+          <ac:spMkLst>
+            <pc:docMk/>
+            <pc:sldMk cId="1106447599" sldId="637"/>
+            <ac:spMk id="13" creationId="{00000000-0000-0000-0000-000000000000}"/>
+          </ac:spMkLst>
+        </pc:spChg>
+        <pc:picChg chg="del">
+          <ac:chgData name="KimNamhyoung" userId="442ac80a-8cd4-4165-8fc5-0e4ac214a370" providerId="ADAL" clId="{FD5993E5-7D7F-492C-83C4-68FAF556D6E5}" dt="2021-01-07T13:36:54.740" v="777" actId="478"/>
+          <ac:picMkLst>
+            <pc:docMk/>
+            <pc:sldMk cId="1106447599" sldId="637"/>
+            <ac:picMk id="4" creationId="{540F8836-D2A5-486C-A247-666F919713FC}"/>
+          </ac:picMkLst>
+        </pc:picChg>
+        <pc:picChg chg="add mod">
+          <ac:chgData name="KimNamhyoung" userId="442ac80a-8cd4-4165-8fc5-0e4ac214a370" providerId="ADAL" clId="{FD5993E5-7D7F-492C-83C4-68FAF556D6E5}" dt="2021-01-07T13:38:05.994" v="783" actId="1076"/>
+          <ac:picMkLst>
+            <pc:docMk/>
+            <pc:sldMk cId="1106447599" sldId="637"/>
+            <ac:picMk id="5" creationId="{28384E93-041D-4214-A720-9F2D80A0DC97}"/>
+          </ac:picMkLst>
+        </pc:picChg>
+      </pc:sldChg>
+      <pc:sldChg chg="addSp modSp add mod">
+        <pc:chgData name="KimNamhyoung" userId="442ac80a-8cd4-4165-8fc5-0e4ac214a370" providerId="ADAL" clId="{FD5993E5-7D7F-492C-83C4-68FAF556D6E5}" dt="2021-01-07T13:47:41.731" v="1122" actId="207"/>
+        <pc:sldMkLst>
+          <pc:docMk/>
+          <pc:sldMk cId="2108383867" sldId="638"/>
+        </pc:sldMkLst>
+        <pc:spChg chg="add mod">
+          <ac:chgData name="KimNamhyoung" userId="442ac80a-8cd4-4165-8fc5-0e4ac214a370" providerId="ADAL" clId="{FD5993E5-7D7F-492C-83C4-68FAF556D6E5}" dt="2021-01-07T13:47:41.731" v="1122" actId="207"/>
+          <ac:spMkLst>
+            <pc:docMk/>
+            <pc:sldMk cId="2108383867" sldId="638"/>
+            <ac:spMk id="5" creationId="{96092516-EAD8-48ED-B343-4F5CD2664822}"/>
+          </ac:spMkLst>
+        </pc:spChg>
+        <pc:spChg chg="add mod">
+          <ac:chgData name="KimNamhyoung" userId="442ac80a-8cd4-4165-8fc5-0e4ac214a370" providerId="ADAL" clId="{FD5993E5-7D7F-492C-83C4-68FAF556D6E5}" dt="2021-01-07T13:46:40.329" v="1099" actId="207"/>
+          <ac:spMkLst>
+            <pc:docMk/>
+            <pc:sldMk cId="2108383867" sldId="638"/>
+            <ac:spMk id="7" creationId="{B9C64C77-FFD5-41DC-A7F9-2B9B70C87B23}"/>
+          </ac:spMkLst>
+        </pc:spChg>
+        <pc:spChg chg="add mod">
+          <ac:chgData name="KimNamhyoung" userId="442ac80a-8cd4-4165-8fc5-0e4ac214a370" providerId="ADAL" clId="{FD5993E5-7D7F-492C-83C4-68FAF556D6E5}" dt="2021-01-07T13:47:02.214" v="1119" actId="207"/>
+          <ac:spMkLst>
+            <pc:docMk/>
+            <pc:sldMk cId="2108383867" sldId="638"/>
+            <ac:spMk id="8" creationId="{8B72595B-416C-44B8-8141-A43139257093}"/>
+          </ac:spMkLst>
+        </pc:spChg>
+        <pc:spChg chg="add mod">
+          <ac:chgData name="KimNamhyoung" userId="442ac80a-8cd4-4165-8fc5-0e4ac214a370" providerId="ADAL" clId="{FD5993E5-7D7F-492C-83C4-68FAF556D6E5}" dt="2021-01-07T13:47:14.704" v="1120" actId="207"/>
+          <ac:spMkLst>
+            <pc:docMk/>
+            <pc:sldMk cId="2108383867" sldId="638"/>
+            <ac:spMk id="9" creationId="{98CD8C29-AF80-49CC-9566-73175259AB0D}"/>
+          </ac:spMkLst>
+        </pc:spChg>
+        <pc:spChg chg="add mod">
+          <ac:chgData name="KimNamhyoung" userId="442ac80a-8cd4-4165-8fc5-0e4ac214a370" providerId="ADAL" clId="{FD5993E5-7D7F-492C-83C4-68FAF556D6E5}" dt="2021-01-07T13:47:32.073" v="1121" actId="207"/>
+          <ac:spMkLst>
+            <pc:docMk/>
+            <pc:sldMk cId="2108383867" sldId="638"/>
+            <ac:spMk id="10" creationId="{102402B4-B444-4568-B55C-0971A20EDAFC}"/>
+          </ac:spMkLst>
+        </pc:spChg>
+        <pc:spChg chg="mod">
+          <ac:chgData name="KimNamhyoung" userId="442ac80a-8cd4-4165-8fc5-0e4ac214a370" providerId="ADAL" clId="{FD5993E5-7D7F-492C-83C4-68FAF556D6E5}" dt="2021-01-07T13:43:05.342" v="1003" actId="6549"/>
+          <ac:spMkLst>
+            <pc:docMk/>
+            <pc:sldMk cId="2108383867" sldId="638"/>
+            <ac:spMk id="13" creationId="{00000000-0000-0000-0000-000000000000}"/>
+          </ac:spMkLst>
+        </pc:spChg>
+        <pc:picChg chg="add mod">
+          <ac:chgData name="KimNamhyoung" userId="442ac80a-8cd4-4165-8fc5-0e4ac214a370" providerId="ADAL" clId="{FD5993E5-7D7F-492C-83C4-68FAF556D6E5}" dt="2021-01-07T13:44:33.794" v="1033" actId="1076"/>
+          <ac:picMkLst>
+            <pc:docMk/>
+            <pc:sldMk cId="2108383867" sldId="638"/>
+            <ac:picMk id="4" creationId="{2667E500-4D37-47C4-98B9-6ADC23ED9A8D}"/>
+          </ac:picMkLst>
+        </pc:picChg>
+      </pc:sldChg>
+      <pc:sldChg chg="addSp modSp add mod">
+        <pc:chgData name="KimNamhyoung" userId="442ac80a-8cd4-4165-8fc5-0e4ac214a370" providerId="ADAL" clId="{FD5993E5-7D7F-492C-83C4-68FAF556D6E5}" dt="2021-01-07T13:49:35.437" v="1198" actId="1076"/>
+        <pc:sldMkLst>
+          <pc:docMk/>
+          <pc:sldMk cId="3223313728" sldId="639"/>
+        </pc:sldMkLst>
+        <pc:spChg chg="mod">
+          <ac:chgData name="KimNamhyoung" userId="442ac80a-8cd4-4165-8fc5-0e4ac214a370" providerId="ADAL" clId="{FD5993E5-7D7F-492C-83C4-68FAF556D6E5}" dt="2021-01-07T13:48:53.663" v="1185" actId="6549"/>
+          <ac:spMkLst>
+            <pc:docMk/>
+            <pc:sldMk cId="3223313728" sldId="639"/>
+            <ac:spMk id="13" creationId="{00000000-0000-0000-0000-000000000000}"/>
+          </ac:spMkLst>
+        </pc:spChg>
+        <pc:picChg chg="add mod">
+          <ac:chgData name="KimNamhyoung" userId="442ac80a-8cd4-4165-8fc5-0e4ac214a370" providerId="ADAL" clId="{FD5993E5-7D7F-492C-83C4-68FAF556D6E5}" dt="2021-01-07T13:49:35.437" v="1198" actId="1076"/>
+          <ac:picMkLst>
+            <pc:docMk/>
+            <pc:sldMk cId="3223313728" sldId="639"/>
+            <ac:picMk id="4" creationId="{66B555AF-D66F-4E13-B6A7-78C160D605FA}"/>
+          </ac:picMkLst>
+        </pc:picChg>
+        <pc:picChg chg="add mod">
+          <ac:chgData name="KimNamhyoung" userId="442ac80a-8cd4-4165-8fc5-0e4ac214a370" providerId="ADAL" clId="{FD5993E5-7D7F-492C-83C4-68FAF556D6E5}" dt="2021-01-07T13:49:32.842" v="1197" actId="1076"/>
+          <ac:picMkLst>
+            <pc:docMk/>
+            <pc:sldMk cId="3223313728" sldId="639"/>
+            <ac:picMk id="6" creationId="{A8DD5CB8-4089-46AD-8F31-739D18C17836}"/>
+          </ac:picMkLst>
+        </pc:picChg>
+      </pc:sldChg>
+      <pc:sldChg chg="addSp delSp modSp add mod">
+        <pc:chgData name="KimNamhyoung" userId="442ac80a-8cd4-4165-8fc5-0e4ac214a370" providerId="ADAL" clId="{FD5993E5-7D7F-492C-83C4-68FAF556D6E5}" dt="2021-01-07T14:13:14.837" v="1312"/>
+        <pc:sldMkLst>
+          <pc:docMk/>
+          <pc:sldMk cId="1271649080" sldId="640"/>
+        </pc:sldMkLst>
+        <pc:spChg chg="mod">
+          <ac:chgData name="KimNamhyoung" userId="442ac80a-8cd4-4165-8fc5-0e4ac214a370" providerId="ADAL" clId="{FD5993E5-7D7F-492C-83C4-68FAF556D6E5}" dt="2021-01-07T14:08:16.889" v="1290" actId="6549"/>
+          <ac:spMkLst>
+            <pc:docMk/>
+            <pc:sldMk cId="1271649080" sldId="640"/>
+            <ac:spMk id="13" creationId="{00000000-0000-0000-0000-000000000000}"/>
+          </ac:spMkLst>
+        </pc:spChg>
+        <pc:grpChg chg="del mod">
+          <ac:chgData name="KimNamhyoung" userId="442ac80a-8cd4-4165-8fc5-0e4ac214a370" providerId="ADAL" clId="{FD5993E5-7D7F-492C-83C4-68FAF556D6E5}" dt="2021-01-07T14:12:23.040" v="1307"/>
+          <ac:grpSpMkLst>
+            <pc:docMk/>
+            <pc:sldMk cId="1271649080" sldId="640"/>
+            <ac:grpSpMk id="12" creationId="{CAD53243-6322-4CF2-89EE-2A5E5F9ED431}"/>
+          </ac:grpSpMkLst>
+        </pc:grpChg>
+        <pc:grpChg chg="del mod">
+          <ac:chgData name="KimNamhyoung" userId="442ac80a-8cd4-4165-8fc5-0e4ac214a370" providerId="ADAL" clId="{FD5993E5-7D7F-492C-83C4-68FAF556D6E5}" dt="2021-01-07T14:13:14.837" v="1311"/>
+          <ac:grpSpMkLst>
+            <pc:docMk/>
+            <pc:sldMk cId="1271649080" sldId="640"/>
+            <ac:grpSpMk id="17" creationId="{C4210BC1-288E-43B3-BC39-5C31608BD838}"/>
+          </ac:grpSpMkLst>
+        </pc:grpChg>
+        <pc:picChg chg="del">
+          <ac:chgData name="KimNamhyoung" userId="442ac80a-8cd4-4165-8fc5-0e4ac214a370" providerId="ADAL" clId="{FD5993E5-7D7F-492C-83C4-68FAF556D6E5}" dt="2021-01-07T14:08:14.950" v="1289" actId="478"/>
+          <ac:picMkLst>
+            <pc:docMk/>
+            <pc:sldMk cId="1271649080" sldId="640"/>
+            <ac:picMk id="4" creationId="{43230E8B-3805-4948-88EC-69E4BC69F2CC}"/>
+          </ac:picMkLst>
+        </pc:picChg>
+        <pc:picChg chg="add mod">
+          <ac:chgData name="KimNamhyoung" userId="442ac80a-8cd4-4165-8fc5-0e4ac214a370" providerId="ADAL" clId="{FD5993E5-7D7F-492C-83C4-68FAF556D6E5}" dt="2021-01-07T14:08:41.698" v="1294" actId="14100"/>
+          <ac:picMkLst>
+            <pc:docMk/>
+            <pc:sldMk cId="1271649080" sldId="640"/>
+            <ac:picMk id="5" creationId="{C45981B0-10E2-4529-B458-57604031126E}"/>
+          </ac:picMkLst>
+        </pc:picChg>
+        <pc:picChg chg="del">
+          <ac:chgData name="KimNamhyoung" userId="442ac80a-8cd4-4165-8fc5-0e4ac214a370" providerId="ADAL" clId="{FD5993E5-7D7F-492C-83C4-68FAF556D6E5}" dt="2021-01-07T14:08:14.239" v="1288" actId="478"/>
+          <ac:picMkLst>
+            <pc:docMk/>
+            <pc:sldMk cId="1271649080" sldId="640"/>
+            <ac:picMk id="6" creationId="{CAD69C95-7BA7-4A19-A15A-2C2C569C6452}"/>
+          </ac:picMkLst>
+        </pc:picChg>
+        <pc:inkChg chg="add del">
+          <ac:chgData name="KimNamhyoung" userId="442ac80a-8cd4-4165-8fc5-0e4ac214a370" providerId="ADAL" clId="{FD5993E5-7D7F-492C-83C4-68FAF556D6E5}" dt="2021-01-07T14:12:13.213" v="1298"/>
+          <ac:inkMkLst>
+            <pc:docMk/>
+            <pc:sldMk cId="1271649080" sldId="640"/>
+            <ac:inkMk id="7" creationId="{389B6247-A389-456A-971B-64D45ECB7F7A}"/>
+          </ac:inkMkLst>
+        </pc:inkChg>
+        <pc:inkChg chg="add del">
+          <ac:chgData name="KimNamhyoung" userId="442ac80a-8cd4-4165-8fc5-0e4ac214a370" providerId="ADAL" clId="{FD5993E5-7D7F-492C-83C4-68FAF556D6E5}" dt="2021-01-07T14:12:13.213" v="1300"/>
+          <ac:inkMkLst>
+            <pc:docMk/>
+            <pc:sldMk cId="1271649080" sldId="640"/>
+            <ac:inkMk id="8" creationId="{EC9104EC-98D5-4ED9-A132-478F161B3105}"/>
+          </ac:inkMkLst>
+        </pc:inkChg>
+        <pc:inkChg chg="add del">
+          <ac:chgData name="KimNamhyoung" userId="442ac80a-8cd4-4165-8fc5-0e4ac214a370" providerId="ADAL" clId="{FD5993E5-7D7F-492C-83C4-68FAF556D6E5}" dt="2021-01-07T14:12:13.213" v="1299"/>
+          <ac:inkMkLst>
+            <pc:docMk/>
+            <pc:sldMk cId="1271649080" sldId="640"/>
+            <ac:inkMk id="9" creationId="{9D730B61-2E13-4FA9-B16A-32D392884807}"/>
+          </ac:inkMkLst>
+        </pc:inkChg>
+        <pc:inkChg chg="add del mod">
+          <ac:chgData name="KimNamhyoung" userId="442ac80a-8cd4-4165-8fc5-0e4ac214a370" providerId="ADAL" clId="{FD5993E5-7D7F-492C-83C4-68FAF556D6E5}" dt="2021-01-07T14:13:14.837" v="1312"/>
+          <ac:inkMkLst>
+            <pc:docMk/>
+            <pc:sldMk cId="1271649080" sldId="640"/>
+            <ac:inkMk id="10" creationId="{2BCCD6AE-46FD-418E-B761-D1A32E4ECCB3}"/>
+          </ac:inkMkLst>
+        </pc:inkChg>
+        <pc:inkChg chg="add del mod">
+          <ac:chgData name="KimNamhyoung" userId="442ac80a-8cd4-4165-8fc5-0e4ac214a370" providerId="ADAL" clId="{FD5993E5-7D7F-492C-83C4-68FAF556D6E5}" dt="2021-01-07T14:13:14.836" v="1309"/>
+          <ac:inkMkLst>
+            <pc:docMk/>
+            <pc:sldMk cId="1271649080" sldId="640"/>
+            <ac:inkMk id="11" creationId="{ED86B137-40CD-4E5B-A361-94BAEE7AF843}"/>
+          </ac:inkMkLst>
+        </pc:inkChg>
+        <pc:inkChg chg="add del mod">
+          <ac:chgData name="KimNamhyoung" userId="442ac80a-8cd4-4165-8fc5-0e4ac214a370" providerId="ADAL" clId="{FD5993E5-7D7F-492C-83C4-68FAF556D6E5}" dt="2021-01-07T14:13:14.837" v="1311"/>
+          <ac:inkMkLst>
+            <pc:docMk/>
+            <pc:sldMk cId="1271649080" sldId="640"/>
+            <ac:inkMk id="14" creationId="{9E20164D-15F9-4464-A46B-2664848BC125}"/>
+          </ac:inkMkLst>
+        </pc:inkChg>
+        <pc:inkChg chg="add del mod">
+          <ac:chgData name="KimNamhyoung" userId="442ac80a-8cd4-4165-8fc5-0e4ac214a370" providerId="ADAL" clId="{FD5993E5-7D7F-492C-83C4-68FAF556D6E5}" dt="2021-01-07T14:13:14.836" v="1310"/>
+          <ac:inkMkLst>
+            <pc:docMk/>
+            <pc:sldMk cId="1271649080" sldId="640"/>
+            <ac:inkMk id="15" creationId="{AEBA2643-CA37-4C6C-A521-6CF1CD828626}"/>
+          </ac:inkMkLst>
+        </pc:inkChg>
+        <pc:inkChg chg="add del mod">
+          <ac:chgData name="KimNamhyoung" userId="442ac80a-8cd4-4165-8fc5-0e4ac214a370" providerId="ADAL" clId="{FD5993E5-7D7F-492C-83C4-68FAF556D6E5}" dt="2021-01-07T14:13:14.836" v="1308"/>
+          <ac:inkMkLst>
+            <pc:docMk/>
+            <pc:sldMk cId="1271649080" sldId="640"/>
+            <ac:inkMk id="16" creationId="{CBBFCB1F-8E92-472C-8DE6-B6BA54959B23}"/>
+          </ac:inkMkLst>
+        </pc:inkChg>
+      </pc:sldChg>
+      <pc:sldChg chg="delSp modSp add mod">
+        <pc:chgData name="KimNamhyoung" userId="442ac80a-8cd4-4165-8fc5-0e4ac214a370" providerId="ADAL" clId="{FD5993E5-7D7F-492C-83C4-68FAF556D6E5}" dt="2021-01-07T15:25:06.499" v="1902" actId="20577"/>
+        <pc:sldMkLst>
+          <pc:docMk/>
+          <pc:sldMk cId="433450991" sldId="641"/>
+        </pc:sldMkLst>
+        <pc:spChg chg="mod">
+          <ac:chgData name="KimNamhyoung" userId="442ac80a-8cd4-4165-8fc5-0e4ac214a370" providerId="ADAL" clId="{FD5993E5-7D7F-492C-83C4-68FAF556D6E5}" dt="2021-01-07T15:25:06.499" v="1902" actId="20577"/>
+          <ac:spMkLst>
+            <pc:docMk/>
+            <pc:sldMk cId="433450991" sldId="641"/>
+            <ac:spMk id="3" creationId="{00000000-0000-0000-0000-000000000000}"/>
+          </ac:spMkLst>
+        </pc:spChg>
+        <pc:picChg chg="del">
+          <ac:chgData name="KimNamhyoung" userId="442ac80a-8cd4-4165-8fc5-0e4ac214a370" providerId="ADAL" clId="{FD5993E5-7D7F-492C-83C4-68FAF556D6E5}" dt="2021-01-07T14:14:19.948" v="1316" actId="478"/>
+          <ac:picMkLst>
+            <pc:docMk/>
+            <pc:sldMk cId="433450991" sldId="641"/>
+            <ac:picMk id="5" creationId="{BA722FF9-4FCB-4FF3-ADF2-AD87F5F020E8}"/>
+          </ac:picMkLst>
+        </pc:picChg>
+      </pc:sldChg>
+      <pc:sldChg chg="add del">
+        <pc:chgData name="KimNamhyoung" userId="442ac80a-8cd4-4165-8fc5-0e4ac214a370" providerId="ADAL" clId="{FD5993E5-7D7F-492C-83C4-68FAF556D6E5}" dt="2021-01-07T14:19:29.335" v="1321" actId="47"/>
+        <pc:sldMkLst>
+          <pc:docMk/>
+          <pc:sldMk cId="40764240" sldId="642"/>
+        </pc:sldMkLst>
+      </pc:sldChg>
+      <pc:sldChg chg="addSp delSp modSp add mod">
+        <pc:chgData name="KimNamhyoung" userId="442ac80a-8cd4-4165-8fc5-0e4ac214a370" providerId="ADAL" clId="{FD5993E5-7D7F-492C-83C4-68FAF556D6E5}" dt="2021-01-07T14:20:12.304" v="1328" actId="14100"/>
+        <pc:sldMkLst>
+          <pc:docMk/>
+          <pc:sldMk cId="3443871110" sldId="643"/>
+        </pc:sldMkLst>
+        <pc:picChg chg="add mod">
+          <ac:chgData name="KimNamhyoung" userId="442ac80a-8cd4-4165-8fc5-0e4ac214a370" providerId="ADAL" clId="{FD5993E5-7D7F-492C-83C4-68FAF556D6E5}" dt="2021-01-07T14:20:12.304" v="1328" actId="14100"/>
+          <ac:picMkLst>
+            <pc:docMk/>
+            <pc:sldMk cId="3443871110" sldId="643"/>
+            <ac:picMk id="4" creationId="{25300609-B047-4B65-ADC5-D10B188025B7}"/>
+          </ac:picMkLst>
+        </pc:picChg>
+        <pc:picChg chg="del">
+          <ac:chgData name="KimNamhyoung" userId="442ac80a-8cd4-4165-8fc5-0e4ac214a370" providerId="ADAL" clId="{FD5993E5-7D7F-492C-83C4-68FAF556D6E5}" dt="2021-01-07T14:19:37.533" v="1322" actId="478"/>
+          <ac:picMkLst>
+            <pc:docMk/>
+            <pc:sldMk cId="3443871110" sldId="643"/>
+            <ac:picMk id="5" creationId="{C45981B0-10E2-4529-B458-57604031126E}"/>
+          </ac:picMkLst>
+        </pc:picChg>
+      </pc:sldChg>
+      <pc:sldChg chg="addSp delSp modSp add mod">
+        <pc:chgData name="KimNamhyoung" userId="442ac80a-8cd4-4165-8fc5-0e4ac214a370" providerId="ADAL" clId="{FD5993E5-7D7F-492C-83C4-68FAF556D6E5}" dt="2021-01-07T14:21:43.678" v="1339" actId="14100"/>
+        <pc:sldMkLst>
+          <pc:docMk/>
+          <pc:sldMk cId="1604684069" sldId="644"/>
+        </pc:sldMkLst>
+        <pc:picChg chg="add mod">
+          <ac:chgData name="KimNamhyoung" userId="442ac80a-8cd4-4165-8fc5-0e4ac214a370" providerId="ADAL" clId="{FD5993E5-7D7F-492C-83C4-68FAF556D6E5}" dt="2021-01-07T14:21:36.577" v="1338" actId="1076"/>
+          <ac:picMkLst>
+            <pc:docMk/>
+            <pc:sldMk cId="1604684069" sldId="644"/>
+            <ac:picMk id="4" creationId="{109ECA52-146B-40BE-8208-FB0518A1391B}"/>
+          </ac:picMkLst>
+        </pc:picChg>
+        <pc:picChg chg="del">
+          <ac:chgData name="KimNamhyoung" userId="442ac80a-8cd4-4165-8fc5-0e4ac214a370" providerId="ADAL" clId="{FD5993E5-7D7F-492C-83C4-68FAF556D6E5}" dt="2021-01-07T14:19:39.885" v="1323" actId="478"/>
+          <ac:picMkLst>
+            <pc:docMk/>
+            <pc:sldMk cId="1604684069" sldId="644"/>
+            <ac:picMk id="5" creationId="{C45981B0-10E2-4529-B458-57604031126E}"/>
+          </ac:picMkLst>
+        </pc:picChg>
+        <pc:picChg chg="add mod">
+          <ac:chgData name="KimNamhyoung" userId="442ac80a-8cd4-4165-8fc5-0e4ac214a370" providerId="ADAL" clId="{FD5993E5-7D7F-492C-83C4-68FAF556D6E5}" dt="2021-01-07T14:21:43.678" v="1339" actId="14100"/>
+          <ac:picMkLst>
+            <pc:docMk/>
+            <pc:sldMk cId="1604684069" sldId="644"/>
+            <ac:picMk id="7" creationId="{AAD20354-CB50-4447-BC71-C204AF7B7084}"/>
+          </ac:picMkLst>
+        </pc:picChg>
+      </pc:sldChg>
+      <pc:sldChg chg="add del">
+        <pc:chgData name="KimNamhyoung" userId="442ac80a-8cd4-4165-8fc5-0e4ac214a370" providerId="ADAL" clId="{FD5993E5-7D7F-492C-83C4-68FAF556D6E5}" dt="2021-01-07T14:19:42.588" v="1324" actId="47"/>
+        <pc:sldMkLst>
+          <pc:docMk/>
+          <pc:sldMk cId="1406047484" sldId="645"/>
+        </pc:sldMkLst>
+      </pc:sldChg>
+    </pc:docChg>
+  </pc:docChgLst>
   <pc:docChgLst>
     <pc:chgData name="Namhyoung Kim" userId="442ac80a-8cd4-4165-8fc5-0e4ac214a370" providerId="ADAL" clId="{4E4E8643-B347-4E3F-AEB6-B194B63B76C9}"/>
     <pc:docChg chg="custSel modSld">
@@ -245,6 +925,196 @@
             <ac:spMk id="11" creationId="{00000000-0000-0000-0000-000000000000}"/>
           </ac:spMkLst>
         </pc:spChg>
+      </pc:sldChg>
+    </pc:docChg>
+  </pc:docChgLst>
+  <pc:docChgLst>
+    <pc:chgData name="KimNamhyoung" userId="442ac80a-8cd4-4165-8fc5-0e4ac214a370" providerId="ADAL" clId="{758FC9A8-A726-4B39-96F5-30AF5D78A8D8}"/>
+    <pc:docChg chg="custSel addSld modSld">
+      <pc:chgData name="KimNamhyoung" userId="442ac80a-8cd4-4165-8fc5-0e4ac214a370" providerId="ADAL" clId="{758FC9A8-A726-4B39-96F5-30AF5D78A8D8}" dt="2021-01-07T08:56:27.111" v="83" actId="6549"/>
+      <pc:docMkLst>
+        <pc:docMk/>
+      </pc:docMkLst>
+      <pc:sldChg chg="delSp modSp mod">
+        <pc:chgData name="KimNamhyoung" userId="442ac80a-8cd4-4165-8fc5-0e4ac214a370" providerId="ADAL" clId="{758FC9A8-A726-4B39-96F5-30AF5D78A8D8}" dt="2021-01-07T08:48:08.947" v="14" actId="478"/>
+        <pc:sldMkLst>
+          <pc:docMk/>
+          <pc:sldMk cId="2069480276" sldId="533"/>
+        </pc:sldMkLst>
+        <pc:spChg chg="del">
+          <ac:chgData name="KimNamhyoung" userId="442ac80a-8cd4-4165-8fc5-0e4ac214a370" providerId="ADAL" clId="{758FC9A8-A726-4B39-96F5-30AF5D78A8D8}" dt="2021-01-07T08:48:08.947" v="14" actId="478"/>
+          <ac:spMkLst>
+            <pc:docMk/>
+            <pc:sldMk cId="2069480276" sldId="533"/>
+            <ac:spMk id="90114" creationId="{00000000-0000-0000-0000-000000000000}"/>
+          </ac:spMkLst>
+        </pc:spChg>
+        <pc:spChg chg="del mod">
+          <ac:chgData name="KimNamhyoung" userId="442ac80a-8cd4-4165-8fc5-0e4ac214a370" providerId="ADAL" clId="{758FC9A8-A726-4B39-96F5-30AF5D78A8D8}" dt="2021-01-07T08:46:51.395" v="3" actId="478"/>
+          <ac:spMkLst>
+            <pc:docMk/>
+            <pc:sldMk cId="2069480276" sldId="533"/>
+            <ac:spMk id="90116" creationId="{00000000-0000-0000-0000-000000000000}"/>
+          </ac:spMkLst>
+        </pc:spChg>
+      </pc:sldChg>
+      <pc:sldChg chg="modSp mod">
+        <pc:chgData name="KimNamhyoung" userId="442ac80a-8cd4-4165-8fc5-0e4ac214a370" providerId="ADAL" clId="{758FC9A8-A726-4B39-96F5-30AF5D78A8D8}" dt="2021-01-07T08:47:28.936" v="12" actId="6549"/>
+        <pc:sldMkLst>
+          <pc:docMk/>
+          <pc:sldMk cId="234079446" sldId="578"/>
+        </pc:sldMkLst>
+        <pc:spChg chg="mod">
+          <ac:chgData name="KimNamhyoung" userId="442ac80a-8cd4-4165-8fc5-0e4ac214a370" providerId="ADAL" clId="{758FC9A8-A726-4B39-96F5-30AF5D78A8D8}" dt="2021-01-07T08:47:28.936" v="12" actId="6549"/>
+          <ac:spMkLst>
+            <pc:docMk/>
+            <pc:sldMk cId="234079446" sldId="578"/>
+            <ac:spMk id="11" creationId="{00000000-0000-0000-0000-000000000000}"/>
+          </ac:spMkLst>
+        </pc:spChg>
+      </pc:sldChg>
+      <pc:sldChg chg="delSp mod">
+        <pc:chgData name="KimNamhyoung" userId="442ac80a-8cd4-4165-8fc5-0e4ac214a370" providerId="ADAL" clId="{758FC9A8-A726-4B39-96F5-30AF5D78A8D8}" dt="2021-01-07T08:46:56.668" v="4" actId="478"/>
+        <pc:sldMkLst>
+          <pc:docMk/>
+          <pc:sldMk cId="2069480276" sldId="591"/>
+        </pc:sldMkLst>
+        <pc:spChg chg="del">
+          <ac:chgData name="KimNamhyoung" userId="442ac80a-8cd4-4165-8fc5-0e4ac214a370" providerId="ADAL" clId="{758FC9A8-A726-4B39-96F5-30AF5D78A8D8}" dt="2021-01-07T08:46:56.668" v="4" actId="478"/>
+          <ac:spMkLst>
+            <pc:docMk/>
+            <pc:sldMk cId="2069480276" sldId="591"/>
+            <ac:spMk id="90114" creationId="{00000000-0000-0000-0000-000000000000}"/>
+          </ac:spMkLst>
+        </pc:spChg>
+        <pc:spChg chg="del">
+          <ac:chgData name="KimNamhyoung" userId="442ac80a-8cd4-4165-8fc5-0e4ac214a370" providerId="ADAL" clId="{758FC9A8-A726-4B39-96F5-30AF5D78A8D8}" dt="2021-01-07T08:46:45.560" v="1" actId="478"/>
+          <ac:spMkLst>
+            <pc:docMk/>
+            <pc:sldMk cId="2069480276" sldId="591"/>
+            <ac:spMk id="90116" creationId="{00000000-0000-0000-0000-000000000000}"/>
+          </ac:spMkLst>
+        </pc:spChg>
+      </pc:sldChg>
+      <pc:sldChg chg="delSp mod">
+        <pc:chgData name="KimNamhyoung" userId="442ac80a-8cd4-4165-8fc5-0e4ac214a370" providerId="ADAL" clId="{758FC9A8-A726-4B39-96F5-30AF5D78A8D8}" dt="2021-01-07T08:48:43.025" v="16" actId="478"/>
+        <pc:sldMkLst>
+          <pc:docMk/>
+          <pc:sldMk cId="2069480276" sldId="592"/>
+        </pc:sldMkLst>
+        <pc:spChg chg="del">
+          <ac:chgData name="KimNamhyoung" userId="442ac80a-8cd4-4165-8fc5-0e4ac214a370" providerId="ADAL" clId="{758FC9A8-A726-4B39-96F5-30AF5D78A8D8}" dt="2021-01-07T08:48:43.025" v="16" actId="478"/>
+          <ac:spMkLst>
+            <pc:docMk/>
+            <pc:sldMk cId="2069480276" sldId="592"/>
+            <ac:spMk id="90114" creationId="{00000000-0000-0000-0000-000000000000}"/>
+          </ac:spMkLst>
+        </pc:spChg>
+        <pc:spChg chg="del">
+          <ac:chgData name="KimNamhyoung" userId="442ac80a-8cd4-4165-8fc5-0e4ac214a370" providerId="ADAL" clId="{758FC9A8-A726-4B39-96F5-30AF5D78A8D8}" dt="2021-01-07T08:46:41.648" v="0" actId="478"/>
+          <ac:spMkLst>
+            <pc:docMk/>
+            <pc:sldMk cId="2069480276" sldId="592"/>
+            <ac:spMk id="90116" creationId="{00000000-0000-0000-0000-000000000000}"/>
+          </ac:spMkLst>
+        </pc:spChg>
+      </pc:sldChg>
+      <pc:sldChg chg="delSp mod">
+        <pc:chgData name="KimNamhyoung" userId="442ac80a-8cd4-4165-8fc5-0e4ac214a370" providerId="ADAL" clId="{758FC9A8-A726-4B39-96F5-30AF5D78A8D8}" dt="2021-01-07T08:48:13.191" v="15" actId="478"/>
+        <pc:sldMkLst>
+          <pc:docMk/>
+          <pc:sldMk cId="2069480276" sldId="593"/>
+        </pc:sldMkLst>
+        <pc:spChg chg="del">
+          <ac:chgData name="KimNamhyoung" userId="442ac80a-8cd4-4165-8fc5-0e4ac214a370" providerId="ADAL" clId="{758FC9A8-A726-4B39-96F5-30AF5D78A8D8}" dt="2021-01-07T08:48:13.191" v="15" actId="478"/>
+          <ac:spMkLst>
+            <pc:docMk/>
+            <pc:sldMk cId="2069480276" sldId="593"/>
+            <ac:spMk id="90114" creationId="{00000000-0000-0000-0000-000000000000}"/>
+          </ac:spMkLst>
+        </pc:spChg>
+        <pc:spChg chg="del">
+          <ac:chgData name="KimNamhyoung" userId="442ac80a-8cd4-4165-8fc5-0e4ac214a370" providerId="ADAL" clId="{758FC9A8-A726-4B39-96F5-30AF5D78A8D8}" dt="2021-01-07T08:47:01.994" v="5" actId="478"/>
+          <ac:spMkLst>
+            <pc:docMk/>
+            <pc:sldMk cId="2069480276" sldId="593"/>
+            <ac:spMk id="90116" creationId="{00000000-0000-0000-0000-000000000000}"/>
+          </ac:spMkLst>
+        </pc:spChg>
+      </pc:sldChg>
+      <pc:sldChg chg="modSp mod">
+        <pc:chgData name="KimNamhyoung" userId="442ac80a-8cd4-4165-8fc5-0e4ac214a370" providerId="ADAL" clId="{758FC9A8-A726-4B39-96F5-30AF5D78A8D8}" dt="2021-01-07T08:47:18.894" v="8" actId="6549"/>
+        <pc:sldMkLst>
+          <pc:docMk/>
+          <pc:sldMk cId="311256941" sldId="600"/>
+        </pc:sldMkLst>
+        <pc:spChg chg="mod">
+          <ac:chgData name="KimNamhyoung" userId="442ac80a-8cd4-4165-8fc5-0e4ac214a370" providerId="ADAL" clId="{758FC9A8-A726-4B39-96F5-30AF5D78A8D8}" dt="2021-01-07T08:47:18.894" v="8" actId="6549"/>
+          <ac:spMkLst>
+            <pc:docMk/>
+            <pc:sldMk cId="311256941" sldId="600"/>
+            <ac:spMk id="11" creationId="{00000000-0000-0000-0000-000000000000}"/>
+          </ac:spMkLst>
+        </pc:spChg>
+      </pc:sldChg>
+      <pc:sldChg chg="modSp mod">
+        <pc:chgData name="KimNamhyoung" userId="442ac80a-8cd4-4165-8fc5-0e4ac214a370" providerId="ADAL" clId="{758FC9A8-A726-4B39-96F5-30AF5D78A8D8}" dt="2021-01-07T08:47:49.674" v="13" actId="6549"/>
+        <pc:sldMkLst>
+          <pc:docMk/>
+          <pc:sldMk cId="234079446" sldId="609"/>
+        </pc:sldMkLst>
+        <pc:spChg chg="mod">
+          <ac:chgData name="KimNamhyoung" userId="442ac80a-8cd4-4165-8fc5-0e4ac214a370" providerId="ADAL" clId="{758FC9A8-A726-4B39-96F5-30AF5D78A8D8}" dt="2021-01-07T08:47:49.674" v="13" actId="6549"/>
+          <ac:spMkLst>
+            <pc:docMk/>
+            <pc:sldMk cId="234079446" sldId="609"/>
+            <ac:spMk id="5" creationId="{00000000-0000-0000-0000-000000000000}"/>
+          </ac:spMkLst>
+        </pc:spChg>
+      </pc:sldChg>
+      <pc:sldChg chg="modSp add mod">
+        <pc:chgData name="KimNamhyoung" userId="442ac80a-8cd4-4165-8fc5-0e4ac214a370" providerId="ADAL" clId="{758FC9A8-A726-4B39-96F5-30AF5D78A8D8}" dt="2021-01-07T08:56:27.111" v="83" actId="6549"/>
+        <pc:sldMkLst>
+          <pc:docMk/>
+          <pc:sldMk cId="3128233427" sldId="628"/>
+        </pc:sldMkLst>
+        <pc:spChg chg="mod">
+          <ac:chgData name="KimNamhyoung" userId="442ac80a-8cd4-4165-8fc5-0e4ac214a370" providerId="ADAL" clId="{758FC9A8-A726-4B39-96F5-30AF5D78A8D8}" dt="2021-01-07T08:55:19.229" v="45"/>
+          <ac:spMkLst>
+            <pc:docMk/>
+            <pc:sldMk cId="3128233427" sldId="628"/>
+            <ac:spMk id="3" creationId="{00000000-0000-0000-0000-000000000000}"/>
+          </ac:spMkLst>
+        </pc:spChg>
+        <pc:spChg chg="mod">
+          <ac:chgData name="KimNamhyoung" userId="442ac80a-8cd4-4165-8fc5-0e4ac214a370" providerId="ADAL" clId="{758FC9A8-A726-4B39-96F5-30AF5D78A8D8}" dt="2021-01-07T08:56:27.111" v="83" actId="6549"/>
+          <ac:spMkLst>
+            <pc:docMk/>
+            <pc:sldMk cId="3128233427" sldId="628"/>
+            <ac:spMk id="13" creationId="{00000000-0000-0000-0000-000000000000}"/>
+          </ac:spMkLst>
+        </pc:spChg>
+      </pc:sldChg>
+      <pc:sldChg chg="add">
+        <pc:chgData name="KimNamhyoung" userId="442ac80a-8cd4-4165-8fc5-0e4ac214a370" providerId="ADAL" clId="{758FC9A8-A726-4B39-96F5-30AF5D78A8D8}" dt="2021-01-07T08:55:53.501" v="63"/>
+        <pc:sldMkLst>
+          <pc:docMk/>
+          <pc:sldMk cId="1766814976" sldId="629"/>
+        </pc:sldMkLst>
+      </pc:sldChg>
+      <pc:sldChg chg="add">
+        <pc:chgData name="KimNamhyoung" userId="442ac80a-8cd4-4165-8fc5-0e4ac214a370" providerId="ADAL" clId="{758FC9A8-A726-4B39-96F5-30AF5D78A8D8}" dt="2021-01-07T08:55:54.243" v="64"/>
+        <pc:sldMkLst>
+          <pc:docMk/>
+          <pc:sldMk cId="2263278789" sldId="630"/>
+        </pc:sldMkLst>
+      </pc:sldChg>
+      <pc:sldChg chg="add">
+        <pc:chgData name="KimNamhyoung" userId="442ac80a-8cd4-4165-8fc5-0e4ac214a370" providerId="ADAL" clId="{758FC9A8-A726-4B39-96F5-30AF5D78A8D8}" dt="2021-01-07T08:55:54.764" v="65"/>
+        <pc:sldMkLst>
+          <pc:docMk/>
+          <pc:sldMk cId="3782876394" sldId="631"/>
+        </pc:sldMkLst>
       </pc:sldChg>
     </pc:docChg>
   </pc:docChgLst>
@@ -1217,6 +2087,93 @@
 </pc:chgInfo>
 </file>
 
+<file path=ppt/ink/ink1.xml><?xml version="1.0" encoding="utf-8"?>
+<inkml:ink xmlns:inkml="http://www.w3.org/2003/InkML">
+  <inkml:definitions>
+    <inkml:context xml:id="ctx0">
+      <inkml:inkSource xml:id="inkSrc0">
+        <inkml:traceFormat>
+          <inkml:channel name="X" type="integer" min="-2.14748E9" max="2.14748E9" units="cm"/>
+          <inkml:channel name="Y" type="integer" min="-2.14748E9" max="2.14748E9" units="cm"/>
+        </inkml:traceFormat>
+        <inkml:channelProperties>
+          <inkml:channelProperty channel="X" name="resolution" value="1000" units="1/cm"/>
+          <inkml:channelProperty channel="Y" name="resolution" value="1000" units="1/cm"/>
+        </inkml:channelProperties>
+      </inkml:inkSource>
+      <inkml:timestamp xml:id="ts0" timeString="2021-01-07T13:14:20.254"/>
+    </inkml:context>
+    <inkml:brush xml:id="br0">
+      <inkml:brushProperty name="width" value="0.3" units="cm"/>
+      <inkml:brushProperty name="height" value="0.6" units="cm"/>
+      <inkml:brushProperty name="color" value="#FFFC00"/>
+      <inkml:brushProperty name="tip" value="rectangle"/>
+      <inkml:brushProperty name="rasterOp" value="maskPen"/>
+      <inkml:brushProperty name="ignorePressure" value="1"/>
+    </inkml:brush>
+  </inkml:definitions>
+  <inkml:trace contextRef="#ctx0" brushRef="#br0">0 1,'2272'0,"-2306"0,14 0</inkml:trace>
+</inkml:ink>
+</file>
+
+<file path=ppt/ink/ink2.xml><?xml version="1.0" encoding="utf-8"?>
+<inkml:ink xmlns:inkml="http://www.w3.org/2003/InkML">
+  <inkml:definitions>
+    <inkml:context xml:id="ctx0">
+      <inkml:inkSource xml:id="inkSrc0">
+        <inkml:traceFormat>
+          <inkml:channel name="X" type="integer" min="-2.14748E9" max="2.14748E9" units="cm"/>
+          <inkml:channel name="Y" type="integer" min="-2.14748E9" max="2.14748E9" units="cm"/>
+        </inkml:traceFormat>
+        <inkml:channelProperties>
+          <inkml:channelProperty channel="X" name="resolution" value="1000" units="1/cm"/>
+          <inkml:channelProperty channel="Y" name="resolution" value="1000" units="1/cm"/>
+        </inkml:channelProperties>
+      </inkml:inkSource>
+      <inkml:timestamp xml:id="ts0" timeString="2021-01-07T13:14:07.335"/>
+    </inkml:context>
+    <inkml:brush xml:id="br0">
+      <inkml:brushProperty name="width" value="0.3" units="cm"/>
+      <inkml:brushProperty name="height" value="0.6" units="cm"/>
+      <inkml:brushProperty name="color" value="#FFFC00"/>
+      <inkml:brushProperty name="tip" value="rectangle"/>
+      <inkml:brushProperty name="rasterOp" value="maskPen"/>
+      <inkml:brushProperty name="ignorePressure" value="1"/>
+    </inkml:brush>
+  </inkml:definitions>
+  <inkml:trace contextRef="#ctx0" brushRef="#br0">1 0,'2060'0,"-2051"0</inkml:trace>
+</inkml:ink>
+</file>
+
+<file path=ppt/ink/ink3.xml><?xml version="1.0" encoding="utf-8"?>
+<inkml:ink xmlns:inkml="http://www.w3.org/2003/InkML">
+  <inkml:definitions>
+    <inkml:context xml:id="ctx0">
+      <inkml:inkSource xml:id="inkSrc0">
+        <inkml:traceFormat>
+          <inkml:channel name="X" type="integer" min="-2.14748E9" max="2.14748E9" units="cm"/>
+          <inkml:channel name="Y" type="integer" min="-2.14748E9" max="2.14748E9" units="cm"/>
+        </inkml:traceFormat>
+        <inkml:channelProperties>
+          <inkml:channelProperty channel="X" name="resolution" value="1000" units="1/cm"/>
+          <inkml:channelProperty channel="Y" name="resolution" value="1000" units="1/cm"/>
+        </inkml:channelProperties>
+      </inkml:inkSource>
+      <inkml:timestamp xml:id="ts0" timeString="2021-01-07T13:13:59.696"/>
+    </inkml:context>
+    <inkml:brush xml:id="br0">
+      <inkml:brushProperty name="width" value="0.3" units="cm"/>
+      <inkml:brushProperty name="height" value="0.6" units="cm"/>
+      <inkml:brushProperty name="color" value="#FFFC00"/>
+      <inkml:brushProperty name="tip" value="rectangle"/>
+      <inkml:brushProperty name="rasterOp" value="maskPen"/>
+      <inkml:brushProperty name="ignorePressure" value="1"/>
+    </inkml:brush>
+  </inkml:definitions>
+  <inkml:trace contextRef="#ctx0" brushRef="#br0">0 1,'3238'0,"-3226"0</inkml:trace>
+</inkml:ink>
+</file>
+
 <file path=ppt/notesMasters/notesMaster1.xml><?xml version="1.0" encoding="utf-8"?>
 <p:notesMaster xmlns:a="http://schemas.openxmlformats.org/drawingml/2006/main" xmlns:r="http://schemas.openxmlformats.org/officeDocument/2006/relationships" xmlns:p="http://schemas.openxmlformats.org/presentationml/2006/main">
   <p:cSld>
@@ -4517,6 +5474,783 @@
 </p:notes>
 </file>
 
+<file path=ppt/notesSlides/notesSlide33.xml><?xml version="1.0" encoding="utf-8"?>
+<p:notes xmlns:a="http://schemas.openxmlformats.org/drawingml/2006/main" xmlns:r="http://schemas.openxmlformats.org/officeDocument/2006/relationships" xmlns:p="http://schemas.openxmlformats.org/presentationml/2006/main">
+  <p:cSld>
+    <p:spTree>
+      <p:nvGrpSpPr>
+        <p:cNvPr id="1" name=""/>
+        <p:cNvGrpSpPr/>
+        <p:nvPr/>
+      </p:nvGrpSpPr>
+      <p:grpSpPr>
+        <a:xfrm>
+          <a:off x="0" y="0"/>
+          <a:ext cx="0" cy="0"/>
+          <a:chOff x="0" y="0"/>
+          <a:chExt cx="0" cy="0"/>
+        </a:xfrm>
+      </p:grpSpPr>
+      <p:sp>
+        <p:nvSpPr>
+          <p:cNvPr id="2" name="슬라이드 이미지 개체 틀 1"/>
+          <p:cNvSpPr>
+            <a:spLocks noGrp="1" noRot="1" noChangeAspect="1"/>
+          </p:cNvSpPr>
+          <p:nvPr>
+            <p:ph type="sldImg"/>
+          </p:nvPr>
+        </p:nvSpPr>
+        <p:spPr>
+          <a:xfrm>
+            <a:off x="1143000" y="685800"/>
+            <a:ext cx="4572000" cy="3429000"/>
+          </a:xfrm>
+        </p:spPr>
+      </p:sp>
+      <p:sp>
+        <p:nvSpPr>
+          <p:cNvPr id="3" name="슬라이드 노트 개체 틀 2"/>
+          <p:cNvSpPr>
+            <a:spLocks noGrp="1"/>
+          </p:cNvSpPr>
+          <p:nvPr>
+            <p:ph type="body" idx="1"/>
+          </p:nvPr>
+        </p:nvSpPr>
+        <p:spPr/>
+        <p:txBody>
+          <a:bodyPr/>
+          <a:lstStyle/>
+          <a:p>
+            <a:endParaRPr lang="ko-KR" altLang="en-US" dirty="0"/>
+          </a:p>
+        </p:txBody>
+      </p:sp>
+      <p:sp>
+        <p:nvSpPr>
+          <p:cNvPr id="4" name="슬라이드 번호 개체 틀 3"/>
+          <p:cNvSpPr>
+            <a:spLocks noGrp="1"/>
+          </p:cNvSpPr>
+          <p:nvPr>
+            <p:ph type="sldNum" sz="quarter" idx="10"/>
+          </p:nvPr>
+        </p:nvSpPr>
+        <p:spPr>
+          <a:xfrm>
+            <a:off x="4021138" y="9721850"/>
+            <a:ext cx="3076575" cy="511175"/>
+          </a:xfrm>
+          <a:prstGeom prst="rect">
+            <a:avLst/>
+          </a:prstGeom>
+        </p:spPr>
+        <p:txBody>
+          <a:bodyPr/>
+          <a:lstStyle/>
+          <a:p>
+            <a:pPr>
+              <a:defRPr/>
+            </a:pPr>
+            <a:fld id="{7BFC1CD4-00F2-4EA7-8C31-7B07CD09CE95}" type="slidenum">
+              <a:rPr lang="en-US" altLang="ko-KR" smtClean="0">
+                <a:solidFill>
+                  <a:prstClr val="black"/>
+                </a:solidFill>
+              </a:rPr>
+              <a:pPr>
+                <a:defRPr/>
+              </a:pPr>
+              <a:t>34</a:t>
+            </a:fld>
+            <a:endParaRPr lang="en-US" altLang="ko-KR">
+              <a:solidFill>
+                <a:prstClr val="black"/>
+              </a:solidFill>
+            </a:endParaRPr>
+          </a:p>
+        </p:txBody>
+      </p:sp>
+    </p:spTree>
+    <p:extLst>
+      <p:ext uri="{BB962C8B-B14F-4D97-AF65-F5344CB8AC3E}">
+        <p14:creationId xmlns:p14="http://schemas.microsoft.com/office/powerpoint/2010/main" val="2893406320"/>
+      </p:ext>
+    </p:extLst>
+  </p:cSld>
+  <p:clrMapOvr>
+    <a:masterClrMapping/>
+  </p:clrMapOvr>
+</p:notes>
+</file>
+
+<file path=ppt/notesSlides/notesSlide34.xml><?xml version="1.0" encoding="utf-8"?>
+<p:notes xmlns:a="http://schemas.openxmlformats.org/drawingml/2006/main" xmlns:r="http://schemas.openxmlformats.org/officeDocument/2006/relationships" xmlns:p="http://schemas.openxmlformats.org/presentationml/2006/main">
+  <p:cSld>
+    <p:spTree>
+      <p:nvGrpSpPr>
+        <p:cNvPr id="1" name=""/>
+        <p:cNvGrpSpPr/>
+        <p:nvPr/>
+      </p:nvGrpSpPr>
+      <p:grpSpPr>
+        <a:xfrm>
+          <a:off x="0" y="0"/>
+          <a:ext cx="0" cy="0"/>
+          <a:chOff x="0" y="0"/>
+          <a:chExt cx="0" cy="0"/>
+        </a:xfrm>
+      </p:grpSpPr>
+      <p:sp>
+        <p:nvSpPr>
+          <p:cNvPr id="2" name="슬라이드 이미지 개체 틀 1"/>
+          <p:cNvSpPr>
+            <a:spLocks noGrp="1" noRot="1" noChangeAspect="1"/>
+          </p:cNvSpPr>
+          <p:nvPr>
+            <p:ph type="sldImg"/>
+          </p:nvPr>
+        </p:nvSpPr>
+        <p:spPr>
+          <a:xfrm>
+            <a:off x="1143000" y="685800"/>
+            <a:ext cx="4572000" cy="3429000"/>
+          </a:xfrm>
+        </p:spPr>
+      </p:sp>
+      <p:sp>
+        <p:nvSpPr>
+          <p:cNvPr id="3" name="슬라이드 노트 개체 틀 2"/>
+          <p:cNvSpPr>
+            <a:spLocks noGrp="1"/>
+          </p:cNvSpPr>
+          <p:nvPr>
+            <p:ph type="body" idx="1"/>
+          </p:nvPr>
+        </p:nvSpPr>
+        <p:spPr/>
+        <p:txBody>
+          <a:bodyPr/>
+          <a:lstStyle/>
+          <a:p>
+            <a:endParaRPr lang="ko-KR" altLang="en-US" dirty="0"/>
+          </a:p>
+        </p:txBody>
+      </p:sp>
+      <p:sp>
+        <p:nvSpPr>
+          <p:cNvPr id="4" name="슬라이드 번호 개체 틀 3"/>
+          <p:cNvSpPr>
+            <a:spLocks noGrp="1"/>
+          </p:cNvSpPr>
+          <p:nvPr>
+            <p:ph type="sldNum" sz="quarter" idx="10"/>
+          </p:nvPr>
+        </p:nvSpPr>
+        <p:spPr>
+          <a:xfrm>
+            <a:off x="4021138" y="9721850"/>
+            <a:ext cx="3076575" cy="511175"/>
+          </a:xfrm>
+          <a:prstGeom prst="rect">
+            <a:avLst/>
+          </a:prstGeom>
+        </p:spPr>
+        <p:txBody>
+          <a:bodyPr/>
+          <a:lstStyle/>
+          <a:p>
+            <a:pPr>
+              <a:defRPr/>
+            </a:pPr>
+            <a:fld id="{7BFC1CD4-00F2-4EA7-8C31-7B07CD09CE95}" type="slidenum">
+              <a:rPr lang="en-US" altLang="ko-KR" smtClean="0">
+                <a:solidFill>
+                  <a:prstClr val="black"/>
+                </a:solidFill>
+              </a:rPr>
+              <a:pPr>
+                <a:defRPr/>
+              </a:pPr>
+              <a:t>35</a:t>
+            </a:fld>
+            <a:endParaRPr lang="en-US" altLang="ko-KR">
+              <a:solidFill>
+                <a:prstClr val="black"/>
+              </a:solidFill>
+            </a:endParaRPr>
+          </a:p>
+        </p:txBody>
+      </p:sp>
+    </p:spTree>
+    <p:extLst>
+      <p:ext uri="{BB962C8B-B14F-4D97-AF65-F5344CB8AC3E}">
+        <p14:creationId xmlns:p14="http://schemas.microsoft.com/office/powerpoint/2010/main" val="230251626"/>
+      </p:ext>
+    </p:extLst>
+  </p:cSld>
+  <p:clrMapOvr>
+    <a:masterClrMapping/>
+  </p:clrMapOvr>
+</p:notes>
+</file>
+
+<file path=ppt/notesSlides/notesSlide35.xml><?xml version="1.0" encoding="utf-8"?>
+<p:notes xmlns:a="http://schemas.openxmlformats.org/drawingml/2006/main" xmlns:r="http://schemas.openxmlformats.org/officeDocument/2006/relationships" xmlns:p="http://schemas.openxmlformats.org/presentationml/2006/main">
+  <p:cSld>
+    <p:spTree>
+      <p:nvGrpSpPr>
+        <p:cNvPr id="1" name=""/>
+        <p:cNvGrpSpPr/>
+        <p:nvPr/>
+      </p:nvGrpSpPr>
+      <p:grpSpPr>
+        <a:xfrm>
+          <a:off x="0" y="0"/>
+          <a:ext cx="0" cy="0"/>
+          <a:chOff x="0" y="0"/>
+          <a:chExt cx="0" cy="0"/>
+        </a:xfrm>
+      </p:grpSpPr>
+      <p:sp>
+        <p:nvSpPr>
+          <p:cNvPr id="2" name="슬라이드 이미지 개체 틀 1"/>
+          <p:cNvSpPr>
+            <a:spLocks noGrp="1" noRot="1" noChangeAspect="1"/>
+          </p:cNvSpPr>
+          <p:nvPr>
+            <p:ph type="sldImg"/>
+          </p:nvPr>
+        </p:nvSpPr>
+        <p:spPr>
+          <a:xfrm>
+            <a:off x="1143000" y="685800"/>
+            <a:ext cx="4572000" cy="3429000"/>
+          </a:xfrm>
+        </p:spPr>
+      </p:sp>
+      <p:sp>
+        <p:nvSpPr>
+          <p:cNvPr id="3" name="슬라이드 노트 개체 틀 2"/>
+          <p:cNvSpPr>
+            <a:spLocks noGrp="1"/>
+          </p:cNvSpPr>
+          <p:nvPr>
+            <p:ph type="body" idx="1"/>
+          </p:nvPr>
+        </p:nvSpPr>
+        <p:spPr/>
+        <p:txBody>
+          <a:bodyPr/>
+          <a:lstStyle/>
+          <a:p>
+            <a:endParaRPr lang="ko-KR" altLang="en-US" dirty="0"/>
+          </a:p>
+        </p:txBody>
+      </p:sp>
+      <p:sp>
+        <p:nvSpPr>
+          <p:cNvPr id="4" name="슬라이드 번호 개체 틀 3"/>
+          <p:cNvSpPr>
+            <a:spLocks noGrp="1"/>
+          </p:cNvSpPr>
+          <p:nvPr>
+            <p:ph type="sldNum" sz="quarter" idx="10"/>
+          </p:nvPr>
+        </p:nvSpPr>
+        <p:spPr>
+          <a:xfrm>
+            <a:off x="4021138" y="9721850"/>
+            <a:ext cx="3076575" cy="511175"/>
+          </a:xfrm>
+          <a:prstGeom prst="rect">
+            <a:avLst/>
+          </a:prstGeom>
+        </p:spPr>
+        <p:txBody>
+          <a:bodyPr/>
+          <a:lstStyle/>
+          <a:p>
+            <a:pPr>
+              <a:defRPr/>
+            </a:pPr>
+            <a:fld id="{7BFC1CD4-00F2-4EA7-8C31-7B07CD09CE95}" type="slidenum">
+              <a:rPr lang="en-US" altLang="ko-KR" smtClean="0">
+                <a:solidFill>
+                  <a:prstClr val="black"/>
+                </a:solidFill>
+              </a:rPr>
+              <a:pPr>
+                <a:defRPr/>
+              </a:pPr>
+              <a:t>36</a:t>
+            </a:fld>
+            <a:endParaRPr lang="en-US" altLang="ko-KR">
+              <a:solidFill>
+                <a:prstClr val="black"/>
+              </a:solidFill>
+            </a:endParaRPr>
+          </a:p>
+        </p:txBody>
+      </p:sp>
+    </p:spTree>
+    <p:extLst>
+      <p:ext uri="{BB962C8B-B14F-4D97-AF65-F5344CB8AC3E}">
+        <p14:creationId xmlns:p14="http://schemas.microsoft.com/office/powerpoint/2010/main" val="1663835214"/>
+      </p:ext>
+    </p:extLst>
+  </p:cSld>
+  <p:clrMapOvr>
+    <a:masterClrMapping/>
+  </p:clrMapOvr>
+</p:notes>
+</file>
+
+<file path=ppt/notesSlides/notesSlide36.xml><?xml version="1.0" encoding="utf-8"?>
+<p:notes xmlns:a="http://schemas.openxmlformats.org/drawingml/2006/main" xmlns:r="http://schemas.openxmlformats.org/officeDocument/2006/relationships" xmlns:p="http://schemas.openxmlformats.org/presentationml/2006/main">
+  <p:cSld>
+    <p:spTree>
+      <p:nvGrpSpPr>
+        <p:cNvPr id="1" name=""/>
+        <p:cNvGrpSpPr/>
+        <p:nvPr/>
+      </p:nvGrpSpPr>
+      <p:grpSpPr>
+        <a:xfrm>
+          <a:off x="0" y="0"/>
+          <a:ext cx="0" cy="0"/>
+          <a:chOff x="0" y="0"/>
+          <a:chExt cx="0" cy="0"/>
+        </a:xfrm>
+      </p:grpSpPr>
+      <p:sp>
+        <p:nvSpPr>
+          <p:cNvPr id="2" name="슬라이드 이미지 개체 틀 1"/>
+          <p:cNvSpPr>
+            <a:spLocks noGrp="1" noRot="1" noChangeAspect="1"/>
+          </p:cNvSpPr>
+          <p:nvPr>
+            <p:ph type="sldImg"/>
+          </p:nvPr>
+        </p:nvSpPr>
+        <p:spPr>
+          <a:xfrm>
+            <a:off x="1143000" y="685800"/>
+            <a:ext cx="4572000" cy="3429000"/>
+          </a:xfrm>
+        </p:spPr>
+      </p:sp>
+      <p:sp>
+        <p:nvSpPr>
+          <p:cNvPr id="3" name="슬라이드 노트 개체 틀 2"/>
+          <p:cNvSpPr>
+            <a:spLocks noGrp="1"/>
+          </p:cNvSpPr>
+          <p:nvPr>
+            <p:ph type="body" idx="1"/>
+          </p:nvPr>
+        </p:nvSpPr>
+        <p:spPr/>
+        <p:txBody>
+          <a:bodyPr/>
+          <a:lstStyle/>
+          <a:p>
+            <a:endParaRPr lang="ko-KR" altLang="en-US" dirty="0"/>
+          </a:p>
+        </p:txBody>
+      </p:sp>
+      <p:sp>
+        <p:nvSpPr>
+          <p:cNvPr id="4" name="슬라이드 번호 개체 틀 3"/>
+          <p:cNvSpPr>
+            <a:spLocks noGrp="1"/>
+          </p:cNvSpPr>
+          <p:nvPr>
+            <p:ph type="sldNum" sz="quarter" idx="10"/>
+          </p:nvPr>
+        </p:nvSpPr>
+        <p:spPr>
+          <a:xfrm>
+            <a:off x="4021138" y="9721850"/>
+            <a:ext cx="3076575" cy="511175"/>
+          </a:xfrm>
+          <a:prstGeom prst="rect">
+            <a:avLst/>
+          </a:prstGeom>
+        </p:spPr>
+        <p:txBody>
+          <a:bodyPr/>
+          <a:lstStyle/>
+          <a:p>
+            <a:pPr>
+              <a:defRPr/>
+            </a:pPr>
+            <a:fld id="{7BFC1CD4-00F2-4EA7-8C31-7B07CD09CE95}" type="slidenum">
+              <a:rPr lang="en-US" altLang="ko-KR" smtClean="0">
+                <a:solidFill>
+                  <a:prstClr val="black"/>
+                </a:solidFill>
+              </a:rPr>
+              <a:pPr>
+                <a:defRPr/>
+              </a:pPr>
+              <a:t>37</a:t>
+            </a:fld>
+            <a:endParaRPr lang="en-US" altLang="ko-KR">
+              <a:solidFill>
+                <a:prstClr val="black"/>
+              </a:solidFill>
+            </a:endParaRPr>
+          </a:p>
+        </p:txBody>
+      </p:sp>
+    </p:spTree>
+    <p:extLst>
+      <p:ext uri="{BB962C8B-B14F-4D97-AF65-F5344CB8AC3E}">
+        <p14:creationId xmlns:p14="http://schemas.microsoft.com/office/powerpoint/2010/main" val="3165835180"/>
+      </p:ext>
+    </p:extLst>
+  </p:cSld>
+  <p:clrMapOvr>
+    <a:masterClrMapping/>
+  </p:clrMapOvr>
+</p:notes>
+</file>
+
+<file path=ppt/notesSlides/notesSlide37.xml><?xml version="1.0" encoding="utf-8"?>
+<p:notes xmlns:a="http://schemas.openxmlformats.org/drawingml/2006/main" xmlns:r="http://schemas.openxmlformats.org/officeDocument/2006/relationships" xmlns:p="http://schemas.openxmlformats.org/presentationml/2006/main">
+  <p:cSld>
+    <p:spTree>
+      <p:nvGrpSpPr>
+        <p:cNvPr id="1" name=""/>
+        <p:cNvGrpSpPr/>
+        <p:nvPr/>
+      </p:nvGrpSpPr>
+      <p:grpSpPr>
+        <a:xfrm>
+          <a:off x="0" y="0"/>
+          <a:ext cx="0" cy="0"/>
+          <a:chOff x="0" y="0"/>
+          <a:chExt cx="0" cy="0"/>
+        </a:xfrm>
+      </p:grpSpPr>
+      <p:sp>
+        <p:nvSpPr>
+          <p:cNvPr id="2" name="슬라이드 이미지 개체 틀 1"/>
+          <p:cNvSpPr>
+            <a:spLocks noGrp="1" noRot="1" noChangeAspect="1"/>
+          </p:cNvSpPr>
+          <p:nvPr>
+            <p:ph type="sldImg"/>
+          </p:nvPr>
+        </p:nvSpPr>
+        <p:spPr>
+          <a:xfrm>
+            <a:off x="1143000" y="685800"/>
+            <a:ext cx="4572000" cy="3429000"/>
+          </a:xfrm>
+        </p:spPr>
+      </p:sp>
+      <p:sp>
+        <p:nvSpPr>
+          <p:cNvPr id="3" name="슬라이드 노트 개체 틀 2"/>
+          <p:cNvSpPr>
+            <a:spLocks noGrp="1"/>
+          </p:cNvSpPr>
+          <p:nvPr>
+            <p:ph type="body" idx="1"/>
+          </p:nvPr>
+        </p:nvSpPr>
+        <p:spPr/>
+        <p:txBody>
+          <a:bodyPr/>
+          <a:lstStyle/>
+          <a:p>
+            <a:endParaRPr lang="ko-KR" altLang="en-US" dirty="0"/>
+          </a:p>
+        </p:txBody>
+      </p:sp>
+      <p:sp>
+        <p:nvSpPr>
+          <p:cNvPr id="4" name="슬라이드 번호 개체 틀 3"/>
+          <p:cNvSpPr>
+            <a:spLocks noGrp="1"/>
+          </p:cNvSpPr>
+          <p:nvPr>
+            <p:ph type="sldNum" sz="quarter" idx="10"/>
+          </p:nvPr>
+        </p:nvSpPr>
+        <p:spPr>
+          <a:xfrm>
+            <a:off x="4021138" y="9721850"/>
+            <a:ext cx="3076575" cy="511175"/>
+          </a:xfrm>
+          <a:prstGeom prst="rect">
+            <a:avLst/>
+          </a:prstGeom>
+        </p:spPr>
+        <p:txBody>
+          <a:bodyPr/>
+          <a:lstStyle/>
+          <a:p>
+            <a:pPr>
+              <a:defRPr/>
+            </a:pPr>
+            <a:fld id="{7BFC1CD4-00F2-4EA7-8C31-7B07CD09CE95}" type="slidenum">
+              <a:rPr lang="en-US" altLang="ko-KR" smtClean="0">
+                <a:solidFill>
+                  <a:prstClr val="black"/>
+                </a:solidFill>
+              </a:rPr>
+              <a:pPr>
+                <a:defRPr/>
+              </a:pPr>
+              <a:t>38</a:t>
+            </a:fld>
+            <a:endParaRPr lang="en-US" altLang="ko-KR">
+              <a:solidFill>
+                <a:prstClr val="black"/>
+              </a:solidFill>
+            </a:endParaRPr>
+          </a:p>
+        </p:txBody>
+      </p:sp>
+    </p:spTree>
+    <p:extLst>
+      <p:ext uri="{BB962C8B-B14F-4D97-AF65-F5344CB8AC3E}">
+        <p14:creationId xmlns:p14="http://schemas.microsoft.com/office/powerpoint/2010/main" val="3150618749"/>
+      </p:ext>
+    </p:extLst>
+  </p:cSld>
+  <p:clrMapOvr>
+    <a:masterClrMapping/>
+  </p:clrMapOvr>
+</p:notes>
+</file>
+
+<file path=ppt/notesSlides/notesSlide38.xml><?xml version="1.0" encoding="utf-8"?>
+<p:notes xmlns:a="http://schemas.openxmlformats.org/drawingml/2006/main" xmlns:r="http://schemas.openxmlformats.org/officeDocument/2006/relationships" xmlns:p="http://schemas.openxmlformats.org/presentationml/2006/main">
+  <p:cSld>
+    <p:spTree>
+      <p:nvGrpSpPr>
+        <p:cNvPr id="1" name=""/>
+        <p:cNvGrpSpPr/>
+        <p:nvPr/>
+      </p:nvGrpSpPr>
+      <p:grpSpPr>
+        <a:xfrm>
+          <a:off x="0" y="0"/>
+          <a:ext cx="0" cy="0"/>
+          <a:chOff x="0" y="0"/>
+          <a:chExt cx="0" cy="0"/>
+        </a:xfrm>
+      </p:grpSpPr>
+      <p:sp>
+        <p:nvSpPr>
+          <p:cNvPr id="2" name="슬라이드 이미지 개체 틀 1"/>
+          <p:cNvSpPr>
+            <a:spLocks noGrp="1" noRot="1" noChangeAspect="1"/>
+          </p:cNvSpPr>
+          <p:nvPr>
+            <p:ph type="sldImg"/>
+          </p:nvPr>
+        </p:nvSpPr>
+        <p:spPr>
+          <a:xfrm>
+            <a:off x="1143000" y="685800"/>
+            <a:ext cx="4572000" cy="3429000"/>
+          </a:xfrm>
+        </p:spPr>
+      </p:sp>
+      <p:sp>
+        <p:nvSpPr>
+          <p:cNvPr id="3" name="슬라이드 노트 개체 틀 2"/>
+          <p:cNvSpPr>
+            <a:spLocks noGrp="1"/>
+          </p:cNvSpPr>
+          <p:nvPr>
+            <p:ph type="body" idx="1"/>
+          </p:nvPr>
+        </p:nvSpPr>
+        <p:spPr/>
+        <p:txBody>
+          <a:bodyPr/>
+          <a:lstStyle/>
+          <a:p>
+            <a:endParaRPr lang="ko-KR" altLang="en-US" dirty="0"/>
+          </a:p>
+        </p:txBody>
+      </p:sp>
+      <p:sp>
+        <p:nvSpPr>
+          <p:cNvPr id="4" name="슬라이드 번호 개체 틀 3"/>
+          <p:cNvSpPr>
+            <a:spLocks noGrp="1"/>
+          </p:cNvSpPr>
+          <p:nvPr>
+            <p:ph type="sldNum" sz="quarter" idx="10"/>
+          </p:nvPr>
+        </p:nvSpPr>
+        <p:spPr>
+          <a:xfrm>
+            <a:off x="4021138" y="9721850"/>
+            <a:ext cx="3076575" cy="511175"/>
+          </a:xfrm>
+          <a:prstGeom prst="rect">
+            <a:avLst/>
+          </a:prstGeom>
+        </p:spPr>
+        <p:txBody>
+          <a:bodyPr/>
+          <a:lstStyle/>
+          <a:p>
+            <a:pPr>
+              <a:defRPr/>
+            </a:pPr>
+            <a:fld id="{7BFC1CD4-00F2-4EA7-8C31-7B07CD09CE95}" type="slidenum">
+              <a:rPr lang="en-US" altLang="ko-KR" smtClean="0">
+                <a:solidFill>
+                  <a:prstClr val="black"/>
+                </a:solidFill>
+              </a:rPr>
+              <a:pPr>
+                <a:defRPr/>
+              </a:pPr>
+              <a:t>39</a:t>
+            </a:fld>
+            <a:endParaRPr lang="en-US" altLang="ko-KR">
+              <a:solidFill>
+                <a:prstClr val="black"/>
+              </a:solidFill>
+            </a:endParaRPr>
+          </a:p>
+        </p:txBody>
+      </p:sp>
+    </p:spTree>
+    <p:extLst>
+      <p:ext uri="{BB962C8B-B14F-4D97-AF65-F5344CB8AC3E}">
+        <p14:creationId xmlns:p14="http://schemas.microsoft.com/office/powerpoint/2010/main" val="2274759014"/>
+      </p:ext>
+    </p:extLst>
+  </p:cSld>
+  <p:clrMapOvr>
+    <a:masterClrMapping/>
+  </p:clrMapOvr>
+</p:notes>
+</file>
+
+<file path=ppt/notesSlides/notesSlide39.xml><?xml version="1.0" encoding="utf-8"?>
+<p:notes xmlns:a="http://schemas.openxmlformats.org/drawingml/2006/main" xmlns:r="http://schemas.openxmlformats.org/officeDocument/2006/relationships" xmlns:p="http://schemas.openxmlformats.org/presentationml/2006/main">
+  <p:cSld>
+    <p:spTree>
+      <p:nvGrpSpPr>
+        <p:cNvPr id="1" name=""/>
+        <p:cNvGrpSpPr/>
+        <p:nvPr/>
+      </p:nvGrpSpPr>
+      <p:grpSpPr>
+        <a:xfrm>
+          <a:off x="0" y="0"/>
+          <a:ext cx="0" cy="0"/>
+          <a:chOff x="0" y="0"/>
+          <a:chExt cx="0" cy="0"/>
+        </a:xfrm>
+      </p:grpSpPr>
+      <p:sp>
+        <p:nvSpPr>
+          <p:cNvPr id="2" name="슬라이드 이미지 개체 틀 1"/>
+          <p:cNvSpPr>
+            <a:spLocks noGrp="1" noRot="1" noChangeAspect="1"/>
+          </p:cNvSpPr>
+          <p:nvPr>
+            <p:ph type="sldImg"/>
+          </p:nvPr>
+        </p:nvSpPr>
+        <p:spPr>
+          <a:xfrm>
+            <a:off x="1143000" y="685800"/>
+            <a:ext cx="4572000" cy="3429000"/>
+          </a:xfrm>
+        </p:spPr>
+      </p:sp>
+      <p:sp>
+        <p:nvSpPr>
+          <p:cNvPr id="3" name="슬라이드 노트 개체 틀 2"/>
+          <p:cNvSpPr>
+            <a:spLocks noGrp="1"/>
+          </p:cNvSpPr>
+          <p:nvPr>
+            <p:ph type="body" idx="1"/>
+          </p:nvPr>
+        </p:nvSpPr>
+        <p:spPr/>
+        <p:txBody>
+          <a:bodyPr/>
+          <a:lstStyle/>
+          <a:p>
+            <a:endParaRPr lang="ko-KR" altLang="en-US" dirty="0"/>
+          </a:p>
+        </p:txBody>
+      </p:sp>
+      <p:sp>
+        <p:nvSpPr>
+          <p:cNvPr id="4" name="슬라이드 번호 개체 틀 3"/>
+          <p:cNvSpPr>
+            <a:spLocks noGrp="1"/>
+          </p:cNvSpPr>
+          <p:nvPr>
+            <p:ph type="sldNum" sz="quarter" idx="10"/>
+          </p:nvPr>
+        </p:nvSpPr>
+        <p:spPr>
+          <a:xfrm>
+            <a:off x="4021138" y="9721850"/>
+            <a:ext cx="3076575" cy="511175"/>
+          </a:xfrm>
+          <a:prstGeom prst="rect">
+            <a:avLst/>
+          </a:prstGeom>
+        </p:spPr>
+        <p:txBody>
+          <a:bodyPr/>
+          <a:lstStyle/>
+          <a:p>
+            <a:pPr>
+              <a:defRPr/>
+            </a:pPr>
+            <a:fld id="{7BFC1CD4-00F2-4EA7-8C31-7B07CD09CE95}" type="slidenum">
+              <a:rPr lang="en-US" altLang="ko-KR" smtClean="0">
+                <a:solidFill>
+                  <a:prstClr val="black"/>
+                </a:solidFill>
+              </a:rPr>
+              <a:pPr>
+                <a:defRPr/>
+              </a:pPr>
+              <a:t>40</a:t>
+            </a:fld>
+            <a:endParaRPr lang="en-US" altLang="ko-KR">
+              <a:solidFill>
+                <a:prstClr val="black"/>
+              </a:solidFill>
+            </a:endParaRPr>
+          </a:p>
+        </p:txBody>
+      </p:sp>
+    </p:spTree>
+    <p:extLst>
+      <p:ext uri="{BB962C8B-B14F-4D97-AF65-F5344CB8AC3E}">
+        <p14:creationId xmlns:p14="http://schemas.microsoft.com/office/powerpoint/2010/main" val="3023670105"/>
+      </p:ext>
+    </p:extLst>
+  </p:cSld>
+  <p:clrMapOvr>
+    <a:masterClrMapping/>
+  </p:clrMapOvr>
+</p:notes>
+</file>
+
 <file path=ppt/notesSlides/notesSlide4.xml><?xml version="1.0" encoding="utf-8"?>
 <p:notes xmlns:a="http://schemas.openxmlformats.org/drawingml/2006/main" xmlns:r="http://schemas.openxmlformats.org/officeDocument/2006/relationships" xmlns:p="http://schemas.openxmlformats.org/presentationml/2006/main">
   <p:cSld>
@@ -4619,6 +6353,894 @@
     <p:extLst>
       <p:ext uri="{BB962C8B-B14F-4D97-AF65-F5344CB8AC3E}">
         <p14:creationId xmlns:p14="http://schemas.microsoft.com/office/powerpoint/2010/main" val="348637798"/>
+      </p:ext>
+    </p:extLst>
+  </p:cSld>
+  <p:clrMapOvr>
+    <a:masterClrMapping/>
+  </p:clrMapOvr>
+</p:notes>
+</file>
+
+<file path=ppt/notesSlides/notesSlide40.xml><?xml version="1.0" encoding="utf-8"?>
+<p:notes xmlns:a="http://schemas.openxmlformats.org/drawingml/2006/main" xmlns:r="http://schemas.openxmlformats.org/officeDocument/2006/relationships" xmlns:p="http://schemas.openxmlformats.org/presentationml/2006/main">
+  <p:cSld>
+    <p:spTree>
+      <p:nvGrpSpPr>
+        <p:cNvPr id="1" name=""/>
+        <p:cNvGrpSpPr/>
+        <p:nvPr/>
+      </p:nvGrpSpPr>
+      <p:grpSpPr>
+        <a:xfrm>
+          <a:off x="0" y="0"/>
+          <a:ext cx="0" cy="0"/>
+          <a:chOff x="0" y="0"/>
+          <a:chExt cx="0" cy="0"/>
+        </a:xfrm>
+      </p:grpSpPr>
+      <p:sp>
+        <p:nvSpPr>
+          <p:cNvPr id="2" name="슬라이드 이미지 개체 틀 1"/>
+          <p:cNvSpPr>
+            <a:spLocks noGrp="1" noRot="1" noChangeAspect="1"/>
+          </p:cNvSpPr>
+          <p:nvPr>
+            <p:ph type="sldImg"/>
+          </p:nvPr>
+        </p:nvSpPr>
+        <p:spPr>
+          <a:xfrm>
+            <a:off x="1143000" y="685800"/>
+            <a:ext cx="4572000" cy="3429000"/>
+          </a:xfrm>
+        </p:spPr>
+      </p:sp>
+      <p:sp>
+        <p:nvSpPr>
+          <p:cNvPr id="3" name="슬라이드 노트 개체 틀 2"/>
+          <p:cNvSpPr>
+            <a:spLocks noGrp="1"/>
+          </p:cNvSpPr>
+          <p:nvPr>
+            <p:ph type="body" idx="1"/>
+          </p:nvPr>
+        </p:nvSpPr>
+        <p:spPr/>
+        <p:txBody>
+          <a:bodyPr/>
+          <a:lstStyle/>
+          <a:p>
+            <a:endParaRPr lang="ko-KR" altLang="en-US" dirty="0"/>
+          </a:p>
+        </p:txBody>
+      </p:sp>
+      <p:sp>
+        <p:nvSpPr>
+          <p:cNvPr id="4" name="슬라이드 번호 개체 틀 3"/>
+          <p:cNvSpPr>
+            <a:spLocks noGrp="1"/>
+          </p:cNvSpPr>
+          <p:nvPr>
+            <p:ph type="sldNum" sz="quarter" idx="10"/>
+          </p:nvPr>
+        </p:nvSpPr>
+        <p:spPr>
+          <a:xfrm>
+            <a:off x="4021138" y="9721850"/>
+            <a:ext cx="3076575" cy="511175"/>
+          </a:xfrm>
+          <a:prstGeom prst="rect">
+            <a:avLst/>
+          </a:prstGeom>
+        </p:spPr>
+        <p:txBody>
+          <a:bodyPr/>
+          <a:lstStyle/>
+          <a:p>
+            <a:pPr>
+              <a:defRPr/>
+            </a:pPr>
+            <a:fld id="{7BFC1CD4-00F2-4EA7-8C31-7B07CD09CE95}" type="slidenum">
+              <a:rPr lang="en-US" altLang="ko-KR" smtClean="0">
+                <a:solidFill>
+                  <a:prstClr val="black"/>
+                </a:solidFill>
+              </a:rPr>
+              <a:pPr>
+                <a:defRPr/>
+              </a:pPr>
+              <a:t>41</a:t>
+            </a:fld>
+            <a:endParaRPr lang="en-US" altLang="ko-KR">
+              <a:solidFill>
+                <a:prstClr val="black"/>
+              </a:solidFill>
+            </a:endParaRPr>
+          </a:p>
+        </p:txBody>
+      </p:sp>
+    </p:spTree>
+    <p:extLst>
+      <p:ext uri="{BB962C8B-B14F-4D97-AF65-F5344CB8AC3E}">
+        <p14:creationId xmlns:p14="http://schemas.microsoft.com/office/powerpoint/2010/main" val="2195175340"/>
+      </p:ext>
+    </p:extLst>
+  </p:cSld>
+  <p:clrMapOvr>
+    <a:masterClrMapping/>
+  </p:clrMapOvr>
+</p:notes>
+</file>
+
+<file path=ppt/notesSlides/notesSlide41.xml><?xml version="1.0" encoding="utf-8"?>
+<p:notes xmlns:a="http://schemas.openxmlformats.org/drawingml/2006/main" xmlns:r="http://schemas.openxmlformats.org/officeDocument/2006/relationships" xmlns:p="http://schemas.openxmlformats.org/presentationml/2006/main">
+  <p:cSld>
+    <p:spTree>
+      <p:nvGrpSpPr>
+        <p:cNvPr id="1" name=""/>
+        <p:cNvGrpSpPr/>
+        <p:nvPr/>
+      </p:nvGrpSpPr>
+      <p:grpSpPr>
+        <a:xfrm>
+          <a:off x="0" y="0"/>
+          <a:ext cx="0" cy="0"/>
+          <a:chOff x="0" y="0"/>
+          <a:chExt cx="0" cy="0"/>
+        </a:xfrm>
+      </p:grpSpPr>
+      <p:sp>
+        <p:nvSpPr>
+          <p:cNvPr id="2" name="슬라이드 이미지 개체 틀 1"/>
+          <p:cNvSpPr>
+            <a:spLocks noGrp="1" noRot="1" noChangeAspect="1"/>
+          </p:cNvSpPr>
+          <p:nvPr>
+            <p:ph type="sldImg"/>
+          </p:nvPr>
+        </p:nvSpPr>
+        <p:spPr>
+          <a:xfrm>
+            <a:off x="1143000" y="685800"/>
+            <a:ext cx="4572000" cy="3429000"/>
+          </a:xfrm>
+        </p:spPr>
+      </p:sp>
+      <p:sp>
+        <p:nvSpPr>
+          <p:cNvPr id="3" name="슬라이드 노트 개체 틀 2"/>
+          <p:cNvSpPr>
+            <a:spLocks noGrp="1"/>
+          </p:cNvSpPr>
+          <p:nvPr>
+            <p:ph type="body" idx="1"/>
+          </p:nvPr>
+        </p:nvSpPr>
+        <p:spPr/>
+        <p:txBody>
+          <a:bodyPr/>
+          <a:lstStyle/>
+          <a:p>
+            <a:endParaRPr lang="ko-KR" altLang="en-US" dirty="0"/>
+          </a:p>
+        </p:txBody>
+      </p:sp>
+      <p:sp>
+        <p:nvSpPr>
+          <p:cNvPr id="4" name="슬라이드 번호 개체 틀 3"/>
+          <p:cNvSpPr>
+            <a:spLocks noGrp="1"/>
+          </p:cNvSpPr>
+          <p:nvPr>
+            <p:ph type="sldNum" sz="quarter" idx="10"/>
+          </p:nvPr>
+        </p:nvSpPr>
+        <p:spPr>
+          <a:xfrm>
+            <a:off x="4021138" y="9721850"/>
+            <a:ext cx="3076575" cy="511175"/>
+          </a:xfrm>
+          <a:prstGeom prst="rect">
+            <a:avLst/>
+          </a:prstGeom>
+        </p:spPr>
+        <p:txBody>
+          <a:bodyPr/>
+          <a:lstStyle/>
+          <a:p>
+            <a:pPr>
+              <a:defRPr/>
+            </a:pPr>
+            <a:fld id="{7BFC1CD4-00F2-4EA7-8C31-7B07CD09CE95}" type="slidenum">
+              <a:rPr lang="en-US" altLang="ko-KR" smtClean="0">
+                <a:solidFill>
+                  <a:prstClr val="black"/>
+                </a:solidFill>
+              </a:rPr>
+              <a:pPr>
+                <a:defRPr/>
+              </a:pPr>
+              <a:t>42</a:t>
+            </a:fld>
+            <a:endParaRPr lang="en-US" altLang="ko-KR">
+              <a:solidFill>
+                <a:prstClr val="black"/>
+              </a:solidFill>
+            </a:endParaRPr>
+          </a:p>
+        </p:txBody>
+      </p:sp>
+    </p:spTree>
+    <p:extLst>
+      <p:ext uri="{BB962C8B-B14F-4D97-AF65-F5344CB8AC3E}">
+        <p14:creationId xmlns:p14="http://schemas.microsoft.com/office/powerpoint/2010/main" val="3128127930"/>
+      </p:ext>
+    </p:extLst>
+  </p:cSld>
+  <p:clrMapOvr>
+    <a:masterClrMapping/>
+  </p:clrMapOvr>
+</p:notes>
+</file>
+
+<file path=ppt/notesSlides/notesSlide42.xml><?xml version="1.0" encoding="utf-8"?>
+<p:notes xmlns:a="http://schemas.openxmlformats.org/drawingml/2006/main" xmlns:r="http://schemas.openxmlformats.org/officeDocument/2006/relationships" xmlns:p="http://schemas.openxmlformats.org/presentationml/2006/main">
+  <p:cSld>
+    <p:spTree>
+      <p:nvGrpSpPr>
+        <p:cNvPr id="1" name=""/>
+        <p:cNvGrpSpPr/>
+        <p:nvPr/>
+      </p:nvGrpSpPr>
+      <p:grpSpPr>
+        <a:xfrm>
+          <a:off x="0" y="0"/>
+          <a:ext cx="0" cy="0"/>
+          <a:chOff x="0" y="0"/>
+          <a:chExt cx="0" cy="0"/>
+        </a:xfrm>
+      </p:grpSpPr>
+      <p:sp>
+        <p:nvSpPr>
+          <p:cNvPr id="2" name="슬라이드 이미지 개체 틀 1"/>
+          <p:cNvSpPr>
+            <a:spLocks noGrp="1" noRot="1" noChangeAspect="1"/>
+          </p:cNvSpPr>
+          <p:nvPr>
+            <p:ph type="sldImg"/>
+          </p:nvPr>
+        </p:nvSpPr>
+        <p:spPr>
+          <a:xfrm>
+            <a:off x="1143000" y="685800"/>
+            <a:ext cx="4572000" cy="3429000"/>
+          </a:xfrm>
+        </p:spPr>
+      </p:sp>
+      <p:sp>
+        <p:nvSpPr>
+          <p:cNvPr id="3" name="슬라이드 노트 개체 틀 2"/>
+          <p:cNvSpPr>
+            <a:spLocks noGrp="1"/>
+          </p:cNvSpPr>
+          <p:nvPr>
+            <p:ph type="body" idx="1"/>
+          </p:nvPr>
+        </p:nvSpPr>
+        <p:spPr/>
+        <p:txBody>
+          <a:bodyPr/>
+          <a:lstStyle/>
+          <a:p>
+            <a:endParaRPr lang="ko-KR" altLang="en-US" dirty="0"/>
+          </a:p>
+        </p:txBody>
+      </p:sp>
+      <p:sp>
+        <p:nvSpPr>
+          <p:cNvPr id="4" name="슬라이드 번호 개체 틀 3"/>
+          <p:cNvSpPr>
+            <a:spLocks noGrp="1"/>
+          </p:cNvSpPr>
+          <p:nvPr>
+            <p:ph type="sldNum" sz="quarter" idx="10"/>
+          </p:nvPr>
+        </p:nvSpPr>
+        <p:spPr>
+          <a:xfrm>
+            <a:off x="4021138" y="9721850"/>
+            <a:ext cx="3076575" cy="511175"/>
+          </a:xfrm>
+          <a:prstGeom prst="rect">
+            <a:avLst/>
+          </a:prstGeom>
+        </p:spPr>
+        <p:txBody>
+          <a:bodyPr/>
+          <a:lstStyle/>
+          <a:p>
+            <a:pPr>
+              <a:defRPr/>
+            </a:pPr>
+            <a:fld id="{7BFC1CD4-00F2-4EA7-8C31-7B07CD09CE95}" type="slidenum">
+              <a:rPr lang="en-US" altLang="ko-KR" smtClean="0">
+                <a:solidFill>
+                  <a:prstClr val="black"/>
+                </a:solidFill>
+              </a:rPr>
+              <a:pPr>
+                <a:defRPr/>
+              </a:pPr>
+              <a:t>43</a:t>
+            </a:fld>
+            <a:endParaRPr lang="en-US" altLang="ko-KR">
+              <a:solidFill>
+                <a:prstClr val="black"/>
+              </a:solidFill>
+            </a:endParaRPr>
+          </a:p>
+        </p:txBody>
+      </p:sp>
+    </p:spTree>
+    <p:extLst>
+      <p:ext uri="{BB962C8B-B14F-4D97-AF65-F5344CB8AC3E}">
+        <p14:creationId xmlns:p14="http://schemas.microsoft.com/office/powerpoint/2010/main" val="2720484234"/>
+      </p:ext>
+    </p:extLst>
+  </p:cSld>
+  <p:clrMapOvr>
+    <a:masterClrMapping/>
+  </p:clrMapOvr>
+</p:notes>
+</file>
+
+<file path=ppt/notesSlides/notesSlide43.xml><?xml version="1.0" encoding="utf-8"?>
+<p:notes xmlns:a="http://schemas.openxmlformats.org/drawingml/2006/main" xmlns:r="http://schemas.openxmlformats.org/officeDocument/2006/relationships" xmlns:p="http://schemas.openxmlformats.org/presentationml/2006/main">
+  <p:cSld>
+    <p:spTree>
+      <p:nvGrpSpPr>
+        <p:cNvPr id="1" name=""/>
+        <p:cNvGrpSpPr/>
+        <p:nvPr/>
+      </p:nvGrpSpPr>
+      <p:grpSpPr>
+        <a:xfrm>
+          <a:off x="0" y="0"/>
+          <a:ext cx="0" cy="0"/>
+          <a:chOff x="0" y="0"/>
+          <a:chExt cx="0" cy="0"/>
+        </a:xfrm>
+      </p:grpSpPr>
+      <p:sp>
+        <p:nvSpPr>
+          <p:cNvPr id="2" name="슬라이드 이미지 개체 틀 1"/>
+          <p:cNvSpPr>
+            <a:spLocks noGrp="1" noRot="1" noChangeAspect="1"/>
+          </p:cNvSpPr>
+          <p:nvPr>
+            <p:ph type="sldImg"/>
+          </p:nvPr>
+        </p:nvSpPr>
+        <p:spPr>
+          <a:xfrm>
+            <a:off x="1143000" y="685800"/>
+            <a:ext cx="4572000" cy="3429000"/>
+          </a:xfrm>
+        </p:spPr>
+      </p:sp>
+      <p:sp>
+        <p:nvSpPr>
+          <p:cNvPr id="3" name="슬라이드 노트 개체 틀 2"/>
+          <p:cNvSpPr>
+            <a:spLocks noGrp="1"/>
+          </p:cNvSpPr>
+          <p:nvPr>
+            <p:ph type="body" idx="1"/>
+          </p:nvPr>
+        </p:nvSpPr>
+        <p:spPr/>
+        <p:txBody>
+          <a:bodyPr/>
+          <a:lstStyle/>
+          <a:p>
+            <a:endParaRPr lang="ko-KR" altLang="en-US" dirty="0"/>
+          </a:p>
+        </p:txBody>
+      </p:sp>
+      <p:sp>
+        <p:nvSpPr>
+          <p:cNvPr id="4" name="슬라이드 번호 개체 틀 3"/>
+          <p:cNvSpPr>
+            <a:spLocks noGrp="1"/>
+          </p:cNvSpPr>
+          <p:nvPr>
+            <p:ph type="sldNum" sz="quarter" idx="10"/>
+          </p:nvPr>
+        </p:nvSpPr>
+        <p:spPr>
+          <a:xfrm>
+            <a:off x="4021138" y="9721850"/>
+            <a:ext cx="3076575" cy="511175"/>
+          </a:xfrm>
+          <a:prstGeom prst="rect">
+            <a:avLst/>
+          </a:prstGeom>
+        </p:spPr>
+        <p:txBody>
+          <a:bodyPr/>
+          <a:lstStyle/>
+          <a:p>
+            <a:pPr>
+              <a:defRPr/>
+            </a:pPr>
+            <a:fld id="{7BFC1CD4-00F2-4EA7-8C31-7B07CD09CE95}" type="slidenum">
+              <a:rPr lang="en-US" altLang="ko-KR" smtClean="0">
+                <a:solidFill>
+                  <a:prstClr val="black"/>
+                </a:solidFill>
+              </a:rPr>
+              <a:pPr>
+                <a:defRPr/>
+              </a:pPr>
+              <a:t>44</a:t>
+            </a:fld>
+            <a:endParaRPr lang="en-US" altLang="ko-KR">
+              <a:solidFill>
+                <a:prstClr val="black"/>
+              </a:solidFill>
+            </a:endParaRPr>
+          </a:p>
+        </p:txBody>
+      </p:sp>
+    </p:spTree>
+    <p:extLst>
+      <p:ext uri="{BB962C8B-B14F-4D97-AF65-F5344CB8AC3E}">
+        <p14:creationId xmlns:p14="http://schemas.microsoft.com/office/powerpoint/2010/main" val="1120228008"/>
+      </p:ext>
+    </p:extLst>
+  </p:cSld>
+  <p:clrMapOvr>
+    <a:masterClrMapping/>
+  </p:clrMapOvr>
+</p:notes>
+</file>
+
+<file path=ppt/notesSlides/notesSlide44.xml><?xml version="1.0" encoding="utf-8"?>
+<p:notes xmlns:a="http://schemas.openxmlformats.org/drawingml/2006/main" xmlns:r="http://schemas.openxmlformats.org/officeDocument/2006/relationships" xmlns:p="http://schemas.openxmlformats.org/presentationml/2006/main">
+  <p:cSld>
+    <p:spTree>
+      <p:nvGrpSpPr>
+        <p:cNvPr id="1" name=""/>
+        <p:cNvGrpSpPr/>
+        <p:nvPr/>
+      </p:nvGrpSpPr>
+      <p:grpSpPr>
+        <a:xfrm>
+          <a:off x="0" y="0"/>
+          <a:ext cx="0" cy="0"/>
+          <a:chOff x="0" y="0"/>
+          <a:chExt cx="0" cy="0"/>
+        </a:xfrm>
+      </p:grpSpPr>
+      <p:sp>
+        <p:nvSpPr>
+          <p:cNvPr id="2" name="슬라이드 이미지 개체 틀 1"/>
+          <p:cNvSpPr>
+            <a:spLocks noGrp="1" noRot="1" noChangeAspect="1"/>
+          </p:cNvSpPr>
+          <p:nvPr>
+            <p:ph type="sldImg"/>
+          </p:nvPr>
+        </p:nvSpPr>
+        <p:spPr>
+          <a:xfrm>
+            <a:off x="1143000" y="685800"/>
+            <a:ext cx="4572000" cy="3429000"/>
+          </a:xfrm>
+        </p:spPr>
+      </p:sp>
+      <p:sp>
+        <p:nvSpPr>
+          <p:cNvPr id="3" name="슬라이드 노트 개체 틀 2"/>
+          <p:cNvSpPr>
+            <a:spLocks noGrp="1"/>
+          </p:cNvSpPr>
+          <p:nvPr>
+            <p:ph type="body" idx="1"/>
+          </p:nvPr>
+        </p:nvSpPr>
+        <p:spPr/>
+        <p:txBody>
+          <a:bodyPr/>
+          <a:lstStyle/>
+          <a:p>
+            <a:endParaRPr lang="ko-KR" altLang="en-US" dirty="0"/>
+          </a:p>
+        </p:txBody>
+      </p:sp>
+      <p:sp>
+        <p:nvSpPr>
+          <p:cNvPr id="4" name="슬라이드 번호 개체 틀 3"/>
+          <p:cNvSpPr>
+            <a:spLocks noGrp="1"/>
+          </p:cNvSpPr>
+          <p:nvPr>
+            <p:ph type="sldNum" sz="quarter" idx="10"/>
+          </p:nvPr>
+        </p:nvSpPr>
+        <p:spPr>
+          <a:xfrm>
+            <a:off x="4021138" y="9721850"/>
+            <a:ext cx="3076575" cy="511175"/>
+          </a:xfrm>
+          <a:prstGeom prst="rect">
+            <a:avLst/>
+          </a:prstGeom>
+        </p:spPr>
+        <p:txBody>
+          <a:bodyPr/>
+          <a:lstStyle/>
+          <a:p>
+            <a:pPr>
+              <a:defRPr/>
+            </a:pPr>
+            <a:fld id="{7BFC1CD4-00F2-4EA7-8C31-7B07CD09CE95}" type="slidenum">
+              <a:rPr lang="en-US" altLang="ko-KR" smtClean="0">
+                <a:solidFill>
+                  <a:prstClr val="black"/>
+                </a:solidFill>
+              </a:rPr>
+              <a:pPr>
+                <a:defRPr/>
+              </a:pPr>
+              <a:t>45</a:t>
+            </a:fld>
+            <a:endParaRPr lang="en-US" altLang="ko-KR">
+              <a:solidFill>
+                <a:prstClr val="black"/>
+              </a:solidFill>
+            </a:endParaRPr>
+          </a:p>
+        </p:txBody>
+      </p:sp>
+    </p:spTree>
+    <p:extLst>
+      <p:ext uri="{BB962C8B-B14F-4D97-AF65-F5344CB8AC3E}">
+        <p14:creationId xmlns:p14="http://schemas.microsoft.com/office/powerpoint/2010/main" val="3533411017"/>
+      </p:ext>
+    </p:extLst>
+  </p:cSld>
+  <p:clrMapOvr>
+    <a:masterClrMapping/>
+  </p:clrMapOvr>
+</p:notes>
+</file>
+
+<file path=ppt/notesSlides/notesSlide45.xml><?xml version="1.0" encoding="utf-8"?>
+<p:notes xmlns:a="http://schemas.openxmlformats.org/drawingml/2006/main" xmlns:r="http://schemas.openxmlformats.org/officeDocument/2006/relationships" xmlns:p="http://schemas.openxmlformats.org/presentationml/2006/main">
+  <p:cSld>
+    <p:spTree>
+      <p:nvGrpSpPr>
+        <p:cNvPr id="1" name=""/>
+        <p:cNvGrpSpPr/>
+        <p:nvPr/>
+      </p:nvGrpSpPr>
+      <p:grpSpPr>
+        <a:xfrm>
+          <a:off x="0" y="0"/>
+          <a:ext cx="0" cy="0"/>
+          <a:chOff x="0" y="0"/>
+          <a:chExt cx="0" cy="0"/>
+        </a:xfrm>
+      </p:grpSpPr>
+      <p:sp>
+        <p:nvSpPr>
+          <p:cNvPr id="2" name="슬라이드 이미지 개체 틀 1"/>
+          <p:cNvSpPr>
+            <a:spLocks noGrp="1" noRot="1" noChangeAspect="1"/>
+          </p:cNvSpPr>
+          <p:nvPr>
+            <p:ph type="sldImg"/>
+          </p:nvPr>
+        </p:nvSpPr>
+        <p:spPr>
+          <a:xfrm>
+            <a:off x="1143000" y="685800"/>
+            <a:ext cx="4572000" cy="3429000"/>
+          </a:xfrm>
+        </p:spPr>
+      </p:sp>
+      <p:sp>
+        <p:nvSpPr>
+          <p:cNvPr id="3" name="슬라이드 노트 개체 틀 2"/>
+          <p:cNvSpPr>
+            <a:spLocks noGrp="1"/>
+          </p:cNvSpPr>
+          <p:nvPr>
+            <p:ph type="body" idx="1"/>
+          </p:nvPr>
+        </p:nvSpPr>
+        <p:spPr/>
+        <p:txBody>
+          <a:bodyPr/>
+          <a:lstStyle/>
+          <a:p>
+            <a:endParaRPr lang="ko-KR" altLang="en-US" dirty="0"/>
+          </a:p>
+        </p:txBody>
+      </p:sp>
+      <p:sp>
+        <p:nvSpPr>
+          <p:cNvPr id="4" name="슬라이드 번호 개체 틀 3"/>
+          <p:cNvSpPr>
+            <a:spLocks noGrp="1"/>
+          </p:cNvSpPr>
+          <p:nvPr>
+            <p:ph type="sldNum" sz="quarter" idx="10"/>
+          </p:nvPr>
+        </p:nvSpPr>
+        <p:spPr>
+          <a:xfrm>
+            <a:off x="4021138" y="9721850"/>
+            <a:ext cx="3076575" cy="511175"/>
+          </a:xfrm>
+          <a:prstGeom prst="rect">
+            <a:avLst/>
+          </a:prstGeom>
+        </p:spPr>
+        <p:txBody>
+          <a:bodyPr/>
+          <a:lstStyle/>
+          <a:p>
+            <a:pPr>
+              <a:defRPr/>
+            </a:pPr>
+            <a:fld id="{7BFC1CD4-00F2-4EA7-8C31-7B07CD09CE95}" type="slidenum">
+              <a:rPr lang="en-US" altLang="ko-KR" smtClean="0">
+                <a:solidFill>
+                  <a:prstClr val="black"/>
+                </a:solidFill>
+              </a:rPr>
+              <a:pPr>
+                <a:defRPr/>
+              </a:pPr>
+              <a:t>46</a:t>
+            </a:fld>
+            <a:endParaRPr lang="en-US" altLang="ko-KR">
+              <a:solidFill>
+                <a:prstClr val="black"/>
+              </a:solidFill>
+            </a:endParaRPr>
+          </a:p>
+        </p:txBody>
+      </p:sp>
+    </p:spTree>
+    <p:extLst>
+      <p:ext uri="{BB962C8B-B14F-4D97-AF65-F5344CB8AC3E}">
+        <p14:creationId xmlns:p14="http://schemas.microsoft.com/office/powerpoint/2010/main" val="2742133068"/>
+      </p:ext>
+    </p:extLst>
+  </p:cSld>
+  <p:clrMapOvr>
+    <a:masterClrMapping/>
+  </p:clrMapOvr>
+</p:notes>
+</file>
+
+<file path=ppt/notesSlides/notesSlide46.xml><?xml version="1.0" encoding="utf-8"?>
+<p:notes xmlns:a="http://schemas.openxmlformats.org/drawingml/2006/main" xmlns:r="http://schemas.openxmlformats.org/officeDocument/2006/relationships" xmlns:p="http://schemas.openxmlformats.org/presentationml/2006/main">
+  <p:cSld>
+    <p:spTree>
+      <p:nvGrpSpPr>
+        <p:cNvPr id="1" name=""/>
+        <p:cNvGrpSpPr/>
+        <p:nvPr/>
+      </p:nvGrpSpPr>
+      <p:grpSpPr>
+        <a:xfrm>
+          <a:off x="0" y="0"/>
+          <a:ext cx="0" cy="0"/>
+          <a:chOff x="0" y="0"/>
+          <a:chExt cx="0" cy="0"/>
+        </a:xfrm>
+      </p:grpSpPr>
+      <p:sp>
+        <p:nvSpPr>
+          <p:cNvPr id="2" name="슬라이드 이미지 개체 틀 1"/>
+          <p:cNvSpPr>
+            <a:spLocks noGrp="1" noRot="1" noChangeAspect="1"/>
+          </p:cNvSpPr>
+          <p:nvPr>
+            <p:ph type="sldImg"/>
+          </p:nvPr>
+        </p:nvSpPr>
+        <p:spPr>
+          <a:xfrm>
+            <a:off x="1143000" y="685800"/>
+            <a:ext cx="4572000" cy="3429000"/>
+          </a:xfrm>
+        </p:spPr>
+      </p:sp>
+      <p:sp>
+        <p:nvSpPr>
+          <p:cNvPr id="3" name="슬라이드 노트 개체 틀 2"/>
+          <p:cNvSpPr>
+            <a:spLocks noGrp="1"/>
+          </p:cNvSpPr>
+          <p:nvPr>
+            <p:ph type="body" idx="1"/>
+          </p:nvPr>
+        </p:nvSpPr>
+        <p:spPr/>
+        <p:txBody>
+          <a:bodyPr/>
+          <a:lstStyle/>
+          <a:p>
+            <a:endParaRPr lang="ko-KR" altLang="en-US" dirty="0"/>
+          </a:p>
+        </p:txBody>
+      </p:sp>
+      <p:sp>
+        <p:nvSpPr>
+          <p:cNvPr id="4" name="슬라이드 번호 개체 틀 3"/>
+          <p:cNvSpPr>
+            <a:spLocks noGrp="1"/>
+          </p:cNvSpPr>
+          <p:nvPr>
+            <p:ph type="sldNum" sz="quarter" idx="10"/>
+          </p:nvPr>
+        </p:nvSpPr>
+        <p:spPr>
+          <a:xfrm>
+            <a:off x="4021138" y="9721850"/>
+            <a:ext cx="3076575" cy="511175"/>
+          </a:xfrm>
+          <a:prstGeom prst="rect">
+            <a:avLst/>
+          </a:prstGeom>
+        </p:spPr>
+        <p:txBody>
+          <a:bodyPr/>
+          <a:lstStyle/>
+          <a:p>
+            <a:pPr>
+              <a:defRPr/>
+            </a:pPr>
+            <a:fld id="{7BFC1CD4-00F2-4EA7-8C31-7B07CD09CE95}" type="slidenum">
+              <a:rPr lang="en-US" altLang="ko-KR" smtClean="0">
+                <a:solidFill>
+                  <a:prstClr val="black"/>
+                </a:solidFill>
+              </a:rPr>
+              <a:pPr>
+                <a:defRPr/>
+              </a:pPr>
+              <a:t>47</a:t>
+            </a:fld>
+            <a:endParaRPr lang="en-US" altLang="ko-KR">
+              <a:solidFill>
+                <a:prstClr val="black"/>
+              </a:solidFill>
+            </a:endParaRPr>
+          </a:p>
+        </p:txBody>
+      </p:sp>
+    </p:spTree>
+    <p:extLst>
+      <p:ext uri="{BB962C8B-B14F-4D97-AF65-F5344CB8AC3E}">
+        <p14:creationId xmlns:p14="http://schemas.microsoft.com/office/powerpoint/2010/main" val="1891030921"/>
+      </p:ext>
+    </p:extLst>
+  </p:cSld>
+  <p:clrMapOvr>
+    <a:masterClrMapping/>
+  </p:clrMapOvr>
+</p:notes>
+</file>
+
+<file path=ppt/notesSlides/notesSlide47.xml><?xml version="1.0" encoding="utf-8"?>
+<p:notes xmlns:a="http://schemas.openxmlformats.org/drawingml/2006/main" xmlns:r="http://schemas.openxmlformats.org/officeDocument/2006/relationships" xmlns:p="http://schemas.openxmlformats.org/presentationml/2006/main">
+  <p:cSld>
+    <p:spTree>
+      <p:nvGrpSpPr>
+        <p:cNvPr id="1" name=""/>
+        <p:cNvGrpSpPr/>
+        <p:nvPr/>
+      </p:nvGrpSpPr>
+      <p:grpSpPr>
+        <a:xfrm>
+          <a:off x="0" y="0"/>
+          <a:ext cx="0" cy="0"/>
+          <a:chOff x="0" y="0"/>
+          <a:chExt cx="0" cy="0"/>
+        </a:xfrm>
+      </p:grpSpPr>
+      <p:sp>
+        <p:nvSpPr>
+          <p:cNvPr id="2" name="슬라이드 이미지 개체 틀 1"/>
+          <p:cNvSpPr>
+            <a:spLocks noGrp="1" noRot="1" noChangeAspect="1"/>
+          </p:cNvSpPr>
+          <p:nvPr>
+            <p:ph type="sldImg"/>
+          </p:nvPr>
+        </p:nvSpPr>
+        <p:spPr>
+          <a:xfrm>
+            <a:off x="1143000" y="685800"/>
+            <a:ext cx="4572000" cy="3429000"/>
+          </a:xfrm>
+        </p:spPr>
+      </p:sp>
+      <p:sp>
+        <p:nvSpPr>
+          <p:cNvPr id="3" name="슬라이드 노트 개체 틀 2"/>
+          <p:cNvSpPr>
+            <a:spLocks noGrp="1"/>
+          </p:cNvSpPr>
+          <p:nvPr>
+            <p:ph type="body" idx="1"/>
+          </p:nvPr>
+        </p:nvSpPr>
+        <p:spPr/>
+        <p:txBody>
+          <a:bodyPr/>
+          <a:lstStyle/>
+          <a:p>
+            <a:endParaRPr lang="ko-KR" altLang="en-US" dirty="0"/>
+          </a:p>
+        </p:txBody>
+      </p:sp>
+      <p:sp>
+        <p:nvSpPr>
+          <p:cNvPr id="4" name="슬라이드 번호 개체 틀 3"/>
+          <p:cNvSpPr>
+            <a:spLocks noGrp="1"/>
+          </p:cNvSpPr>
+          <p:nvPr>
+            <p:ph type="sldNum" sz="quarter" idx="10"/>
+          </p:nvPr>
+        </p:nvSpPr>
+        <p:spPr>
+          <a:xfrm>
+            <a:off x="4021138" y="9721850"/>
+            <a:ext cx="3076575" cy="511175"/>
+          </a:xfrm>
+          <a:prstGeom prst="rect">
+            <a:avLst/>
+          </a:prstGeom>
+        </p:spPr>
+        <p:txBody>
+          <a:bodyPr/>
+          <a:lstStyle/>
+          <a:p>
+            <a:pPr>
+              <a:defRPr/>
+            </a:pPr>
+            <a:fld id="{7BFC1CD4-00F2-4EA7-8C31-7B07CD09CE95}" type="slidenum">
+              <a:rPr lang="en-US" altLang="ko-KR" smtClean="0">
+                <a:solidFill>
+                  <a:prstClr val="black"/>
+                </a:solidFill>
+              </a:rPr>
+              <a:pPr>
+                <a:defRPr/>
+              </a:pPr>
+              <a:t>48</a:t>
+            </a:fld>
+            <a:endParaRPr lang="en-US" altLang="ko-KR">
+              <a:solidFill>
+                <a:prstClr val="black"/>
+              </a:solidFill>
+            </a:endParaRPr>
+          </a:p>
+        </p:txBody>
+      </p:sp>
+    </p:spTree>
+    <p:extLst>
+      <p:ext uri="{BB962C8B-B14F-4D97-AF65-F5344CB8AC3E}">
+        <p14:creationId xmlns:p14="http://schemas.microsoft.com/office/powerpoint/2010/main" val="3453419523"/>
       </p:ext>
     </p:extLst>
   </p:cSld>
@@ -15844,7 +18466,7 @@
         <p:spPr>
           <a:xfrm>
             <a:off x="231775" y="1052670"/>
-            <a:ext cx="8156755" cy="6223242"/>
+            <a:ext cx="8156755" cy="4850559"/>
           </a:xfrm>
           <a:noFill/>
           <a:ln>
@@ -16021,31 +18643,6 @@
               <a:rPr lang="ko-KR" altLang="en-US" dirty="0"/>
               <a:t>글꼴 설정</a:t>
             </a:r>
-            <a:endParaRPr lang="en-US" altLang="ko-KR" dirty="0"/>
-          </a:p>
-          <a:p>
-            <a:pPr lvl="1">
-              <a:lnSpc>
-                <a:spcPct val="150000"/>
-              </a:lnSpc>
-            </a:pPr>
-            <a:endParaRPr lang="en-US" altLang="ko-KR" dirty="0"/>
-          </a:p>
-          <a:p>
-            <a:pPr lvl="2">
-              <a:lnSpc>
-                <a:spcPct val="150000"/>
-              </a:lnSpc>
-            </a:pPr>
-            <a:endParaRPr lang="en-US" altLang="ko-KR" dirty="0"/>
-          </a:p>
-          <a:p>
-            <a:pPr lvl="1">
-              <a:lnSpc>
-                <a:spcPct val="150000"/>
-              </a:lnSpc>
-              <a:buNone/>
-            </a:pPr>
             <a:r>
               <a:rPr lang="en-US" altLang="ko-KR" dirty="0"/>
               <a:t>	</a:t>
@@ -17525,7 +20122,7 @@
         <p:spPr>
           <a:xfrm>
             <a:off x="231775" y="1052670"/>
-            <a:ext cx="8156755" cy="6093976"/>
+            <a:ext cx="8156755" cy="5061450"/>
           </a:xfrm>
           <a:noFill/>
           <a:ln>
@@ -17745,24 +20342,6 @@
               <a:rPr lang="ko-KR" altLang="en-US" dirty="0"/>
               <a:t> 레이블을 지정 </a:t>
             </a:r>
-            <a:endParaRPr lang="en-US" altLang="ko-KR" dirty="0"/>
-          </a:p>
-          <a:p>
-            <a:pPr marL="457200" lvl="1" indent="0">
-              <a:lnSpc>
-                <a:spcPct val="150000"/>
-              </a:lnSpc>
-              <a:buNone/>
-            </a:pPr>
-            <a:endParaRPr lang="en-US" altLang="ko-KR" dirty="0"/>
-          </a:p>
-          <a:p>
-            <a:pPr marL="457200" lvl="1" indent="0">
-              <a:lnSpc>
-                <a:spcPct val="150000"/>
-              </a:lnSpc>
-              <a:buNone/>
-            </a:pPr>
             <a:endParaRPr lang="en-US" altLang="ko-KR" dirty="0"/>
           </a:p>
           <a:p>
@@ -20486,70 +23065,6 @@
           </a:p>
         </p:txBody>
       </p:sp>
-      <p:sp>
-        <p:nvSpPr>
-          <p:cNvPr id="90114" name="AutoShape 2" descr="matplotlib에 대한 이미지 검색결과">
-            <a:hlinkClick r:id="rId3"/>
-          </p:cNvPr>
-          <p:cNvSpPr>
-            <a:spLocks noChangeAspect="1" noChangeArrowheads="1"/>
-          </p:cNvSpPr>
-          <p:nvPr/>
-        </p:nvSpPr>
-        <p:spPr bwMode="auto">
-          <a:xfrm>
-            <a:off x="38100" y="-1439863"/>
-            <a:ext cx="11353800" cy="2724151"/>
-          </a:xfrm>
-          <a:prstGeom prst="rect">
-            <a:avLst/>
-          </a:prstGeom>
-          <a:noFill/>
-        </p:spPr>
-        <p:txBody>
-          <a:bodyPr vert="horz" wrap="square" lIns="91440" tIns="45720" rIns="91440" bIns="45720" numCol="1" anchor="t" anchorCtr="0" compatLnSpc="1">
-            <a:prstTxWarp prst="textNoShape">
-              <a:avLst/>
-            </a:prstTxWarp>
-          </a:bodyPr>
-          <a:lstStyle/>
-          <a:p>
-            <a:endParaRPr lang="ko-KR" altLang="en-US"/>
-          </a:p>
-        </p:txBody>
-      </p:sp>
-      <p:sp>
-        <p:nvSpPr>
-          <p:cNvPr id="90116" name="AutoShape 4" descr="matplotlib에 대한 이미지 검색결과">
-            <a:hlinkClick r:id="rId3"/>
-          </p:cNvPr>
-          <p:cNvSpPr>
-            <a:spLocks noChangeAspect="1" noChangeArrowheads="1"/>
-          </p:cNvSpPr>
-          <p:nvPr/>
-        </p:nvSpPr>
-        <p:spPr bwMode="auto">
-          <a:xfrm>
-            <a:off x="38100" y="-1439863"/>
-            <a:ext cx="11353800" cy="2724151"/>
-          </a:xfrm>
-          <a:prstGeom prst="rect">
-            <a:avLst/>
-          </a:prstGeom>
-          <a:noFill/>
-        </p:spPr>
-        <p:txBody>
-          <a:bodyPr vert="horz" wrap="square" lIns="91440" tIns="45720" rIns="91440" bIns="45720" numCol="1" anchor="t" anchorCtr="0" compatLnSpc="1">
-            <a:prstTxWarp prst="textNoShape">
-              <a:avLst/>
-            </a:prstTxWarp>
-          </a:bodyPr>
-          <a:lstStyle/>
-          <a:p>
-            <a:endParaRPr lang="ko-KR" altLang="en-US"/>
-          </a:p>
-        </p:txBody>
-      </p:sp>
       <p:pic>
         <p:nvPicPr>
           <p:cNvPr id="90117" name="Picture 5"/>
@@ -20559,7 +23074,7 @@
           <p:nvPr/>
         </p:nvPicPr>
         <p:blipFill>
-          <a:blip r:embed="rId4"/>
+          <a:blip r:embed="rId3"/>
           <a:srcRect/>
           <a:stretch>
             <a:fillRect/>
@@ -20592,7 +23107,7 @@
           <p:nvPr/>
         </p:nvPicPr>
         <p:blipFill>
-          <a:blip r:embed="rId5"/>
+          <a:blip r:embed="rId4"/>
           <a:srcRect/>
           <a:stretch>
             <a:fillRect/>
@@ -27160,70 +29675,6 @@
           </a:p>
         </p:txBody>
       </p:sp>
-      <p:sp>
-        <p:nvSpPr>
-          <p:cNvPr id="90114" name="AutoShape 2" descr="matplotlib에 대한 이미지 검색결과">
-            <a:hlinkClick r:id="rId3"/>
-          </p:cNvPr>
-          <p:cNvSpPr>
-            <a:spLocks noChangeAspect="1" noChangeArrowheads="1"/>
-          </p:cNvSpPr>
-          <p:nvPr/>
-        </p:nvSpPr>
-        <p:spPr bwMode="auto">
-          <a:xfrm>
-            <a:off x="38100" y="-1439863"/>
-            <a:ext cx="11353800" cy="2724151"/>
-          </a:xfrm>
-          <a:prstGeom prst="rect">
-            <a:avLst/>
-          </a:prstGeom>
-          <a:noFill/>
-        </p:spPr>
-        <p:txBody>
-          <a:bodyPr vert="horz" wrap="square" lIns="91440" tIns="45720" rIns="91440" bIns="45720" numCol="1" anchor="t" anchorCtr="0" compatLnSpc="1">
-            <a:prstTxWarp prst="textNoShape">
-              <a:avLst/>
-            </a:prstTxWarp>
-          </a:bodyPr>
-          <a:lstStyle/>
-          <a:p>
-            <a:endParaRPr lang="ko-KR" altLang="en-US"/>
-          </a:p>
-        </p:txBody>
-      </p:sp>
-      <p:sp>
-        <p:nvSpPr>
-          <p:cNvPr id="90116" name="AutoShape 4" descr="matplotlib에 대한 이미지 검색결과">
-            <a:hlinkClick r:id="rId3"/>
-          </p:cNvPr>
-          <p:cNvSpPr>
-            <a:spLocks noChangeAspect="1" noChangeArrowheads="1"/>
-          </p:cNvSpPr>
-          <p:nvPr/>
-        </p:nvSpPr>
-        <p:spPr bwMode="auto">
-          <a:xfrm>
-            <a:off x="38100" y="-1439863"/>
-            <a:ext cx="11353800" cy="2724151"/>
-          </a:xfrm>
-          <a:prstGeom prst="rect">
-            <a:avLst/>
-          </a:prstGeom>
-          <a:noFill/>
-        </p:spPr>
-        <p:txBody>
-          <a:bodyPr vert="horz" wrap="square" lIns="91440" tIns="45720" rIns="91440" bIns="45720" numCol="1" anchor="t" anchorCtr="0" compatLnSpc="1">
-            <a:prstTxWarp prst="textNoShape">
-              <a:avLst/>
-            </a:prstTxWarp>
-          </a:bodyPr>
-          <a:lstStyle/>
-          <a:p>
-            <a:endParaRPr lang="ko-KR" altLang="en-US"/>
-          </a:p>
-        </p:txBody>
-      </p:sp>
     </p:spTree>
     <p:extLst>
       <p:ext uri="{BB962C8B-B14F-4D97-AF65-F5344CB8AC3E}">
@@ -28185,7 +30636,7 @@
         <p:spPr>
           <a:xfrm>
             <a:off x="1214414" y="4071942"/>
-            <a:ext cx="7072362" cy="3046988"/>
+            <a:ext cx="7072362" cy="2261645"/>
           </a:xfrm>
           <a:prstGeom prst="rect">
             <a:avLst/>
@@ -28406,11 +30857,6 @@
               </a:rPr>
               <a:t>.</a:t>
             </a:r>
-            <a:endParaRPr lang="en-US" sz="1600" b="0" dirty="0">
-              <a:latin typeface="+mn-lt"/>
-            </a:endParaRPr>
-          </a:p>
-          <a:p>
             <a:endParaRPr lang="ko-KR" altLang="en-US" dirty="0"/>
           </a:p>
         </p:txBody>
@@ -29443,6 +31889,3524 @@
 </file>
 
 <file path=ppt/slides/slide34.xml><?xml version="1.0" encoding="utf-8"?>
+<p:sld xmlns:a="http://schemas.openxmlformats.org/drawingml/2006/main" xmlns:r="http://schemas.openxmlformats.org/officeDocument/2006/relationships" xmlns:p="http://schemas.openxmlformats.org/presentationml/2006/main">
+  <p:cSld>
+    <p:spTree>
+      <p:nvGrpSpPr>
+        <p:cNvPr id="1" name=""/>
+        <p:cNvGrpSpPr/>
+        <p:nvPr/>
+      </p:nvGrpSpPr>
+      <p:grpSpPr>
+        <a:xfrm>
+          <a:off x="0" y="0"/>
+          <a:ext cx="0" cy="0"/>
+          <a:chOff x="0" y="0"/>
+          <a:chExt cx="0" cy="0"/>
+        </a:xfrm>
+      </p:grpSpPr>
+      <p:sp>
+        <p:nvSpPr>
+          <p:cNvPr id="13" name="텍스트 개체 틀 3"/>
+          <p:cNvSpPr>
+            <a:spLocks noGrp="1"/>
+          </p:cNvSpPr>
+          <p:nvPr>
+            <p:ph idx="1"/>
+          </p:nvPr>
+        </p:nvSpPr>
+        <p:spPr>
+          <a:xfrm>
+            <a:off x="231775" y="1052671"/>
+            <a:ext cx="8156755" cy="875689"/>
+          </a:xfrm>
+          <a:noFill/>
+          <a:ln>
+            <a:noFill/>
+          </a:ln>
+          <a:extLst>
+            <a:ext uri="{909E8E84-426E-40DD-AFC4-6F175D3DCCD1}">
+              <a14:hiddenFill xmlns:a14="http://schemas.microsoft.com/office/drawing/2010/main">
+                <a:solidFill>
+                  <a:srgbClr val="FFFFFF"/>
+                </a:solidFill>
+              </a14:hiddenFill>
+            </a:ext>
+            <a:ext uri="{91240B29-F687-4F45-9708-019B960494DF}">
+              <a14:hiddenLine xmlns:a14="http://schemas.microsoft.com/office/drawing/2010/main" w="9525">
+                <a:solidFill>
+                  <a:srgbClr val="000000"/>
+                </a:solidFill>
+                <a:miter lim="800000"/>
+                <a:headEnd/>
+                <a:tailEnd/>
+              </a14:hiddenLine>
+            </a:ext>
+          </a:extLst>
+        </p:spPr>
+        <p:txBody>
+          <a:bodyPr vert="horz" wrap="square" lIns="0" tIns="0" rIns="0" bIns="0" numCol="1" anchor="t" anchorCtr="0" compatLnSpc="1">
+            <a:prstTxWarp prst="textNoShape">
+              <a:avLst/>
+            </a:prstTxWarp>
+            <a:spAutoFit/>
+          </a:bodyPr>
+          <a:lstStyle/>
+          <a:p>
+            <a:r>
+              <a:rPr lang="ko-KR" altLang="en-US" dirty="0"/>
+              <a:t>막대그래프</a:t>
+            </a:r>
+            <a:endParaRPr lang="en-US" altLang="ko-KR" dirty="0"/>
+          </a:p>
+          <a:p>
+            <a:pPr lvl="1">
+              <a:lnSpc>
+                <a:spcPct val="150000"/>
+              </a:lnSpc>
+            </a:pPr>
+            <a:r>
+              <a:rPr lang="ko-KR" altLang="en-US" dirty="0"/>
+              <a:t>범주형 자료의 시각화에 사용</a:t>
+            </a:r>
+            <a:endParaRPr lang="en-US" altLang="ko-KR" dirty="0"/>
+          </a:p>
+        </p:txBody>
+      </p:sp>
+      <p:sp>
+        <p:nvSpPr>
+          <p:cNvPr id="3" name="제목 2"/>
+          <p:cNvSpPr>
+            <a:spLocks noGrp="1"/>
+          </p:cNvSpPr>
+          <p:nvPr>
+            <p:ph type="title"/>
+          </p:nvPr>
+        </p:nvSpPr>
+        <p:spPr/>
+        <p:txBody>
+          <a:bodyPr/>
+          <a:lstStyle/>
+          <a:p>
+            <a:r>
+              <a:rPr lang="ko-KR" altLang="en-US" dirty="0"/>
+              <a:t>데이터 시각화</a:t>
+            </a:r>
+          </a:p>
+        </p:txBody>
+      </p:sp>
+      <p:pic>
+        <p:nvPicPr>
+          <p:cNvPr id="6" name="그림 5">
+            <a:extLst>
+              <a:ext uri="{FF2B5EF4-FFF2-40B4-BE49-F238E27FC236}">
+                <a16:creationId xmlns:a16="http://schemas.microsoft.com/office/drawing/2014/main" id="{391DDB6F-37CF-49B5-9670-0A4F4282D173}"/>
+              </a:ext>
+            </a:extLst>
+          </p:cNvPr>
+          <p:cNvPicPr>
+            <a:picLocks noChangeAspect="1"/>
+          </p:cNvPicPr>
+          <p:nvPr/>
+        </p:nvPicPr>
+        <p:blipFill>
+          <a:blip r:embed="rId3"/>
+          <a:stretch>
+            <a:fillRect/>
+          </a:stretch>
+        </p:blipFill>
+        <p:spPr>
+          <a:xfrm>
+            <a:off x="4575928" y="2204864"/>
+            <a:ext cx="4306871" cy="2786434"/>
+          </a:xfrm>
+          <a:prstGeom prst="rect">
+            <a:avLst/>
+          </a:prstGeom>
+        </p:spPr>
+      </p:pic>
+      <p:pic>
+        <p:nvPicPr>
+          <p:cNvPr id="8" name="그림 7">
+            <a:extLst>
+              <a:ext uri="{FF2B5EF4-FFF2-40B4-BE49-F238E27FC236}">
+                <a16:creationId xmlns:a16="http://schemas.microsoft.com/office/drawing/2014/main" id="{154D2DCA-46F5-4851-AA1D-EB624B55B81C}"/>
+              </a:ext>
+            </a:extLst>
+          </p:cNvPr>
+          <p:cNvPicPr>
+            <a:picLocks noChangeAspect="1"/>
+          </p:cNvPicPr>
+          <p:nvPr/>
+        </p:nvPicPr>
+        <p:blipFill>
+          <a:blip r:embed="rId4"/>
+          <a:stretch>
+            <a:fillRect/>
+          </a:stretch>
+        </p:blipFill>
+        <p:spPr>
+          <a:xfrm>
+            <a:off x="395536" y="2251063"/>
+            <a:ext cx="3960440" cy="3269070"/>
+          </a:xfrm>
+          <a:prstGeom prst="rect">
+            <a:avLst/>
+          </a:prstGeom>
+        </p:spPr>
+      </p:pic>
+      <mc:AlternateContent xmlns:mc="http://schemas.openxmlformats.org/markup-compatibility/2006">
+        <mc:Choice xmlns:p14="http://schemas.microsoft.com/office/powerpoint/2010/main" Requires="p14">
+          <p:contentPart p14:bwMode="auto" r:id="rId5">
+            <p14:nvContentPartPr>
+              <p14:cNvPr id="9" name="잉크 8">
+                <a:extLst>
+                  <a:ext uri="{FF2B5EF4-FFF2-40B4-BE49-F238E27FC236}">
+                    <a16:creationId xmlns:a16="http://schemas.microsoft.com/office/drawing/2014/main" id="{48D63209-B825-4D70-9A64-42992BC38F70}"/>
+                  </a:ext>
+                </a:extLst>
+              </p14:cNvPr>
+              <p14:cNvContentPartPr/>
+              <p14:nvPr/>
+            </p14:nvContentPartPr>
+            <p14:xfrm>
+              <a:off x="452874" y="4735395"/>
+              <a:ext cx="818280" cy="360"/>
+            </p14:xfrm>
+          </p:contentPart>
+        </mc:Choice>
+        <mc:Fallback>
+          <p:pic>
+            <p:nvPicPr>
+              <p:cNvPr id="9" name="잉크 8">
+                <a:extLst>
+                  <a:ext uri="{FF2B5EF4-FFF2-40B4-BE49-F238E27FC236}">
+                    <a16:creationId xmlns:a16="http://schemas.microsoft.com/office/drawing/2014/main" id="{48D63209-B825-4D70-9A64-42992BC38F70}"/>
+                  </a:ext>
+                </a:extLst>
+              </p:cNvPr>
+              <p:cNvPicPr/>
+              <p:nvPr/>
+            </p:nvPicPr>
+            <p:blipFill>
+              <a:blip r:embed="rId6"/>
+              <a:stretch>
+                <a:fillRect/>
+              </a:stretch>
+            </p:blipFill>
+            <p:spPr>
+              <a:xfrm>
+                <a:off x="398874" y="4627755"/>
+                <a:ext cx="925920" cy="216000"/>
+              </a:xfrm>
+              <a:prstGeom prst="rect">
+                <a:avLst/>
+              </a:prstGeom>
+            </p:spPr>
+          </p:pic>
+        </mc:Fallback>
+      </mc:AlternateContent>
+    </p:spTree>
+    <p:extLst>
+      <p:ext uri="{BB962C8B-B14F-4D97-AF65-F5344CB8AC3E}">
+        <p14:creationId xmlns:p14="http://schemas.microsoft.com/office/powerpoint/2010/main" val="2263278789"/>
+      </p:ext>
+    </p:extLst>
+  </p:cSld>
+  <p:clrMapOvr>
+    <a:masterClrMapping/>
+  </p:clrMapOvr>
+</p:sld>
+</file>
+
+<file path=ppt/slides/slide35.xml><?xml version="1.0" encoding="utf-8"?>
+<p:sld xmlns:a="http://schemas.openxmlformats.org/drawingml/2006/main" xmlns:r="http://schemas.openxmlformats.org/officeDocument/2006/relationships" xmlns:p="http://schemas.openxmlformats.org/presentationml/2006/main">
+  <p:cSld>
+    <p:spTree>
+      <p:nvGrpSpPr>
+        <p:cNvPr id="1" name=""/>
+        <p:cNvGrpSpPr/>
+        <p:nvPr/>
+      </p:nvGrpSpPr>
+      <p:grpSpPr>
+        <a:xfrm>
+          <a:off x="0" y="0"/>
+          <a:ext cx="0" cy="0"/>
+          <a:chOff x="0" y="0"/>
+          <a:chExt cx="0" cy="0"/>
+        </a:xfrm>
+      </p:grpSpPr>
+      <p:sp>
+        <p:nvSpPr>
+          <p:cNvPr id="13" name="텍스트 개체 틀 3"/>
+          <p:cNvSpPr>
+            <a:spLocks noGrp="1"/>
+          </p:cNvSpPr>
+          <p:nvPr>
+            <p:ph idx="1"/>
+          </p:nvPr>
+        </p:nvSpPr>
+        <p:spPr>
+          <a:xfrm>
+            <a:off x="231775" y="1052671"/>
+            <a:ext cx="8156755" cy="3977948"/>
+          </a:xfrm>
+          <a:noFill/>
+          <a:ln>
+            <a:noFill/>
+          </a:ln>
+          <a:extLst>
+            <a:ext uri="{909E8E84-426E-40DD-AFC4-6F175D3DCCD1}">
+              <a14:hiddenFill xmlns:a14="http://schemas.microsoft.com/office/drawing/2010/main">
+                <a:solidFill>
+                  <a:srgbClr val="FFFFFF"/>
+                </a:solidFill>
+              </a14:hiddenFill>
+            </a:ext>
+            <a:ext uri="{91240B29-F687-4F45-9708-019B960494DF}">
+              <a14:hiddenLine xmlns:a14="http://schemas.microsoft.com/office/drawing/2010/main" w="9525">
+                <a:solidFill>
+                  <a:srgbClr val="000000"/>
+                </a:solidFill>
+                <a:miter lim="800000"/>
+                <a:headEnd/>
+                <a:tailEnd/>
+              </a14:hiddenLine>
+            </a:ext>
+          </a:extLst>
+        </p:spPr>
+        <p:txBody>
+          <a:bodyPr vert="horz" wrap="square" lIns="0" tIns="0" rIns="0" bIns="0" numCol="1" anchor="t" anchorCtr="0" compatLnSpc="1">
+            <a:prstTxWarp prst="textNoShape">
+              <a:avLst/>
+            </a:prstTxWarp>
+            <a:spAutoFit/>
+          </a:bodyPr>
+          <a:lstStyle/>
+          <a:p>
+            <a:r>
+              <a:rPr lang="ko-KR" altLang="en-US" dirty="0"/>
+              <a:t>막대그래프</a:t>
+            </a:r>
+            <a:endParaRPr lang="en-US" altLang="ko-KR" dirty="0"/>
+          </a:p>
+          <a:p>
+            <a:pPr lvl="1">
+              <a:lnSpc>
+                <a:spcPct val="150000"/>
+              </a:lnSpc>
+            </a:pPr>
+            <a:r>
+              <a:rPr lang="ko-KR" altLang="en-US" dirty="0"/>
+              <a:t>옵션설정</a:t>
+            </a:r>
+            <a:endParaRPr lang="en-US" altLang="ko-KR" dirty="0"/>
+          </a:p>
+          <a:p>
+            <a:pPr lvl="2">
+              <a:lnSpc>
+                <a:spcPct val="150000"/>
+              </a:lnSpc>
+              <a:buFont typeface="맑은 고딕" panose="020B0503020000020004" pitchFamily="50" charset="-127"/>
+              <a:buChar char="–"/>
+            </a:pPr>
+            <a:r>
+              <a:rPr lang="en-US" altLang="ko-KR" dirty="0"/>
+              <a:t>width</a:t>
+            </a:r>
+            <a:r>
+              <a:rPr lang="ko-KR" altLang="en-US" dirty="0"/>
+              <a:t>는 막대의 너비</a:t>
+            </a:r>
+            <a:r>
+              <a:rPr lang="en-US" altLang="ko-KR" dirty="0"/>
+              <a:t>. </a:t>
+            </a:r>
+            <a:r>
+              <a:rPr lang="ko-KR" altLang="en-US" dirty="0"/>
+              <a:t>디폴트 값은 </a:t>
+            </a:r>
+            <a:r>
+              <a:rPr lang="en-US" altLang="ko-KR" dirty="0"/>
+              <a:t>0.8</a:t>
+            </a:r>
+          </a:p>
+          <a:p>
+            <a:pPr lvl="2">
+              <a:lnSpc>
+                <a:spcPct val="150000"/>
+              </a:lnSpc>
+              <a:buFont typeface="맑은 고딕" panose="020B0503020000020004" pitchFamily="50" charset="-127"/>
+              <a:buChar char="–"/>
+            </a:pPr>
+            <a:r>
+              <a:rPr lang="en-US" altLang="ko-KR" dirty="0"/>
+              <a:t>align</a:t>
+            </a:r>
+            <a:r>
+              <a:rPr lang="ko-KR" altLang="en-US" dirty="0"/>
+              <a:t>은 </a:t>
+            </a:r>
+            <a:r>
+              <a:rPr lang="ko-KR" altLang="en-US" dirty="0" err="1"/>
+              <a:t>틱</a:t>
+            </a:r>
+            <a:r>
+              <a:rPr lang="ko-KR" altLang="en-US" dirty="0"/>
+              <a:t> </a:t>
+            </a:r>
+            <a:r>
+              <a:rPr lang="en-US" altLang="ko-KR" dirty="0"/>
+              <a:t>(tick)</a:t>
+            </a:r>
+            <a:r>
+              <a:rPr lang="ko-KR" altLang="en-US" dirty="0"/>
+              <a:t>과 막대의 위치를 조절</a:t>
+            </a:r>
+            <a:r>
+              <a:rPr lang="en-US" altLang="ko-KR" dirty="0"/>
+              <a:t>. </a:t>
+            </a:r>
+            <a:r>
+              <a:rPr lang="ko-KR" altLang="en-US" dirty="0"/>
+              <a:t>디폴트 값은 ‘</a:t>
+            </a:r>
+            <a:r>
+              <a:rPr lang="en-US" altLang="ko-KR" dirty="0"/>
+              <a:t>center’, ‘edge’</a:t>
+            </a:r>
+            <a:r>
+              <a:rPr lang="ko-KR" altLang="en-US" dirty="0"/>
+              <a:t>로 설정하면 막대의 왼쪽 끝에 </a:t>
+            </a:r>
+            <a:r>
+              <a:rPr lang="en-US" altLang="ko-KR" dirty="0" err="1"/>
+              <a:t>x_tick</a:t>
+            </a:r>
+            <a:r>
+              <a:rPr lang="ko-KR" altLang="en-US" dirty="0"/>
+              <a:t>이 표시</a:t>
+            </a:r>
+            <a:endParaRPr lang="en-US" altLang="ko-KR" dirty="0"/>
+          </a:p>
+          <a:p>
+            <a:pPr lvl="2">
+              <a:lnSpc>
+                <a:spcPct val="150000"/>
+              </a:lnSpc>
+              <a:buFont typeface="맑은 고딕" panose="020B0503020000020004" pitchFamily="50" charset="-127"/>
+              <a:buChar char="–"/>
+            </a:pPr>
+            <a:r>
+              <a:rPr lang="en-US" altLang="ko-KR" dirty="0"/>
+              <a:t>color</a:t>
+            </a:r>
+            <a:r>
+              <a:rPr lang="ko-KR" altLang="en-US" dirty="0"/>
+              <a:t>는 막대의 색을 지정</a:t>
+            </a:r>
+            <a:r>
+              <a:rPr lang="en-US" altLang="ko-KR" dirty="0"/>
+              <a:t>.</a:t>
+            </a:r>
+          </a:p>
+          <a:p>
+            <a:pPr lvl="2">
+              <a:lnSpc>
+                <a:spcPct val="150000"/>
+              </a:lnSpc>
+              <a:buFont typeface="맑은 고딕" panose="020B0503020000020004" pitchFamily="50" charset="-127"/>
+              <a:buChar char="–"/>
+            </a:pPr>
+            <a:r>
+              <a:rPr lang="en-US" altLang="ko-KR" dirty="0" err="1"/>
+              <a:t>edgecolor</a:t>
+            </a:r>
+            <a:r>
+              <a:rPr lang="ko-KR" altLang="en-US" dirty="0"/>
+              <a:t>는 막대의 테두리 색 지정</a:t>
+            </a:r>
+            <a:endParaRPr lang="en-US" altLang="ko-KR" dirty="0"/>
+          </a:p>
+          <a:p>
+            <a:pPr lvl="2">
+              <a:lnSpc>
+                <a:spcPct val="150000"/>
+              </a:lnSpc>
+              <a:buFont typeface="맑은 고딕" panose="020B0503020000020004" pitchFamily="50" charset="-127"/>
+              <a:buChar char="–"/>
+            </a:pPr>
+            <a:r>
+              <a:rPr lang="en-US" altLang="ko-KR" dirty="0"/>
+              <a:t>linewidth</a:t>
+            </a:r>
+            <a:r>
+              <a:rPr lang="ko-KR" altLang="en-US" dirty="0"/>
+              <a:t>는 테두리의 두께를 지정</a:t>
+            </a:r>
+            <a:endParaRPr lang="en-US" altLang="ko-KR" dirty="0"/>
+          </a:p>
+          <a:p>
+            <a:pPr lvl="2">
+              <a:lnSpc>
+                <a:spcPct val="150000"/>
+              </a:lnSpc>
+              <a:buFont typeface="맑은 고딕" panose="020B0503020000020004" pitchFamily="50" charset="-127"/>
+              <a:buChar char="–"/>
+            </a:pPr>
+            <a:r>
+              <a:rPr lang="en-US" altLang="ko-KR" dirty="0" err="1"/>
+              <a:t>tick_label</a:t>
+            </a:r>
+            <a:r>
+              <a:rPr lang="ko-KR" altLang="en-US" dirty="0"/>
+              <a:t> 어레이 형태로 지정하면</a:t>
+            </a:r>
+            <a:r>
+              <a:rPr lang="en-US" altLang="ko-KR" dirty="0"/>
+              <a:t>, </a:t>
+            </a:r>
+            <a:r>
+              <a:rPr lang="ko-KR" altLang="en-US" dirty="0" err="1"/>
+              <a:t>틱에</a:t>
+            </a:r>
+            <a:r>
+              <a:rPr lang="ko-KR" altLang="en-US" dirty="0"/>
+              <a:t> 어레이의 문자열을 순서대로 표시</a:t>
+            </a:r>
+            <a:endParaRPr lang="en-US" altLang="ko-KR" dirty="0"/>
+          </a:p>
+          <a:p>
+            <a:pPr lvl="2">
+              <a:lnSpc>
+                <a:spcPct val="150000"/>
+              </a:lnSpc>
+              <a:buFont typeface="맑은 고딕" panose="020B0503020000020004" pitchFamily="50" charset="-127"/>
+              <a:buChar char="–"/>
+            </a:pPr>
+            <a:r>
+              <a:rPr lang="en-US" altLang="ko-KR" dirty="0"/>
+              <a:t>log=True</a:t>
+            </a:r>
+            <a:r>
+              <a:rPr lang="ko-KR" altLang="en-US" dirty="0"/>
+              <a:t>로 설정하면</a:t>
+            </a:r>
+            <a:r>
+              <a:rPr lang="en-US" altLang="ko-KR" dirty="0"/>
+              <a:t>, y</a:t>
+            </a:r>
+            <a:r>
+              <a:rPr lang="ko-KR" altLang="en-US" dirty="0"/>
+              <a:t>축이 로그 스케일로 표시</a:t>
+            </a:r>
+            <a:endParaRPr lang="en-US" altLang="ko-KR" dirty="0"/>
+          </a:p>
+        </p:txBody>
+      </p:sp>
+      <p:sp>
+        <p:nvSpPr>
+          <p:cNvPr id="3" name="제목 2"/>
+          <p:cNvSpPr>
+            <a:spLocks noGrp="1"/>
+          </p:cNvSpPr>
+          <p:nvPr>
+            <p:ph type="title"/>
+          </p:nvPr>
+        </p:nvSpPr>
+        <p:spPr/>
+        <p:txBody>
+          <a:bodyPr/>
+          <a:lstStyle/>
+          <a:p>
+            <a:r>
+              <a:rPr lang="ko-KR" altLang="en-US" dirty="0"/>
+              <a:t>데이터 시각화</a:t>
+            </a:r>
+          </a:p>
+        </p:txBody>
+      </p:sp>
+    </p:spTree>
+    <p:extLst>
+      <p:ext uri="{BB962C8B-B14F-4D97-AF65-F5344CB8AC3E}">
+        <p14:creationId xmlns:p14="http://schemas.microsoft.com/office/powerpoint/2010/main" val="2467232341"/>
+      </p:ext>
+    </p:extLst>
+  </p:cSld>
+  <p:clrMapOvr>
+    <a:masterClrMapping/>
+  </p:clrMapOvr>
+</p:sld>
+</file>
+
+<file path=ppt/slides/slide36.xml><?xml version="1.0" encoding="utf-8"?>
+<p:sld xmlns:a="http://schemas.openxmlformats.org/drawingml/2006/main" xmlns:r="http://schemas.openxmlformats.org/officeDocument/2006/relationships" xmlns:p="http://schemas.openxmlformats.org/presentationml/2006/main">
+  <p:cSld>
+    <p:spTree>
+      <p:nvGrpSpPr>
+        <p:cNvPr id="1" name=""/>
+        <p:cNvGrpSpPr/>
+        <p:nvPr/>
+      </p:nvGrpSpPr>
+      <p:grpSpPr>
+        <a:xfrm>
+          <a:off x="0" y="0"/>
+          <a:ext cx="0" cy="0"/>
+          <a:chOff x="0" y="0"/>
+          <a:chExt cx="0" cy="0"/>
+        </a:xfrm>
+      </p:grpSpPr>
+      <p:sp>
+        <p:nvSpPr>
+          <p:cNvPr id="13" name="텍스트 개체 틀 3"/>
+          <p:cNvSpPr>
+            <a:spLocks noGrp="1"/>
+          </p:cNvSpPr>
+          <p:nvPr>
+            <p:ph idx="1"/>
+          </p:nvPr>
+        </p:nvSpPr>
+        <p:spPr>
+          <a:xfrm>
+            <a:off x="231775" y="1052671"/>
+            <a:ext cx="8156755" cy="361959"/>
+          </a:xfrm>
+          <a:noFill/>
+          <a:ln>
+            <a:noFill/>
+          </a:ln>
+          <a:extLst>
+            <a:ext uri="{909E8E84-426E-40DD-AFC4-6F175D3DCCD1}">
+              <a14:hiddenFill xmlns:a14="http://schemas.microsoft.com/office/drawing/2010/main">
+                <a:solidFill>
+                  <a:srgbClr val="FFFFFF"/>
+                </a:solidFill>
+              </a14:hiddenFill>
+            </a:ext>
+            <a:ext uri="{91240B29-F687-4F45-9708-019B960494DF}">
+              <a14:hiddenLine xmlns:a14="http://schemas.microsoft.com/office/drawing/2010/main" w="9525">
+                <a:solidFill>
+                  <a:srgbClr val="000000"/>
+                </a:solidFill>
+                <a:miter lim="800000"/>
+                <a:headEnd/>
+                <a:tailEnd/>
+              </a14:hiddenLine>
+            </a:ext>
+          </a:extLst>
+        </p:spPr>
+        <p:txBody>
+          <a:bodyPr vert="horz" wrap="square" lIns="0" tIns="0" rIns="0" bIns="0" numCol="1" anchor="t" anchorCtr="0" compatLnSpc="1">
+            <a:prstTxWarp prst="textNoShape">
+              <a:avLst/>
+            </a:prstTxWarp>
+            <a:spAutoFit/>
+          </a:bodyPr>
+          <a:lstStyle/>
+          <a:p>
+            <a:r>
+              <a:rPr lang="ko-KR" altLang="en-US" dirty="0"/>
+              <a:t>막대그래프</a:t>
+            </a:r>
+            <a:endParaRPr lang="en-US" altLang="ko-KR" dirty="0"/>
+          </a:p>
+        </p:txBody>
+      </p:sp>
+      <p:sp>
+        <p:nvSpPr>
+          <p:cNvPr id="3" name="제목 2"/>
+          <p:cNvSpPr>
+            <a:spLocks noGrp="1"/>
+          </p:cNvSpPr>
+          <p:nvPr>
+            <p:ph type="title"/>
+          </p:nvPr>
+        </p:nvSpPr>
+        <p:spPr/>
+        <p:txBody>
+          <a:bodyPr/>
+          <a:lstStyle/>
+          <a:p>
+            <a:r>
+              <a:rPr lang="ko-KR" altLang="en-US" dirty="0"/>
+              <a:t>데이터 시각화</a:t>
+            </a:r>
+          </a:p>
+        </p:txBody>
+      </p:sp>
+      <p:pic>
+        <p:nvPicPr>
+          <p:cNvPr id="4" name="그림 3">
+            <a:extLst>
+              <a:ext uri="{FF2B5EF4-FFF2-40B4-BE49-F238E27FC236}">
+                <a16:creationId xmlns:a16="http://schemas.microsoft.com/office/drawing/2014/main" id="{E6D45726-3AEA-4B32-9AF1-C0861CC912D4}"/>
+              </a:ext>
+            </a:extLst>
+          </p:cNvPr>
+          <p:cNvPicPr>
+            <a:picLocks noChangeAspect="1"/>
+          </p:cNvPicPr>
+          <p:nvPr/>
+        </p:nvPicPr>
+        <p:blipFill>
+          <a:blip r:embed="rId3"/>
+          <a:stretch>
+            <a:fillRect/>
+          </a:stretch>
+        </p:blipFill>
+        <p:spPr>
+          <a:xfrm>
+            <a:off x="395536" y="1700808"/>
+            <a:ext cx="3572167" cy="4404146"/>
+          </a:xfrm>
+          <a:prstGeom prst="rect">
+            <a:avLst/>
+          </a:prstGeom>
+        </p:spPr>
+      </p:pic>
+      <p:pic>
+        <p:nvPicPr>
+          <p:cNvPr id="6" name="그림 5">
+            <a:extLst>
+              <a:ext uri="{FF2B5EF4-FFF2-40B4-BE49-F238E27FC236}">
+                <a16:creationId xmlns:a16="http://schemas.microsoft.com/office/drawing/2014/main" id="{171570A8-3142-44EB-9896-616D8EB36023}"/>
+              </a:ext>
+            </a:extLst>
+          </p:cNvPr>
+          <p:cNvPicPr>
+            <a:picLocks noChangeAspect="1"/>
+          </p:cNvPicPr>
+          <p:nvPr/>
+        </p:nvPicPr>
+        <p:blipFill>
+          <a:blip r:embed="rId4"/>
+          <a:stretch>
+            <a:fillRect/>
+          </a:stretch>
+        </p:blipFill>
+        <p:spPr>
+          <a:xfrm>
+            <a:off x="4139952" y="1700808"/>
+            <a:ext cx="4663231" cy="3093430"/>
+          </a:xfrm>
+          <a:prstGeom prst="rect">
+            <a:avLst/>
+          </a:prstGeom>
+        </p:spPr>
+      </p:pic>
+      <mc:AlternateContent xmlns:mc="http://schemas.openxmlformats.org/markup-compatibility/2006">
+        <mc:Choice xmlns:p14="http://schemas.microsoft.com/office/powerpoint/2010/main" Requires="p14">
+          <p:contentPart p14:bwMode="auto" r:id="rId5">
+            <p14:nvContentPartPr>
+              <p14:cNvPr id="7" name="잉크 6">
+                <a:extLst>
+                  <a:ext uri="{FF2B5EF4-FFF2-40B4-BE49-F238E27FC236}">
+                    <a16:creationId xmlns:a16="http://schemas.microsoft.com/office/drawing/2014/main" id="{36428412-8D6A-4FAF-B704-9B68865CB2E0}"/>
+                  </a:ext>
+                </a:extLst>
+              </p14:cNvPr>
+              <p14:cNvContentPartPr/>
+              <p14:nvPr/>
+            </p14:nvContentPartPr>
+            <p14:xfrm>
+              <a:off x="436674" y="3907395"/>
+              <a:ext cx="745560" cy="360"/>
+            </p14:xfrm>
+          </p:contentPart>
+        </mc:Choice>
+        <mc:Fallback>
+          <p:pic>
+            <p:nvPicPr>
+              <p:cNvPr id="7" name="잉크 6">
+                <a:extLst>
+                  <a:ext uri="{FF2B5EF4-FFF2-40B4-BE49-F238E27FC236}">
+                    <a16:creationId xmlns:a16="http://schemas.microsoft.com/office/drawing/2014/main" id="{36428412-8D6A-4FAF-B704-9B68865CB2E0}"/>
+                  </a:ext>
+                </a:extLst>
+              </p:cNvPr>
+              <p:cNvPicPr/>
+              <p:nvPr/>
+            </p:nvPicPr>
+            <p:blipFill>
+              <a:blip r:embed="rId6"/>
+              <a:stretch>
+                <a:fillRect/>
+              </a:stretch>
+            </p:blipFill>
+            <p:spPr>
+              <a:xfrm>
+                <a:off x="383034" y="3799395"/>
+                <a:ext cx="853200" cy="216000"/>
+              </a:xfrm>
+              <a:prstGeom prst="rect">
+                <a:avLst/>
+              </a:prstGeom>
+            </p:spPr>
+          </p:pic>
+        </mc:Fallback>
+      </mc:AlternateContent>
+    </p:spTree>
+    <p:extLst>
+      <p:ext uri="{BB962C8B-B14F-4D97-AF65-F5344CB8AC3E}">
+        <p14:creationId xmlns:p14="http://schemas.microsoft.com/office/powerpoint/2010/main" val="520938638"/>
+      </p:ext>
+    </p:extLst>
+  </p:cSld>
+  <p:clrMapOvr>
+    <a:masterClrMapping/>
+  </p:clrMapOvr>
+</p:sld>
+</file>
+
+<file path=ppt/slides/slide37.xml><?xml version="1.0" encoding="utf-8"?>
+<p:sld xmlns:a="http://schemas.openxmlformats.org/drawingml/2006/main" xmlns:r="http://schemas.openxmlformats.org/officeDocument/2006/relationships" xmlns:p="http://schemas.openxmlformats.org/presentationml/2006/main">
+  <p:cSld>
+    <p:spTree>
+      <p:nvGrpSpPr>
+        <p:cNvPr id="1" name=""/>
+        <p:cNvGrpSpPr/>
+        <p:nvPr/>
+      </p:nvGrpSpPr>
+      <p:grpSpPr>
+        <a:xfrm>
+          <a:off x="0" y="0"/>
+          <a:ext cx="0" cy="0"/>
+          <a:chOff x="0" y="0"/>
+          <a:chExt cx="0" cy="0"/>
+        </a:xfrm>
+      </p:grpSpPr>
+      <p:sp>
+        <p:nvSpPr>
+          <p:cNvPr id="13" name="텍스트 개체 틀 3"/>
+          <p:cNvSpPr>
+            <a:spLocks noGrp="1"/>
+          </p:cNvSpPr>
+          <p:nvPr>
+            <p:ph idx="1"/>
+          </p:nvPr>
+        </p:nvSpPr>
+        <p:spPr>
+          <a:xfrm>
+            <a:off x="231775" y="1052671"/>
+            <a:ext cx="8156755" cy="1860574"/>
+          </a:xfrm>
+          <a:noFill/>
+          <a:ln>
+            <a:noFill/>
+          </a:ln>
+          <a:extLst>
+            <a:ext uri="{909E8E84-426E-40DD-AFC4-6F175D3DCCD1}">
+              <a14:hiddenFill xmlns:a14="http://schemas.microsoft.com/office/drawing/2010/main">
+                <a:solidFill>
+                  <a:srgbClr val="FFFFFF"/>
+                </a:solidFill>
+              </a14:hiddenFill>
+            </a:ext>
+            <a:ext uri="{91240B29-F687-4F45-9708-019B960494DF}">
+              <a14:hiddenLine xmlns:a14="http://schemas.microsoft.com/office/drawing/2010/main" w="9525">
+                <a:solidFill>
+                  <a:srgbClr val="000000"/>
+                </a:solidFill>
+                <a:miter lim="800000"/>
+                <a:headEnd/>
+                <a:tailEnd/>
+              </a14:hiddenLine>
+            </a:ext>
+          </a:extLst>
+        </p:spPr>
+        <p:txBody>
+          <a:bodyPr vert="horz" wrap="square" lIns="0" tIns="0" rIns="0" bIns="0" numCol="1" anchor="t" anchorCtr="0" compatLnSpc="1">
+            <a:prstTxWarp prst="textNoShape">
+              <a:avLst/>
+            </a:prstTxWarp>
+            <a:spAutoFit/>
+          </a:bodyPr>
+          <a:lstStyle/>
+          <a:p>
+            <a:r>
+              <a:rPr lang="ko-KR" altLang="en-US" dirty="0" err="1"/>
+              <a:t>산점도</a:t>
+            </a:r>
+            <a:endParaRPr lang="en-US" altLang="ko-KR" dirty="0"/>
+          </a:p>
+          <a:p>
+            <a:pPr lvl="1">
+              <a:lnSpc>
+                <a:spcPct val="150000"/>
+              </a:lnSpc>
+            </a:pPr>
+            <a:r>
+              <a:rPr lang="ko-KR" altLang="en-US" dirty="0"/>
+              <a:t>연속형의 두 변수 사이의 관계를 살펴보고자 할 때 사용</a:t>
+            </a:r>
+            <a:endParaRPr lang="en-US" altLang="ko-KR" dirty="0"/>
+          </a:p>
+          <a:p>
+            <a:pPr lvl="1">
+              <a:lnSpc>
+                <a:spcPct val="150000"/>
+              </a:lnSpc>
+              <a:buNone/>
+            </a:pPr>
+            <a:r>
+              <a:rPr lang="en-US" altLang="ko-KR" dirty="0"/>
+              <a:t> 	-</a:t>
+            </a:r>
+          </a:p>
+          <a:p>
+            <a:pPr lvl="1">
+              <a:lnSpc>
+                <a:spcPct val="150000"/>
+              </a:lnSpc>
+            </a:pPr>
+            <a:endParaRPr lang="en-US" altLang="ko-KR" dirty="0"/>
+          </a:p>
+        </p:txBody>
+      </p:sp>
+      <p:sp>
+        <p:nvSpPr>
+          <p:cNvPr id="3" name="제목 2"/>
+          <p:cNvSpPr>
+            <a:spLocks noGrp="1"/>
+          </p:cNvSpPr>
+          <p:nvPr>
+            <p:ph type="title"/>
+          </p:nvPr>
+        </p:nvSpPr>
+        <p:spPr/>
+        <p:txBody>
+          <a:bodyPr/>
+          <a:lstStyle/>
+          <a:p>
+            <a:r>
+              <a:rPr lang="ko-KR" altLang="en-US" dirty="0"/>
+              <a:t>데이터 시각화</a:t>
+            </a:r>
+          </a:p>
+        </p:txBody>
+      </p:sp>
+      <p:pic>
+        <p:nvPicPr>
+          <p:cNvPr id="4" name="그림 3">
+            <a:extLst>
+              <a:ext uri="{FF2B5EF4-FFF2-40B4-BE49-F238E27FC236}">
+                <a16:creationId xmlns:a16="http://schemas.microsoft.com/office/drawing/2014/main" id="{ACE2FF7B-5540-484D-A37B-C15EE5BE226B}"/>
+              </a:ext>
+            </a:extLst>
+          </p:cNvPr>
+          <p:cNvPicPr>
+            <a:picLocks noChangeAspect="1"/>
+          </p:cNvPicPr>
+          <p:nvPr/>
+        </p:nvPicPr>
+        <p:blipFill>
+          <a:blip r:embed="rId3"/>
+          <a:stretch>
+            <a:fillRect/>
+          </a:stretch>
+        </p:blipFill>
+        <p:spPr>
+          <a:xfrm>
+            <a:off x="110778" y="2015037"/>
+            <a:ext cx="5375872" cy="3790292"/>
+          </a:xfrm>
+          <a:prstGeom prst="rect">
+            <a:avLst/>
+          </a:prstGeom>
+        </p:spPr>
+      </p:pic>
+      <p:pic>
+        <p:nvPicPr>
+          <p:cNvPr id="6" name="그림 5">
+            <a:extLst>
+              <a:ext uri="{FF2B5EF4-FFF2-40B4-BE49-F238E27FC236}">
+                <a16:creationId xmlns:a16="http://schemas.microsoft.com/office/drawing/2014/main" id="{37D9702C-4441-4A85-912E-A4C9F39DB91A}"/>
+              </a:ext>
+            </a:extLst>
+          </p:cNvPr>
+          <p:cNvPicPr>
+            <a:picLocks noChangeAspect="1"/>
+          </p:cNvPicPr>
+          <p:nvPr/>
+        </p:nvPicPr>
+        <p:blipFill>
+          <a:blip r:embed="rId4"/>
+          <a:stretch>
+            <a:fillRect/>
+          </a:stretch>
+        </p:blipFill>
+        <p:spPr>
+          <a:xfrm>
+            <a:off x="4427984" y="1983110"/>
+            <a:ext cx="4407428" cy="2891780"/>
+          </a:xfrm>
+          <a:prstGeom prst="rect">
+            <a:avLst/>
+          </a:prstGeom>
+        </p:spPr>
+      </p:pic>
+      <mc:AlternateContent xmlns:mc="http://schemas.openxmlformats.org/markup-compatibility/2006">
+        <mc:Choice xmlns:p14="http://schemas.microsoft.com/office/powerpoint/2010/main" Requires="p14">
+          <p:contentPart p14:bwMode="auto" r:id="rId5">
+            <p14:nvContentPartPr>
+              <p14:cNvPr id="7" name="잉크 6">
+                <a:extLst>
+                  <a:ext uri="{FF2B5EF4-FFF2-40B4-BE49-F238E27FC236}">
+                    <a16:creationId xmlns:a16="http://schemas.microsoft.com/office/drawing/2014/main" id="{DA33FEBA-4552-45BE-A1B0-F25C64B57127}"/>
+                  </a:ext>
+                </a:extLst>
+              </p14:cNvPr>
+              <p14:cNvContentPartPr/>
+              <p14:nvPr/>
+            </p14:nvContentPartPr>
+            <p14:xfrm>
+              <a:off x="153354" y="5348835"/>
+              <a:ext cx="1170000" cy="360"/>
+            </p14:xfrm>
+          </p:contentPart>
+        </mc:Choice>
+        <mc:Fallback>
+          <p:pic>
+            <p:nvPicPr>
+              <p:cNvPr id="7" name="잉크 6">
+                <a:extLst>
+                  <a:ext uri="{FF2B5EF4-FFF2-40B4-BE49-F238E27FC236}">
+                    <a16:creationId xmlns:a16="http://schemas.microsoft.com/office/drawing/2014/main" id="{DA33FEBA-4552-45BE-A1B0-F25C64B57127}"/>
+                  </a:ext>
+                </a:extLst>
+              </p:cNvPr>
+              <p:cNvPicPr/>
+              <p:nvPr/>
+            </p:nvPicPr>
+            <p:blipFill>
+              <a:blip r:embed="rId6"/>
+              <a:stretch>
+                <a:fillRect/>
+              </a:stretch>
+            </p:blipFill>
+            <p:spPr>
+              <a:xfrm>
+                <a:off x="99354" y="5241195"/>
+                <a:ext cx="1277640" cy="216000"/>
+              </a:xfrm>
+              <a:prstGeom prst="rect">
+                <a:avLst/>
+              </a:prstGeom>
+            </p:spPr>
+          </p:pic>
+        </mc:Fallback>
+      </mc:AlternateContent>
+    </p:spTree>
+    <p:extLst>
+      <p:ext uri="{BB962C8B-B14F-4D97-AF65-F5344CB8AC3E}">
+        <p14:creationId xmlns:p14="http://schemas.microsoft.com/office/powerpoint/2010/main" val="1766814976"/>
+      </p:ext>
+    </p:extLst>
+  </p:cSld>
+  <p:clrMapOvr>
+    <a:masterClrMapping/>
+  </p:clrMapOvr>
+</p:sld>
+</file>
+
+<file path=ppt/slides/slide38.xml><?xml version="1.0" encoding="utf-8"?>
+<p:sld xmlns:a="http://schemas.openxmlformats.org/drawingml/2006/main" xmlns:r="http://schemas.openxmlformats.org/officeDocument/2006/relationships" xmlns:p="http://schemas.openxmlformats.org/presentationml/2006/main">
+  <p:cSld>
+    <p:spTree>
+      <p:nvGrpSpPr>
+        <p:cNvPr id="1" name=""/>
+        <p:cNvGrpSpPr/>
+        <p:nvPr/>
+      </p:nvGrpSpPr>
+      <p:grpSpPr>
+        <a:xfrm>
+          <a:off x="0" y="0"/>
+          <a:ext cx="0" cy="0"/>
+          <a:chOff x="0" y="0"/>
+          <a:chExt cx="0" cy="0"/>
+        </a:xfrm>
+      </p:grpSpPr>
+      <p:sp>
+        <p:nvSpPr>
+          <p:cNvPr id="13" name="텍스트 개체 틀 3"/>
+          <p:cNvSpPr>
+            <a:spLocks noGrp="1"/>
+          </p:cNvSpPr>
+          <p:nvPr>
+            <p:ph idx="1"/>
+          </p:nvPr>
+        </p:nvSpPr>
+        <p:spPr>
+          <a:xfrm>
+            <a:off x="231775" y="1052671"/>
+            <a:ext cx="8156755" cy="2722348"/>
+          </a:xfrm>
+          <a:noFill/>
+          <a:ln>
+            <a:noFill/>
+          </a:ln>
+          <a:extLst>
+            <a:ext uri="{909E8E84-426E-40DD-AFC4-6F175D3DCCD1}">
+              <a14:hiddenFill xmlns:a14="http://schemas.microsoft.com/office/drawing/2010/main">
+                <a:solidFill>
+                  <a:srgbClr val="FFFFFF"/>
+                </a:solidFill>
+              </a14:hiddenFill>
+            </a:ext>
+            <a:ext uri="{91240B29-F687-4F45-9708-019B960494DF}">
+              <a14:hiddenLine xmlns:a14="http://schemas.microsoft.com/office/drawing/2010/main" w="9525">
+                <a:solidFill>
+                  <a:srgbClr val="000000"/>
+                </a:solidFill>
+                <a:miter lim="800000"/>
+                <a:headEnd/>
+                <a:tailEnd/>
+              </a14:hiddenLine>
+            </a:ext>
+          </a:extLst>
+        </p:spPr>
+        <p:txBody>
+          <a:bodyPr vert="horz" wrap="square" lIns="0" tIns="0" rIns="0" bIns="0" numCol="1" anchor="t" anchorCtr="0" compatLnSpc="1">
+            <a:prstTxWarp prst="textNoShape">
+              <a:avLst/>
+            </a:prstTxWarp>
+            <a:spAutoFit/>
+          </a:bodyPr>
+          <a:lstStyle/>
+          <a:p>
+            <a:r>
+              <a:rPr lang="ko-KR" altLang="en-US" dirty="0"/>
+              <a:t>히스토그램</a:t>
+            </a:r>
+            <a:endParaRPr lang="en-US" altLang="ko-KR" dirty="0"/>
+          </a:p>
+          <a:p>
+            <a:pPr lvl="1">
+              <a:lnSpc>
+                <a:spcPct val="150000"/>
+              </a:lnSpc>
+            </a:pPr>
+            <a:r>
+              <a:rPr lang="ko-KR" altLang="en-US" dirty="0"/>
+              <a:t>도수분포표를 그래프로 나타낸 것으로 가로축은 계급</a:t>
+            </a:r>
+            <a:r>
+              <a:rPr lang="en-US" altLang="ko-KR" dirty="0"/>
+              <a:t>, </a:t>
+            </a:r>
+            <a:r>
+              <a:rPr lang="ko-KR" altLang="en-US" dirty="0"/>
+              <a:t>세로축은 도수</a:t>
+            </a:r>
+            <a:r>
+              <a:rPr lang="en-US" altLang="ko-KR" dirty="0"/>
+              <a:t>(</a:t>
+            </a:r>
+            <a:r>
+              <a:rPr lang="ko-KR" altLang="en-US" dirty="0"/>
+              <a:t>횟수나 개수 등</a:t>
+            </a:r>
+            <a:r>
+              <a:rPr lang="en-US" altLang="ko-KR" dirty="0"/>
+              <a:t>)</a:t>
+            </a:r>
+            <a:r>
+              <a:rPr lang="ko-KR" altLang="en-US" dirty="0"/>
+              <a:t>을 나타냄</a:t>
+            </a:r>
+            <a:r>
+              <a:rPr lang="en-US" altLang="ko-KR" dirty="0"/>
+              <a:t>. </a:t>
+            </a:r>
+            <a:r>
+              <a:rPr lang="ko-KR" altLang="en-US" dirty="0"/>
+              <a:t>분포의 형태를 파악</a:t>
+            </a:r>
+            <a:endParaRPr lang="en-US" altLang="ko-KR" dirty="0"/>
+          </a:p>
+          <a:p>
+            <a:pPr marL="457200" lvl="1" indent="0">
+              <a:lnSpc>
+                <a:spcPct val="150000"/>
+              </a:lnSpc>
+              <a:buNone/>
+            </a:pPr>
+            <a:endParaRPr lang="en-US" altLang="ko-KR" dirty="0"/>
+          </a:p>
+          <a:p>
+            <a:pPr lvl="1">
+              <a:lnSpc>
+                <a:spcPct val="150000"/>
+              </a:lnSpc>
+            </a:pPr>
+            <a:endParaRPr lang="en-US" altLang="ko-KR" dirty="0"/>
+          </a:p>
+          <a:p>
+            <a:pPr lvl="1">
+              <a:lnSpc>
+                <a:spcPct val="150000"/>
+              </a:lnSpc>
+            </a:pPr>
+            <a:endParaRPr lang="en-US" altLang="ko-KR" dirty="0"/>
+          </a:p>
+        </p:txBody>
+      </p:sp>
+      <p:sp>
+        <p:nvSpPr>
+          <p:cNvPr id="3" name="제목 2"/>
+          <p:cNvSpPr>
+            <a:spLocks noGrp="1"/>
+          </p:cNvSpPr>
+          <p:nvPr>
+            <p:ph type="title"/>
+          </p:nvPr>
+        </p:nvSpPr>
+        <p:spPr/>
+        <p:txBody>
+          <a:bodyPr/>
+          <a:lstStyle/>
+          <a:p>
+            <a:r>
+              <a:rPr lang="ko-KR" altLang="en-US" dirty="0"/>
+              <a:t>데이터 시각화</a:t>
+            </a:r>
+          </a:p>
+        </p:txBody>
+      </p:sp>
+      <p:pic>
+        <p:nvPicPr>
+          <p:cNvPr id="12" name="그림 11">
+            <a:extLst>
+              <a:ext uri="{FF2B5EF4-FFF2-40B4-BE49-F238E27FC236}">
+                <a16:creationId xmlns:a16="http://schemas.microsoft.com/office/drawing/2014/main" id="{EFEE377A-CDB7-4034-9A87-AC2A5CCD21BF}"/>
+              </a:ext>
+            </a:extLst>
+          </p:cNvPr>
+          <p:cNvPicPr>
+            <a:picLocks noChangeAspect="1"/>
+          </p:cNvPicPr>
+          <p:nvPr/>
+        </p:nvPicPr>
+        <p:blipFill>
+          <a:blip r:embed="rId3"/>
+          <a:stretch>
+            <a:fillRect/>
+          </a:stretch>
+        </p:blipFill>
+        <p:spPr>
+          <a:xfrm>
+            <a:off x="2756964" y="2413845"/>
+            <a:ext cx="4104455" cy="1158071"/>
+          </a:xfrm>
+          <a:prstGeom prst="rect">
+            <a:avLst/>
+          </a:prstGeom>
+        </p:spPr>
+      </p:pic>
+      <p:pic>
+        <p:nvPicPr>
+          <p:cNvPr id="14" name="그림 13">
+            <a:extLst>
+              <a:ext uri="{FF2B5EF4-FFF2-40B4-BE49-F238E27FC236}">
+                <a16:creationId xmlns:a16="http://schemas.microsoft.com/office/drawing/2014/main" id="{DA2036CB-A038-48E9-95B6-B2FA9C44C4ED}"/>
+              </a:ext>
+            </a:extLst>
+          </p:cNvPr>
+          <p:cNvPicPr>
+            <a:picLocks noChangeAspect="1"/>
+          </p:cNvPicPr>
+          <p:nvPr/>
+        </p:nvPicPr>
+        <p:blipFill>
+          <a:blip r:embed="rId4"/>
+          <a:stretch>
+            <a:fillRect/>
+          </a:stretch>
+        </p:blipFill>
+        <p:spPr>
+          <a:xfrm>
+            <a:off x="2743241" y="3564860"/>
+            <a:ext cx="4133015" cy="2804955"/>
+          </a:xfrm>
+          <a:prstGeom prst="rect">
+            <a:avLst/>
+          </a:prstGeom>
+        </p:spPr>
+      </p:pic>
+    </p:spTree>
+    <p:extLst>
+      <p:ext uri="{BB962C8B-B14F-4D97-AF65-F5344CB8AC3E}">
+        <p14:creationId xmlns:p14="http://schemas.microsoft.com/office/powerpoint/2010/main" val="1397646456"/>
+      </p:ext>
+    </p:extLst>
+  </p:cSld>
+  <p:clrMapOvr>
+    <a:masterClrMapping/>
+  </p:clrMapOvr>
+</p:sld>
+</file>
+
+<file path=ppt/slides/slide39.xml><?xml version="1.0" encoding="utf-8"?>
+<p:sld xmlns:a="http://schemas.openxmlformats.org/drawingml/2006/main" xmlns:r="http://schemas.openxmlformats.org/officeDocument/2006/relationships" xmlns:p="http://schemas.openxmlformats.org/presentationml/2006/main">
+  <p:cSld>
+    <p:spTree>
+      <p:nvGrpSpPr>
+        <p:cNvPr id="1" name=""/>
+        <p:cNvGrpSpPr/>
+        <p:nvPr/>
+      </p:nvGrpSpPr>
+      <p:grpSpPr>
+        <a:xfrm>
+          <a:off x="0" y="0"/>
+          <a:ext cx="0" cy="0"/>
+          <a:chOff x="0" y="0"/>
+          <a:chExt cx="0" cy="0"/>
+        </a:xfrm>
+      </p:grpSpPr>
+      <p:sp>
+        <p:nvSpPr>
+          <p:cNvPr id="13" name="텍스트 개체 틀 3"/>
+          <p:cNvSpPr>
+            <a:spLocks noGrp="1"/>
+          </p:cNvSpPr>
+          <p:nvPr>
+            <p:ph idx="1"/>
+          </p:nvPr>
+        </p:nvSpPr>
+        <p:spPr>
+          <a:xfrm>
+            <a:off x="231775" y="1052671"/>
+            <a:ext cx="8156755" cy="2353016"/>
+          </a:xfrm>
+          <a:noFill/>
+          <a:ln>
+            <a:noFill/>
+          </a:ln>
+          <a:extLst>
+            <a:ext uri="{909E8E84-426E-40DD-AFC4-6F175D3DCCD1}">
+              <a14:hiddenFill xmlns:a14="http://schemas.microsoft.com/office/drawing/2010/main">
+                <a:solidFill>
+                  <a:srgbClr val="FFFFFF"/>
+                </a:solidFill>
+              </a14:hiddenFill>
+            </a:ext>
+            <a:ext uri="{91240B29-F687-4F45-9708-019B960494DF}">
+              <a14:hiddenLine xmlns:a14="http://schemas.microsoft.com/office/drawing/2010/main" w="9525">
+                <a:solidFill>
+                  <a:srgbClr val="000000"/>
+                </a:solidFill>
+                <a:miter lim="800000"/>
+                <a:headEnd/>
+                <a:tailEnd/>
+              </a14:hiddenLine>
+            </a:ext>
+          </a:extLst>
+        </p:spPr>
+        <p:txBody>
+          <a:bodyPr vert="horz" wrap="square" lIns="0" tIns="0" rIns="0" bIns="0" numCol="1" anchor="t" anchorCtr="0" compatLnSpc="1">
+            <a:prstTxWarp prst="textNoShape">
+              <a:avLst/>
+            </a:prstTxWarp>
+            <a:spAutoFit/>
+          </a:bodyPr>
+          <a:lstStyle/>
+          <a:p>
+            <a:r>
+              <a:rPr lang="ko-KR" altLang="en-US" dirty="0"/>
+              <a:t>히스토그램</a:t>
+            </a:r>
+            <a:endParaRPr lang="en-US" altLang="ko-KR" dirty="0"/>
+          </a:p>
+          <a:p>
+            <a:pPr lvl="1">
+              <a:lnSpc>
+                <a:spcPct val="150000"/>
+              </a:lnSpc>
+            </a:pPr>
+            <a:r>
+              <a:rPr lang="ko-KR" altLang="en-US" dirty="0"/>
+              <a:t>주사위 시뮬레이션</a:t>
+            </a:r>
+            <a:endParaRPr lang="en-US" altLang="ko-KR" dirty="0"/>
+          </a:p>
+          <a:p>
+            <a:pPr marL="457200" lvl="1" indent="0">
+              <a:lnSpc>
+                <a:spcPct val="150000"/>
+              </a:lnSpc>
+              <a:buNone/>
+            </a:pPr>
+            <a:endParaRPr lang="en-US" altLang="ko-KR" dirty="0"/>
+          </a:p>
+          <a:p>
+            <a:pPr lvl="1">
+              <a:lnSpc>
+                <a:spcPct val="150000"/>
+              </a:lnSpc>
+            </a:pPr>
+            <a:endParaRPr lang="en-US" altLang="ko-KR" dirty="0"/>
+          </a:p>
+          <a:p>
+            <a:pPr lvl="1">
+              <a:lnSpc>
+                <a:spcPct val="150000"/>
+              </a:lnSpc>
+            </a:pPr>
+            <a:endParaRPr lang="en-US" altLang="ko-KR" dirty="0"/>
+          </a:p>
+        </p:txBody>
+      </p:sp>
+      <p:sp>
+        <p:nvSpPr>
+          <p:cNvPr id="3" name="제목 2"/>
+          <p:cNvSpPr>
+            <a:spLocks noGrp="1"/>
+          </p:cNvSpPr>
+          <p:nvPr>
+            <p:ph type="title"/>
+          </p:nvPr>
+        </p:nvSpPr>
+        <p:spPr/>
+        <p:txBody>
+          <a:bodyPr/>
+          <a:lstStyle/>
+          <a:p>
+            <a:r>
+              <a:rPr lang="ko-KR" altLang="en-US" dirty="0"/>
+              <a:t>데이터 시각화</a:t>
+            </a:r>
+          </a:p>
+        </p:txBody>
+      </p:sp>
+      <p:pic>
+        <p:nvPicPr>
+          <p:cNvPr id="4" name="그림 3">
+            <a:extLst>
+              <a:ext uri="{FF2B5EF4-FFF2-40B4-BE49-F238E27FC236}">
+                <a16:creationId xmlns:a16="http://schemas.microsoft.com/office/drawing/2014/main" id="{4EDFA1BF-626A-4D41-A0A4-1671CF9ED061}"/>
+              </a:ext>
+            </a:extLst>
+          </p:cNvPr>
+          <p:cNvPicPr>
+            <a:picLocks noChangeAspect="1"/>
+          </p:cNvPicPr>
+          <p:nvPr/>
+        </p:nvPicPr>
+        <p:blipFill>
+          <a:blip r:embed="rId3"/>
+          <a:stretch>
+            <a:fillRect/>
+          </a:stretch>
+        </p:blipFill>
+        <p:spPr>
+          <a:xfrm>
+            <a:off x="2195736" y="2060848"/>
+            <a:ext cx="4570385" cy="4653136"/>
+          </a:xfrm>
+          <a:prstGeom prst="rect">
+            <a:avLst/>
+          </a:prstGeom>
+        </p:spPr>
+      </p:pic>
+    </p:spTree>
+    <p:extLst>
+      <p:ext uri="{BB962C8B-B14F-4D97-AF65-F5344CB8AC3E}">
+        <p14:creationId xmlns:p14="http://schemas.microsoft.com/office/powerpoint/2010/main" val="1270955117"/>
+      </p:ext>
+    </p:extLst>
+  </p:cSld>
+  <p:clrMapOvr>
+    <a:masterClrMapping/>
+  </p:clrMapOvr>
+</p:sld>
+</file>
+
+<file path=ppt/slides/slide4.xml><?xml version="1.0" encoding="utf-8"?>
+<p:sld xmlns:a="http://schemas.openxmlformats.org/drawingml/2006/main" xmlns:r="http://schemas.openxmlformats.org/officeDocument/2006/relationships" xmlns:p="http://schemas.openxmlformats.org/presentationml/2006/main">
+  <p:cSld>
+    <p:spTree>
+      <p:nvGrpSpPr>
+        <p:cNvPr id="1" name=""/>
+        <p:cNvGrpSpPr/>
+        <p:nvPr/>
+      </p:nvGrpSpPr>
+      <p:grpSpPr>
+        <a:xfrm>
+          <a:off x="0" y="0"/>
+          <a:ext cx="0" cy="0"/>
+          <a:chOff x="0" y="0"/>
+          <a:chExt cx="0" cy="0"/>
+        </a:xfrm>
+      </p:grpSpPr>
+      <p:sp>
+        <p:nvSpPr>
+          <p:cNvPr id="3" name="제목 2"/>
+          <p:cNvSpPr>
+            <a:spLocks noGrp="1"/>
+          </p:cNvSpPr>
+          <p:nvPr>
+            <p:ph type="title"/>
+          </p:nvPr>
+        </p:nvSpPr>
+        <p:spPr/>
+        <p:txBody>
+          <a:bodyPr/>
+          <a:lstStyle/>
+          <a:p>
+            <a:r>
+              <a:rPr lang="en-US" altLang="ko-KR" dirty="0" err="1"/>
+              <a:t>matplotlib</a:t>
+            </a:r>
+            <a:r>
+              <a:rPr lang="en-US" altLang="ko-KR" dirty="0"/>
+              <a:t> </a:t>
+            </a:r>
+            <a:r>
+              <a:rPr lang="ko-KR" altLang="en-US" dirty="0"/>
+              <a:t>이란</a:t>
+            </a:r>
+            <a:r>
+              <a:rPr lang="en-US" altLang="ko-KR" dirty="0"/>
+              <a:t>?</a:t>
+            </a:r>
+            <a:endParaRPr lang="ko-KR" altLang="en-US" dirty="0"/>
+          </a:p>
+        </p:txBody>
+      </p:sp>
+      <p:sp>
+        <p:nvSpPr>
+          <p:cNvPr id="11" name="텍스트 개체 틀 3"/>
+          <p:cNvSpPr>
+            <a:spLocks noGrp="1"/>
+          </p:cNvSpPr>
+          <p:nvPr>
+            <p:ph idx="1"/>
+          </p:nvPr>
+        </p:nvSpPr>
+        <p:spPr>
+          <a:xfrm>
+            <a:off x="323410" y="1052670"/>
+            <a:ext cx="8670925" cy="1292662"/>
+          </a:xfrm>
+          <a:noFill/>
+          <a:ln>
+            <a:noFill/>
+          </a:ln>
+          <a:extLst>
+            <a:ext uri="{909E8E84-426E-40DD-AFC4-6F175D3DCCD1}">
+              <a14:hiddenFill xmlns:a14="http://schemas.microsoft.com/office/drawing/2010/main">
+                <a:solidFill>
+                  <a:srgbClr val="FFFFFF"/>
+                </a:solidFill>
+              </a14:hiddenFill>
+            </a:ext>
+            <a:ext uri="{91240B29-F687-4F45-9708-019B960494DF}">
+              <a14:hiddenLine xmlns:a14="http://schemas.microsoft.com/office/drawing/2010/main" w="9525">
+                <a:solidFill>
+                  <a:srgbClr val="000000"/>
+                </a:solidFill>
+                <a:miter lim="800000"/>
+                <a:headEnd/>
+                <a:tailEnd/>
+              </a14:hiddenLine>
+            </a:ext>
+          </a:extLst>
+        </p:spPr>
+        <p:txBody>
+          <a:bodyPr vert="horz" wrap="square" lIns="0" tIns="0" rIns="0" bIns="0" numCol="1" anchor="t" anchorCtr="0" compatLnSpc="1">
+            <a:prstTxWarp prst="textNoShape">
+              <a:avLst/>
+            </a:prstTxWarp>
+            <a:spAutoFit/>
+          </a:bodyPr>
+          <a:lstStyle/>
+          <a:p>
+            <a:r>
+              <a:rPr lang="en-US" altLang="ko-KR" dirty="0" err="1"/>
+              <a:t>matplotlib</a:t>
+            </a:r>
+            <a:r>
+              <a:rPr lang="en-US" altLang="ko-KR" dirty="0"/>
+              <a:t>  </a:t>
+            </a:r>
+            <a:r>
+              <a:rPr lang="ko-KR" altLang="en-US" dirty="0"/>
+              <a:t>모듈</a:t>
+            </a:r>
+          </a:p>
+          <a:p>
+            <a:pPr lvl="1">
+              <a:lnSpc>
+                <a:spcPct val="150000"/>
+              </a:lnSpc>
+            </a:pPr>
+            <a:r>
+              <a:rPr lang="en-US" altLang="ko-KR" dirty="0"/>
+              <a:t>import </a:t>
+            </a:r>
+            <a:r>
+              <a:rPr lang="ko-KR" altLang="en-US" dirty="0"/>
+              <a:t>시</a:t>
+            </a:r>
+            <a:r>
+              <a:rPr lang="en-US" altLang="ko-KR" dirty="0"/>
+              <a:t>, </a:t>
+            </a:r>
+            <a:r>
+              <a:rPr lang="ko-KR" altLang="en-US" dirty="0"/>
+              <a:t>다음과 같이 줄여서 사용하는 것을 </a:t>
+            </a:r>
+            <a:r>
+              <a:rPr lang="en-US" altLang="ko-KR" b="1" dirty="0" err="1"/>
+              <a:t>matplotlib</a:t>
+            </a:r>
+            <a:r>
+              <a:rPr lang="ko-KR" altLang="en-US" dirty="0"/>
+              <a:t>의 참조 문서에서도 권장하고 있다</a:t>
+            </a:r>
+            <a:r>
+              <a:rPr lang="en-US" altLang="ko-KR" dirty="0"/>
+              <a:t>.</a:t>
+            </a:r>
+          </a:p>
+        </p:txBody>
+      </p:sp>
+      <p:sp>
+        <p:nvSpPr>
+          <p:cNvPr id="6" name="직사각형 5"/>
+          <p:cNvSpPr/>
+          <p:nvPr/>
+        </p:nvSpPr>
+        <p:spPr bwMode="auto">
+          <a:xfrm>
+            <a:off x="1214414" y="2500306"/>
+            <a:ext cx="6768940" cy="1571636"/>
+          </a:xfrm>
+          <a:prstGeom prst="rect">
+            <a:avLst/>
+          </a:prstGeom>
+          <a:solidFill>
+            <a:schemeClr val="bg1">
+              <a:lumMod val="85000"/>
+            </a:schemeClr>
+          </a:solidFill>
+          <a:ln w="9525" cap="flat" cmpd="sng" algn="ctr">
+            <a:noFill/>
+            <a:prstDash val="solid"/>
+            <a:round/>
+            <a:headEnd type="none" w="med" len="med"/>
+            <a:tailEnd type="none" w="med" len="med"/>
+          </a:ln>
+          <a:effectLst/>
+        </p:spPr>
+        <p:txBody>
+          <a:bodyPr vert="horz" wrap="none" lIns="360000" tIns="45720" rIns="91440" bIns="45720" numCol="1" rtlCol="0" anchor="ctr" anchorCtr="0" compatLnSpc="1">
+            <a:prstTxWarp prst="textNoShape">
+              <a:avLst/>
+            </a:prstTxWarp>
+          </a:bodyPr>
+          <a:lstStyle/>
+          <a:p>
+            <a:pPr marL="0" marR="0" indent="0" defTabSz="977900" rtl="0" eaLnBrk="1" fontAlgn="base" latinLnBrk="0" hangingPunct="1">
+              <a:lnSpc>
+                <a:spcPct val="100000"/>
+              </a:lnSpc>
+              <a:spcBef>
+                <a:spcPct val="0"/>
+              </a:spcBef>
+              <a:spcAft>
+                <a:spcPct val="0"/>
+              </a:spcAft>
+              <a:buClrTx/>
+              <a:buSzTx/>
+              <a:buFontTx/>
+              <a:buNone/>
+              <a:tabLst/>
+            </a:pPr>
+            <a:r>
+              <a:rPr lang="en-US" altLang="ko-KR" sz="1400" dirty="0">
+                <a:latin typeface="맑은 고딕" pitchFamily="50" charset="-127"/>
+                <a:ea typeface="맑은 고딕" pitchFamily="50" charset="-127"/>
+              </a:rPr>
+              <a:t>i</a:t>
+            </a:r>
+            <a:r>
+              <a:rPr kumimoji="0" lang="en-US" altLang="ko-KR" sz="1400" i="0" u="none" strike="noStrike" cap="none" normalizeH="0" baseline="0" dirty="0">
+                <a:ln>
+                  <a:noFill/>
+                </a:ln>
+                <a:solidFill>
+                  <a:schemeClr val="tx1"/>
+                </a:solidFill>
+                <a:effectLst/>
+                <a:latin typeface="맑은 고딕" pitchFamily="50" charset="-127"/>
+                <a:ea typeface="맑은 고딕" pitchFamily="50" charset="-127"/>
+              </a:rPr>
+              <a:t>mport </a:t>
+            </a:r>
+            <a:r>
+              <a:rPr kumimoji="0" lang="en-US" altLang="ko-KR" sz="1400" i="0" u="none" strike="noStrike" cap="none" normalizeH="0" baseline="0" dirty="0" err="1">
+                <a:ln>
+                  <a:noFill/>
+                </a:ln>
+                <a:solidFill>
+                  <a:schemeClr val="tx1"/>
+                </a:solidFill>
+                <a:effectLst/>
+                <a:latin typeface="맑은 고딕" pitchFamily="50" charset="-127"/>
+                <a:ea typeface="맑은 고딕" pitchFamily="50" charset="-127"/>
+              </a:rPr>
+              <a:t>matplotlib</a:t>
+            </a:r>
+            <a:r>
+              <a:rPr lang="en-US" altLang="ko-KR" sz="1400" dirty="0">
+                <a:latin typeface="맑은 고딕" pitchFamily="50" charset="-127"/>
+                <a:ea typeface="맑은 고딕" pitchFamily="50" charset="-127"/>
+              </a:rPr>
+              <a:t> as </a:t>
+            </a:r>
+            <a:r>
+              <a:rPr lang="en-US" altLang="ko-KR" sz="1400" dirty="0" err="1">
+                <a:latin typeface="맑은 고딕" pitchFamily="50" charset="-127"/>
+                <a:ea typeface="맑은 고딕" pitchFamily="50" charset="-127"/>
+              </a:rPr>
+              <a:t>mpl</a:t>
+            </a:r>
+            <a:endParaRPr lang="en-US" altLang="ko-KR" sz="1400" dirty="0">
+              <a:latin typeface="맑은 고딕" pitchFamily="50" charset="-127"/>
+              <a:ea typeface="맑은 고딕" pitchFamily="50" charset="-127"/>
+            </a:endParaRPr>
+          </a:p>
+          <a:p>
+            <a:pPr marL="0" marR="0" indent="0" defTabSz="977900" rtl="0" eaLnBrk="1" fontAlgn="base" latinLnBrk="0" hangingPunct="1">
+              <a:lnSpc>
+                <a:spcPct val="100000"/>
+              </a:lnSpc>
+              <a:spcBef>
+                <a:spcPct val="0"/>
+              </a:spcBef>
+              <a:spcAft>
+                <a:spcPct val="0"/>
+              </a:spcAft>
+              <a:buClrTx/>
+              <a:buSzTx/>
+              <a:buFontTx/>
+              <a:buNone/>
+              <a:tabLst/>
+            </a:pPr>
+            <a:endParaRPr lang="en-US" altLang="ko-KR" sz="1400" dirty="0">
+              <a:latin typeface="맑은 고딕" pitchFamily="50" charset="-127"/>
+              <a:ea typeface="맑은 고딕" pitchFamily="50" charset="-127"/>
+            </a:endParaRPr>
+          </a:p>
+          <a:p>
+            <a:pPr marL="0" marR="0" indent="0" defTabSz="977900" rtl="0" eaLnBrk="1" fontAlgn="base" latinLnBrk="0" hangingPunct="1">
+              <a:lnSpc>
+                <a:spcPct val="100000"/>
+              </a:lnSpc>
+              <a:spcBef>
+                <a:spcPct val="0"/>
+              </a:spcBef>
+              <a:spcAft>
+                <a:spcPct val="0"/>
+              </a:spcAft>
+              <a:buClrTx/>
+              <a:buSzTx/>
+              <a:buFontTx/>
+              <a:buNone/>
+              <a:tabLst/>
+            </a:pPr>
+            <a:r>
+              <a:rPr lang="en-US" altLang="ko-KR" sz="1400" b="0" i="1" dirty="0">
+                <a:latin typeface="맑은 고딕" pitchFamily="50" charset="-127"/>
+                <a:ea typeface="맑은 고딕" pitchFamily="50" charset="-127"/>
+              </a:rPr>
+              <a:t># </a:t>
+            </a:r>
+            <a:r>
+              <a:rPr lang="en-US" altLang="ko-KR" sz="1400" b="0" i="1" dirty="0" err="1">
+                <a:latin typeface="맑은 고딕" pitchFamily="50" charset="-127"/>
+                <a:ea typeface="맑은 고딕" pitchFamily="50" charset="-127"/>
+              </a:rPr>
+              <a:t>pyplot</a:t>
+            </a:r>
+            <a:r>
+              <a:rPr lang="en-US" altLang="ko-KR" sz="1400" b="0" i="1" dirty="0">
+                <a:latin typeface="맑은 고딕" pitchFamily="50" charset="-127"/>
+                <a:ea typeface="맑은 고딕" pitchFamily="50" charset="-127"/>
+              </a:rPr>
+              <a:t> </a:t>
+            </a:r>
+            <a:r>
+              <a:rPr lang="ko-KR" altLang="en-US" sz="1400" b="0" i="1" dirty="0">
+                <a:latin typeface="맑은 고딕" pitchFamily="50" charset="-127"/>
+                <a:ea typeface="맑은 고딕" pitchFamily="50" charset="-127"/>
+              </a:rPr>
+              <a:t>모듈</a:t>
+            </a:r>
+            <a:endParaRPr lang="en-US" altLang="ko-KR" sz="1400" b="0" i="1" dirty="0">
+              <a:latin typeface="맑은 고딕" pitchFamily="50" charset="-127"/>
+              <a:ea typeface="맑은 고딕" pitchFamily="50" charset="-127"/>
+            </a:endParaRPr>
+          </a:p>
+          <a:p>
+            <a:pPr marL="0" marR="0" indent="0" defTabSz="977900" rtl="0" eaLnBrk="1" fontAlgn="base" latinLnBrk="0" hangingPunct="1">
+              <a:lnSpc>
+                <a:spcPct val="100000"/>
+              </a:lnSpc>
+              <a:spcBef>
+                <a:spcPct val="0"/>
+              </a:spcBef>
+              <a:spcAft>
+                <a:spcPct val="0"/>
+              </a:spcAft>
+              <a:buClrTx/>
+              <a:buSzTx/>
+              <a:buFontTx/>
+              <a:buNone/>
+              <a:tabLst/>
+            </a:pPr>
+            <a:r>
+              <a:rPr lang="en-US" altLang="ko-KR" sz="1400" dirty="0">
+                <a:latin typeface="맑은 고딕" pitchFamily="50" charset="-127"/>
+                <a:ea typeface="맑은 고딕" pitchFamily="50" charset="-127"/>
+              </a:rPr>
+              <a:t>import </a:t>
+            </a:r>
+            <a:r>
+              <a:rPr lang="en-US" altLang="ko-KR" sz="1400" dirty="0" err="1">
+                <a:latin typeface="맑은 고딕" pitchFamily="50" charset="-127"/>
+                <a:ea typeface="맑은 고딕" pitchFamily="50" charset="-127"/>
+              </a:rPr>
+              <a:t>matplotlib.pyplot</a:t>
+            </a:r>
+            <a:r>
+              <a:rPr lang="en-US" altLang="ko-KR" sz="1400" dirty="0">
+                <a:latin typeface="맑은 고딕" pitchFamily="50" charset="-127"/>
+                <a:ea typeface="맑은 고딕" pitchFamily="50" charset="-127"/>
+              </a:rPr>
+              <a:t> as </a:t>
+            </a:r>
+            <a:r>
+              <a:rPr lang="en-US" altLang="ko-KR" sz="1400" dirty="0" err="1">
+                <a:latin typeface="맑은 고딕" pitchFamily="50" charset="-127"/>
+                <a:ea typeface="맑은 고딕" pitchFamily="50" charset="-127"/>
+              </a:rPr>
+              <a:t>plt</a:t>
+            </a:r>
+            <a:endParaRPr lang="en-US" altLang="ko-KR" sz="1400" dirty="0">
+              <a:latin typeface="맑은 고딕" pitchFamily="50" charset="-127"/>
+              <a:ea typeface="맑은 고딕" pitchFamily="50" charset="-127"/>
+            </a:endParaRPr>
+          </a:p>
+        </p:txBody>
+      </p:sp>
+    </p:spTree>
+    <p:extLst>
+      <p:ext uri="{BB962C8B-B14F-4D97-AF65-F5344CB8AC3E}">
+        <p14:creationId xmlns:p14="http://schemas.microsoft.com/office/powerpoint/2010/main" val="2069480276"/>
+      </p:ext>
+    </p:extLst>
+  </p:cSld>
+  <p:clrMapOvr>
+    <a:masterClrMapping/>
+  </p:clrMapOvr>
+</p:sld>
+</file>
+
+<file path=ppt/slides/slide40.xml><?xml version="1.0" encoding="utf-8"?>
+<p:sld xmlns:a="http://schemas.openxmlformats.org/drawingml/2006/main" xmlns:r="http://schemas.openxmlformats.org/officeDocument/2006/relationships" xmlns:p="http://schemas.openxmlformats.org/presentationml/2006/main">
+  <p:cSld>
+    <p:spTree>
+      <p:nvGrpSpPr>
+        <p:cNvPr id="1" name=""/>
+        <p:cNvGrpSpPr/>
+        <p:nvPr/>
+      </p:nvGrpSpPr>
+      <p:grpSpPr>
+        <a:xfrm>
+          <a:off x="0" y="0"/>
+          <a:ext cx="0" cy="0"/>
+          <a:chOff x="0" y="0"/>
+          <a:chExt cx="0" cy="0"/>
+        </a:xfrm>
+      </p:grpSpPr>
+      <p:sp>
+        <p:nvSpPr>
+          <p:cNvPr id="13" name="텍스트 개체 틀 3"/>
+          <p:cNvSpPr>
+            <a:spLocks noGrp="1"/>
+          </p:cNvSpPr>
+          <p:nvPr>
+            <p:ph idx="1"/>
+          </p:nvPr>
+        </p:nvSpPr>
+        <p:spPr>
+          <a:xfrm>
+            <a:off x="231775" y="1052671"/>
+            <a:ext cx="8156755" cy="2353016"/>
+          </a:xfrm>
+          <a:noFill/>
+          <a:ln>
+            <a:noFill/>
+          </a:ln>
+          <a:extLst>
+            <a:ext uri="{909E8E84-426E-40DD-AFC4-6F175D3DCCD1}">
+              <a14:hiddenFill xmlns:a14="http://schemas.microsoft.com/office/drawing/2010/main">
+                <a:solidFill>
+                  <a:srgbClr val="FFFFFF"/>
+                </a:solidFill>
+              </a14:hiddenFill>
+            </a:ext>
+            <a:ext uri="{91240B29-F687-4F45-9708-019B960494DF}">
+              <a14:hiddenLine xmlns:a14="http://schemas.microsoft.com/office/drawing/2010/main" w="9525">
+                <a:solidFill>
+                  <a:srgbClr val="000000"/>
+                </a:solidFill>
+                <a:miter lim="800000"/>
+                <a:headEnd/>
+                <a:tailEnd/>
+              </a14:hiddenLine>
+            </a:ext>
+          </a:extLst>
+        </p:spPr>
+        <p:txBody>
+          <a:bodyPr vert="horz" wrap="square" lIns="0" tIns="0" rIns="0" bIns="0" numCol="1" anchor="t" anchorCtr="0" compatLnSpc="1">
+            <a:prstTxWarp prst="textNoShape">
+              <a:avLst/>
+            </a:prstTxWarp>
+            <a:spAutoFit/>
+          </a:bodyPr>
+          <a:lstStyle/>
+          <a:p>
+            <a:r>
+              <a:rPr lang="ko-KR" altLang="en-US" dirty="0"/>
+              <a:t>히스토그램</a:t>
+            </a:r>
+            <a:endParaRPr lang="en-US" altLang="ko-KR" dirty="0"/>
+          </a:p>
+          <a:p>
+            <a:pPr lvl="1">
+              <a:lnSpc>
+                <a:spcPct val="150000"/>
+              </a:lnSpc>
+            </a:pPr>
+            <a:r>
+              <a:rPr lang="ko-KR" altLang="en-US" dirty="0"/>
+              <a:t>주사위 시뮬레이션</a:t>
+            </a:r>
+            <a:endParaRPr lang="en-US" altLang="ko-KR" dirty="0"/>
+          </a:p>
+          <a:p>
+            <a:pPr marL="457200" lvl="1" indent="0">
+              <a:lnSpc>
+                <a:spcPct val="150000"/>
+              </a:lnSpc>
+              <a:buNone/>
+            </a:pPr>
+            <a:endParaRPr lang="en-US" altLang="ko-KR" dirty="0"/>
+          </a:p>
+          <a:p>
+            <a:pPr lvl="1">
+              <a:lnSpc>
+                <a:spcPct val="150000"/>
+              </a:lnSpc>
+            </a:pPr>
+            <a:endParaRPr lang="en-US" altLang="ko-KR" dirty="0"/>
+          </a:p>
+          <a:p>
+            <a:pPr lvl="1">
+              <a:lnSpc>
+                <a:spcPct val="150000"/>
+              </a:lnSpc>
+            </a:pPr>
+            <a:endParaRPr lang="en-US" altLang="ko-KR" dirty="0"/>
+          </a:p>
+        </p:txBody>
+      </p:sp>
+      <p:sp>
+        <p:nvSpPr>
+          <p:cNvPr id="3" name="제목 2"/>
+          <p:cNvSpPr>
+            <a:spLocks noGrp="1"/>
+          </p:cNvSpPr>
+          <p:nvPr>
+            <p:ph type="title"/>
+          </p:nvPr>
+        </p:nvSpPr>
+        <p:spPr/>
+        <p:txBody>
+          <a:bodyPr/>
+          <a:lstStyle/>
+          <a:p>
+            <a:r>
+              <a:rPr lang="ko-KR" altLang="en-US" dirty="0"/>
+              <a:t>데이터 시각화</a:t>
+            </a:r>
+          </a:p>
+        </p:txBody>
+      </p:sp>
+      <p:pic>
+        <p:nvPicPr>
+          <p:cNvPr id="4" name="그림 3">
+            <a:extLst>
+              <a:ext uri="{FF2B5EF4-FFF2-40B4-BE49-F238E27FC236}">
+                <a16:creationId xmlns:a16="http://schemas.microsoft.com/office/drawing/2014/main" id="{540F8836-D2A5-486C-A247-666F919713FC}"/>
+              </a:ext>
+            </a:extLst>
+          </p:cNvPr>
+          <p:cNvPicPr>
+            <a:picLocks noChangeAspect="1"/>
+          </p:cNvPicPr>
+          <p:nvPr/>
+        </p:nvPicPr>
+        <p:blipFill>
+          <a:blip r:embed="rId3"/>
+          <a:stretch>
+            <a:fillRect/>
+          </a:stretch>
+        </p:blipFill>
+        <p:spPr>
+          <a:xfrm>
+            <a:off x="2175916" y="1916832"/>
+            <a:ext cx="5054186" cy="4490318"/>
+          </a:xfrm>
+          <a:prstGeom prst="rect">
+            <a:avLst/>
+          </a:prstGeom>
+        </p:spPr>
+      </p:pic>
+    </p:spTree>
+    <p:extLst>
+      <p:ext uri="{BB962C8B-B14F-4D97-AF65-F5344CB8AC3E}">
+        <p14:creationId xmlns:p14="http://schemas.microsoft.com/office/powerpoint/2010/main" val="2792513227"/>
+      </p:ext>
+    </p:extLst>
+  </p:cSld>
+  <p:clrMapOvr>
+    <a:masterClrMapping/>
+  </p:clrMapOvr>
+</p:sld>
+</file>
+
+<file path=ppt/slides/slide41.xml><?xml version="1.0" encoding="utf-8"?>
+<p:sld xmlns:a="http://schemas.openxmlformats.org/drawingml/2006/main" xmlns:r="http://schemas.openxmlformats.org/officeDocument/2006/relationships" xmlns:p="http://schemas.openxmlformats.org/presentationml/2006/main">
+  <p:cSld>
+    <p:spTree>
+      <p:nvGrpSpPr>
+        <p:cNvPr id="1" name=""/>
+        <p:cNvGrpSpPr/>
+        <p:nvPr/>
+      </p:nvGrpSpPr>
+      <p:grpSpPr>
+        <a:xfrm>
+          <a:off x="0" y="0"/>
+          <a:ext cx="0" cy="0"/>
+          <a:chOff x="0" y="0"/>
+          <a:chExt cx="0" cy="0"/>
+        </a:xfrm>
+      </p:grpSpPr>
+      <p:sp>
+        <p:nvSpPr>
+          <p:cNvPr id="13" name="텍스트 개체 틀 3"/>
+          <p:cNvSpPr>
+            <a:spLocks noGrp="1"/>
+          </p:cNvSpPr>
+          <p:nvPr>
+            <p:ph idx="1"/>
+          </p:nvPr>
+        </p:nvSpPr>
+        <p:spPr>
+          <a:xfrm>
+            <a:off x="231775" y="1052671"/>
+            <a:ext cx="8156755" cy="875689"/>
+          </a:xfrm>
+          <a:noFill/>
+          <a:ln>
+            <a:noFill/>
+          </a:ln>
+          <a:extLst>
+            <a:ext uri="{909E8E84-426E-40DD-AFC4-6F175D3DCCD1}">
+              <a14:hiddenFill xmlns:a14="http://schemas.microsoft.com/office/drawing/2010/main">
+                <a:solidFill>
+                  <a:srgbClr val="FFFFFF"/>
+                </a:solidFill>
+              </a14:hiddenFill>
+            </a:ext>
+            <a:ext uri="{91240B29-F687-4F45-9708-019B960494DF}">
+              <a14:hiddenLine xmlns:a14="http://schemas.microsoft.com/office/drawing/2010/main" w="9525">
+                <a:solidFill>
+                  <a:srgbClr val="000000"/>
+                </a:solidFill>
+                <a:miter lim="800000"/>
+                <a:headEnd/>
+                <a:tailEnd/>
+              </a14:hiddenLine>
+            </a:ext>
+          </a:extLst>
+        </p:spPr>
+        <p:txBody>
+          <a:bodyPr vert="horz" wrap="square" lIns="0" tIns="0" rIns="0" bIns="0" numCol="1" anchor="t" anchorCtr="0" compatLnSpc="1">
+            <a:prstTxWarp prst="textNoShape">
+              <a:avLst/>
+            </a:prstTxWarp>
+            <a:spAutoFit/>
+          </a:bodyPr>
+          <a:lstStyle/>
+          <a:p>
+            <a:r>
+              <a:rPr lang="ko-KR" altLang="en-US" dirty="0"/>
+              <a:t>히스토그램</a:t>
+            </a:r>
+            <a:endParaRPr lang="en-US" altLang="ko-KR" dirty="0"/>
+          </a:p>
+          <a:p>
+            <a:pPr lvl="1">
+              <a:lnSpc>
+                <a:spcPct val="150000"/>
+              </a:lnSpc>
+            </a:pPr>
+            <a:r>
+              <a:rPr lang="ko-KR" altLang="en-US" dirty="0"/>
+              <a:t>정규분포를 따르는 연속형 자료의 히스토그램</a:t>
+            </a:r>
+            <a:endParaRPr lang="en-US" altLang="ko-KR" dirty="0"/>
+          </a:p>
+        </p:txBody>
+      </p:sp>
+      <p:sp>
+        <p:nvSpPr>
+          <p:cNvPr id="3" name="제목 2"/>
+          <p:cNvSpPr>
+            <a:spLocks noGrp="1"/>
+          </p:cNvSpPr>
+          <p:nvPr>
+            <p:ph type="title"/>
+          </p:nvPr>
+        </p:nvSpPr>
+        <p:spPr/>
+        <p:txBody>
+          <a:bodyPr/>
+          <a:lstStyle/>
+          <a:p>
+            <a:r>
+              <a:rPr lang="ko-KR" altLang="en-US" dirty="0"/>
+              <a:t>데이터 시각화</a:t>
+            </a:r>
+          </a:p>
+        </p:txBody>
+      </p:sp>
+      <p:pic>
+        <p:nvPicPr>
+          <p:cNvPr id="5" name="그림 4">
+            <a:extLst>
+              <a:ext uri="{FF2B5EF4-FFF2-40B4-BE49-F238E27FC236}">
+                <a16:creationId xmlns:a16="http://schemas.microsoft.com/office/drawing/2014/main" id="{28384E93-041D-4214-A720-9F2D80A0DC97}"/>
+              </a:ext>
+            </a:extLst>
+          </p:cNvPr>
+          <p:cNvPicPr>
+            <a:picLocks noChangeAspect="1"/>
+          </p:cNvPicPr>
+          <p:nvPr/>
+        </p:nvPicPr>
+        <p:blipFill>
+          <a:blip r:embed="rId3"/>
+          <a:stretch>
+            <a:fillRect/>
+          </a:stretch>
+        </p:blipFill>
+        <p:spPr>
+          <a:xfrm>
+            <a:off x="1032585" y="1916832"/>
+            <a:ext cx="7069306" cy="4735816"/>
+          </a:xfrm>
+          <a:prstGeom prst="rect">
+            <a:avLst/>
+          </a:prstGeom>
+        </p:spPr>
+      </p:pic>
+    </p:spTree>
+    <p:extLst>
+      <p:ext uri="{BB962C8B-B14F-4D97-AF65-F5344CB8AC3E}">
+        <p14:creationId xmlns:p14="http://schemas.microsoft.com/office/powerpoint/2010/main" val="1106447599"/>
+      </p:ext>
+    </p:extLst>
+  </p:cSld>
+  <p:clrMapOvr>
+    <a:masterClrMapping/>
+  </p:clrMapOvr>
+</p:sld>
+</file>
+
+<file path=ppt/slides/slide42.xml><?xml version="1.0" encoding="utf-8"?>
+<p:sld xmlns:a="http://schemas.openxmlformats.org/drawingml/2006/main" xmlns:r="http://schemas.openxmlformats.org/officeDocument/2006/relationships" xmlns:p="http://schemas.openxmlformats.org/presentationml/2006/main">
+  <p:cSld>
+    <p:spTree>
+      <p:nvGrpSpPr>
+        <p:cNvPr id="1" name=""/>
+        <p:cNvGrpSpPr/>
+        <p:nvPr/>
+      </p:nvGrpSpPr>
+      <p:grpSpPr>
+        <a:xfrm>
+          <a:off x="0" y="0"/>
+          <a:ext cx="0" cy="0"/>
+          <a:chOff x="0" y="0"/>
+          <a:chExt cx="0" cy="0"/>
+        </a:xfrm>
+      </p:grpSpPr>
+      <p:sp>
+        <p:nvSpPr>
+          <p:cNvPr id="13" name="텍스트 개체 틀 3"/>
+          <p:cNvSpPr>
+            <a:spLocks noGrp="1"/>
+          </p:cNvSpPr>
+          <p:nvPr>
+            <p:ph idx="1"/>
+          </p:nvPr>
+        </p:nvSpPr>
+        <p:spPr>
+          <a:xfrm>
+            <a:off x="231775" y="1052671"/>
+            <a:ext cx="8156755" cy="875689"/>
+          </a:xfrm>
+          <a:noFill/>
+          <a:ln>
+            <a:noFill/>
+          </a:ln>
+          <a:extLst>
+            <a:ext uri="{909E8E84-426E-40DD-AFC4-6F175D3DCCD1}">
+              <a14:hiddenFill xmlns:a14="http://schemas.microsoft.com/office/drawing/2010/main">
+                <a:solidFill>
+                  <a:srgbClr val="FFFFFF"/>
+                </a:solidFill>
+              </a14:hiddenFill>
+            </a:ext>
+            <a:ext uri="{91240B29-F687-4F45-9708-019B960494DF}">
+              <a14:hiddenLine xmlns:a14="http://schemas.microsoft.com/office/drawing/2010/main" w="9525">
+                <a:solidFill>
+                  <a:srgbClr val="000000"/>
+                </a:solidFill>
+                <a:miter lim="800000"/>
+                <a:headEnd/>
+                <a:tailEnd/>
+              </a14:hiddenLine>
+            </a:ext>
+          </a:extLst>
+        </p:spPr>
+        <p:txBody>
+          <a:bodyPr vert="horz" wrap="square" lIns="0" tIns="0" rIns="0" bIns="0" numCol="1" anchor="t" anchorCtr="0" compatLnSpc="1">
+            <a:prstTxWarp prst="textNoShape">
+              <a:avLst/>
+            </a:prstTxWarp>
+            <a:spAutoFit/>
+          </a:bodyPr>
+          <a:lstStyle/>
+          <a:p>
+            <a:r>
+              <a:rPr lang="ko-KR" altLang="en-US" dirty="0"/>
+              <a:t>상자그림</a:t>
+            </a:r>
+            <a:endParaRPr lang="en-US" altLang="ko-KR" dirty="0"/>
+          </a:p>
+          <a:p>
+            <a:pPr lvl="1">
+              <a:lnSpc>
+                <a:spcPct val="150000"/>
+              </a:lnSpc>
+            </a:pPr>
+            <a:r>
+              <a:rPr lang="ko-KR" altLang="en-US" dirty="0"/>
+              <a:t>수치형 자료의 </a:t>
+            </a:r>
+            <a:r>
+              <a:rPr lang="ko-KR" altLang="en-US" dirty="0" err="1"/>
+              <a:t>요약통계량</a:t>
+            </a:r>
+            <a:r>
+              <a:rPr lang="en-US" altLang="ko-KR" dirty="0"/>
+              <a:t>(</a:t>
+            </a:r>
+            <a:r>
+              <a:rPr lang="ko-KR" altLang="en-US" dirty="0" err="1"/>
+              <a:t>분위수</a:t>
+            </a:r>
+            <a:r>
+              <a:rPr lang="en-US" altLang="ko-KR" dirty="0"/>
+              <a:t>)</a:t>
+            </a:r>
+            <a:r>
+              <a:rPr lang="ko-KR" altLang="en-US" dirty="0"/>
+              <a:t>을 그림으로 나타낸 것</a:t>
+            </a:r>
+            <a:endParaRPr lang="en-US" altLang="ko-KR" dirty="0"/>
+          </a:p>
+        </p:txBody>
+      </p:sp>
+      <p:sp>
+        <p:nvSpPr>
+          <p:cNvPr id="3" name="제목 2"/>
+          <p:cNvSpPr>
+            <a:spLocks noGrp="1"/>
+          </p:cNvSpPr>
+          <p:nvPr>
+            <p:ph type="title"/>
+          </p:nvPr>
+        </p:nvSpPr>
+        <p:spPr/>
+        <p:txBody>
+          <a:bodyPr/>
+          <a:lstStyle/>
+          <a:p>
+            <a:r>
+              <a:rPr lang="ko-KR" altLang="en-US" dirty="0"/>
+              <a:t>데이터 시각화</a:t>
+            </a:r>
+          </a:p>
+        </p:txBody>
+      </p:sp>
+      <p:pic>
+        <p:nvPicPr>
+          <p:cNvPr id="4" name="그림 3">
+            <a:extLst>
+              <a:ext uri="{FF2B5EF4-FFF2-40B4-BE49-F238E27FC236}">
+                <a16:creationId xmlns:a16="http://schemas.microsoft.com/office/drawing/2014/main" id="{F63CE7F7-E0EC-42A4-B0E0-72EB2E48230E}"/>
+              </a:ext>
+            </a:extLst>
+          </p:cNvPr>
+          <p:cNvPicPr>
+            <a:picLocks noChangeAspect="1"/>
+          </p:cNvPicPr>
+          <p:nvPr/>
+        </p:nvPicPr>
+        <p:blipFill>
+          <a:blip r:embed="rId3"/>
+          <a:stretch>
+            <a:fillRect/>
+          </a:stretch>
+        </p:blipFill>
+        <p:spPr>
+          <a:xfrm>
+            <a:off x="1331640" y="1963405"/>
+            <a:ext cx="5800130" cy="4558699"/>
+          </a:xfrm>
+          <a:prstGeom prst="rect">
+            <a:avLst/>
+          </a:prstGeom>
+        </p:spPr>
+      </p:pic>
+    </p:spTree>
+    <p:extLst>
+      <p:ext uri="{BB962C8B-B14F-4D97-AF65-F5344CB8AC3E}">
+        <p14:creationId xmlns:p14="http://schemas.microsoft.com/office/powerpoint/2010/main" val="3128233427"/>
+      </p:ext>
+    </p:extLst>
+  </p:cSld>
+  <p:clrMapOvr>
+    <a:masterClrMapping/>
+  </p:clrMapOvr>
+</p:sld>
+</file>
+
+<file path=ppt/slides/slide43.xml><?xml version="1.0" encoding="utf-8"?>
+<p:sld xmlns:a="http://schemas.openxmlformats.org/drawingml/2006/main" xmlns:r="http://schemas.openxmlformats.org/officeDocument/2006/relationships" xmlns:p="http://schemas.openxmlformats.org/presentationml/2006/main">
+  <p:cSld>
+    <p:spTree>
+      <p:nvGrpSpPr>
+        <p:cNvPr id="1" name=""/>
+        <p:cNvGrpSpPr/>
+        <p:nvPr/>
+      </p:nvGrpSpPr>
+      <p:grpSpPr>
+        <a:xfrm>
+          <a:off x="0" y="0"/>
+          <a:ext cx="0" cy="0"/>
+          <a:chOff x="0" y="0"/>
+          <a:chExt cx="0" cy="0"/>
+        </a:xfrm>
+      </p:grpSpPr>
+      <p:sp>
+        <p:nvSpPr>
+          <p:cNvPr id="13" name="텍스트 개체 틀 3"/>
+          <p:cNvSpPr>
+            <a:spLocks noGrp="1"/>
+          </p:cNvSpPr>
+          <p:nvPr>
+            <p:ph idx="1"/>
+          </p:nvPr>
+        </p:nvSpPr>
+        <p:spPr>
+          <a:xfrm>
+            <a:off x="231775" y="1052671"/>
+            <a:ext cx="8156755" cy="875689"/>
+          </a:xfrm>
+          <a:noFill/>
+          <a:ln>
+            <a:noFill/>
+          </a:ln>
+          <a:extLst>
+            <a:ext uri="{909E8E84-426E-40DD-AFC4-6F175D3DCCD1}">
+              <a14:hiddenFill xmlns:a14="http://schemas.microsoft.com/office/drawing/2010/main">
+                <a:solidFill>
+                  <a:srgbClr val="FFFFFF"/>
+                </a:solidFill>
+              </a14:hiddenFill>
+            </a:ext>
+            <a:ext uri="{91240B29-F687-4F45-9708-019B960494DF}">
+              <a14:hiddenLine xmlns:a14="http://schemas.microsoft.com/office/drawing/2010/main" w="9525">
+                <a:solidFill>
+                  <a:srgbClr val="000000"/>
+                </a:solidFill>
+                <a:miter lim="800000"/>
+                <a:headEnd/>
+                <a:tailEnd/>
+              </a14:hiddenLine>
+            </a:ext>
+          </a:extLst>
+        </p:spPr>
+        <p:txBody>
+          <a:bodyPr vert="horz" wrap="square" lIns="0" tIns="0" rIns="0" bIns="0" numCol="1" anchor="t" anchorCtr="0" compatLnSpc="1">
+            <a:prstTxWarp prst="textNoShape">
+              <a:avLst/>
+            </a:prstTxWarp>
+            <a:spAutoFit/>
+          </a:bodyPr>
+          <a:lstStyle/>
+          <a:p>
+            <a:r>
+              <a:rPr lang="ko-KR" altLang="en-US" dirty="0"/>
+              <a:t>상자그림</a:t>
+            </a:r>
+            <a:endParaRPr lang="en-US" altLang="ko-KR" dirty="0"/>
+          </a:p>
+          <a:p>
+            <a:pPr lvl="1">
+              <a:lnSpc>
+                <a:spcPct val="150000"/>
+              </a:lnSpc>
+            </a:pPr>
+            <a:endParaRPr lang="en-US" altLang="ko-KR" dirty="0"/>
+          </a:p>
+        </p:txBody>
+      </p:sp>
+      <p:sp>
+        <p:nvSpPr>
+          <p:cNvPr id="3" name="제목 2"/>
+          <p:cNvSpPr>
+            <a:spLocks noGrp="1"/>
+          </p:cNvSpPr>
+          <p:nvPr>
+            <p:ph type="title"/>
+          </p:nvPr>
+        </p:nvSpPr>
+        <p:spPr/>
+        <p:txBody>
+          <a:bodyPr/>
+          <a:lstStyle/>
+          <a:p>
+            <a:r>
+              <a:rPr lang="ko-KR" altLang="en-US" dirty="0"/>
+              <a:t>데이터 시각화</a:t>
+            </a:r>
+          </a:p>
+        </p:txBody>
+      </p:sp>
+      <p:pic>
+        <p:nvPicPr>
+          <p:cNvPr id="4" name="그림 3">
+            <a:extLst>
+              <a:ext uri="{FF2B5EF4-FFF2-40B4-BE49-F238E27FC236}">
+                <a16:creationId xmlns:a16="http://schemas.microsoft.com/office/drawing/2014/main" id="{2667E500-4D37-47C4-98B9-6ADC23ED9A8D}"/>
+              </a:ext>
+            </a:extLst>
+          </p:cNvPr>
+          <p:cNvPicPr>
+            <a:picLocks noChangeAspect="1"/>
+          </p:cNvPicPr>
+          <p:nvPr/>
+        </p:nvPicPr>
+        <p:blipFill>
+          <a:blip r:embed="rId3"/>
+          <a:stretch>
+            <a:fillRect/>
+          </a:stretch>
+        </p:blipFill>
+        <p:spPr>
+          <a:xfrm>
+            <a:off x="1331639" y="1772816"/>
+            <a:ext cx="5817915" cy="4392488"/>
+          </a:xfrm>
+          <a:prstGeom prst="rect">
+            <a:avLst/>
+          </a:prstGeom>
+        </p:spPr>
+      </p:pic>
+      <p:sp>
+        <p:nvSpPr>
+          <p:cNvPr id="5" name="TextBox 4">
+            <a:extLst>
+              <a:ext uri="{FF2B5EF4-FFF2-40B4-BE49-F238E27FC236}">
+                <a16:creationId xmlns:a16="http://schemas.microsoft.com/office/drawing/2014/main" id="{96092516-EAD8-48ED-B343-4F5CD2664822}"/>
+              </a:ext>
+            </a:extLst>
+          </p:cNvPr>
+          <p:cNvSpPr txBox="1"/>
+          <p:nvPr/>
+        </p:nvSpPr>
+        <p:spPr>
+          <a:xfrm>
+            <a:off x="4932040" y="3789040"/>
+            <a:ext cx="713657" cy="307777"/>
+          </a:xfrm>
+          <a:prstGeom prst="rect">
+            <a:avLst/>
+          </a:prstGeom>
+          <a:noFill/>
+        </p:spPr>
+        <p:txBody>
+          <a:bodyPr wrap="none" rtlCol="0">
+            <a:spAutoFit/>
+          </a:bodyPr>
+          <a:lstStyle/>
+          <a:p>
+            <a:r>
+              <a:rPr lang="ko-KR" altLang="en-US" sz="1400" dirty="0" err="1">
+                <a:solidFill>
+                  <a:schemeClr val="accent6"/>
+                </a:solidFill>
+              </a:rPr>
+              <a:t>중위수</a:t>
+            </a:r>
+            <a:endParaRPr lang="ko-KR" altLang="en-US" sz="4400" dirty="0">
+              <a:solidFill>
+                <a:schemeClr val="accent6"/>
+              </a:solidFill>
+            </a:endParaRPr>
+          </a:p>
+        </p:txBody>
+      </p:sp>
+      <p:sp>
+        <p:nvSpPr>
+          <p:cNvPr id="7" name="TextBox 6">
+            <a:extLst>
+              <a:ext uri="{FF2B5EF4-FFF2-40B4-BE49-F238E27FC236}">
+                <a16:creationId xmlns:a16="http://schemas.microsoft.com/office/drawing/2014/main" id="{B9C64C77-FFD5-41DC-A7F9-2B9B70C87B23}"/>
+              </a:ext>
+            </a:extLst>
+          </p:cNvPr>
+          <p:cNvSpPr txBox="1"/>
+          <p:nvPr/>
+        </p:nvSpPr>
+        <p:spPr>
+          <a:xfrm>
+            <a:off x="4930860" y="4614808"/>
+            <a:ext cx="979755" cy="307777"/>
+          </a:xfrm>
+          <a:prstGeom prst="rect">
+            <a:avLst/>
+          </a:prstGeom>
+          <a:noFill/>
+        </p:spPr>
+        <p:txBody>
+          <a:bodyPr wrap="none" rtlCol="0">
+            <a:spAutoFit/>
+          </a:bodyPr>
+          <a:lstStyle/>
+          <a:p>
+            <a:r>
+              <a:rPr lang="en-US" altLang="ko-KR" sz="1400" dirty="0">
+                <a:solidFill>
+                  <a:schemeClr val="accent1"/>
+                </a:solidFill>
+              </a:rPr>
+              <a:t>1</a:t>
+            </a:r>
+            <a:r>
+              <a:rPr lang="ko-KR" altLang="en-US" sz="1400" dirty="0">
+                <a:solidFill>
+                  <a:schemeClr val="accent1"/>
+                </a:solidFill>
+              </a:rPr>
+              <a:t>사분위수</a:t>
+            </a:r>
+            <a:endParaRPr lang="ko-KR" altLang="en-US" sz="4400" dirty="0">
+              <a:solidFill>
+                <a:schemeClr val="accent1"/>
+              </a:solidFill>
+            </a:endParaRPr>
+          </a:p>
+        </p:txBody>
+      </p:sp>
+      <p:sp>
+        <p:nvSpPr>
+          <p:cNvPr id="8" name="TextBox 7">
+            <a:extLst>
+              <a:ext uri="{FF2B5EF4-FFF2-40B4-BE49-F238E27FC236}">
+                <a16:creationId xmlns:a16="http://schemas.microsoft.com/office/drawing/2014/main" id="{8B72595B-416C-44B8-8141-A43139257093}"/>
+              </a:ext>
+            </a:extLst>
+          </p:cNvPr>
+          <p:cNvSpPr txBox="1"/>
+          <p:nvPr/>
+        </p:nvSpPr>
+        <p:spPr>
+          <a:xfrm>
+            <a:off x="4928676" y="3481263"/>
+            <a:ext cx="979755" cy="307777"/>
+          </a:xfrm>
+          <a:prstGeom prst="rect">
+            <a:avLst/>
+          </a:prstGeom>
+          <a:noFill/>
+        </p:spPr>
+        <p:txBody>
+          <a:bodyPr wrap="none" rtlCol="0">
+            <a:spAutoFit/>
+          </a:bodyPr>
+          <a:lstStyle/>
+          <a:p>
+            <a:r>
+              <a:rPr lang="en-US" altLang="ko-KR" sz="1400" dirty="0">
+                <a:solidFill>
+                  <a:schemeClr val="accent1"/>
+                </a:solidFill>
+              </a:rPr>
+              <a:t>3</a:t>
+            </a:r>
+            <a:r>
+              <a:rPr lang="ko-KR" altLang="en-US" sz="1400" dirty="0">
+                <a:solidFill>
+                  <a:schemeClr val="accent1"/>
+                </a:solidFill>
+              </a:rPr>
+              <a:t>사분위수</a:t>
+            </a:r>
+            <a:endParaRPr lang="ko-KR" altLang="en-US" sz="4400" dirty="0">
+              <a:solidFill>
+                <a:schemeClr val="accent1"/>
+              </a:solidFill>
+            </a:endParaRPr>
+          </a:p>
+        </p:txBody>
+      </p:sp>
+      <p:sp>
+        <p:nvSpPr>
+          <p:cNvPr id="9" name="TextBox 8">
+            <a:extLst>
+              <a:ext uri="{FF2B5EF4-FFF2-40B4-BE49-F238E27FC236}">
+                <a16:creationId xmlns:a16="http://schemas.microsoft.com/office/drawing/2014/main" id="{98CD8C29-AF80-49CC-9566-73175259AB0D}"/>
+              </a:ext>
+            </a:extLst>
+          </p:cNvPr>
+          <p:cNvSpPr txBox="1"/>
+          <p:nvPr/>
+        </p:nvSpPr>
+        <p:spPr>
+          <a:xfrm>
+            <a:off x="4928676" y="5594464"/>
+            <a:ext cx="713657" cy="307777"/>
+          </a:xfrm>
+          <a:prstGeom prst="rect">
+            <a:avLst/>
+          </a:prstGeom>
+          <a:noFill/>
+        </p:spPr>
+        <p:txBody>
+          <a:bodyPr wrap="none" rtlCol="0">
+            <a:spAutoFit/>
+          </a:bodyPr>
+          <a:lstStyle/>
+          <a:p>
+            <a:r>
+              <a:rPr lang="ko-KR" altLang="en-US" sz="1400" dirty="0">
+                <a:solidFill>
+                  <a:srgbClr val="00B050"/>
+                </a:solidFill>
+              </a:rPr>
+              <a:t>최솟값</a:t>
+            </a:r>
+            <a:endParaRPr lang="ko-KR" altLang="en-US" sz="4400" dirty="0">
+              <a:solidFill>
+                <a:srgbClr val="00B050"/>
+              </a:solidFill>
+            </a:endParaRPr>
+          </a:p>
+        </p:txBody>
+      </p:sp>
+      <p:sp>
+        <p:nvSpPr>
+          <p:cNvPr id="10" name="TextBox 9">
+            <a:extLst>
+              <a:ext uri="{FF2B5EF4-FFF2-40B4-BE49-F238E27FC236}">
+                <a16:creationId xmlns:a16="http://schemas.microsoft.com/office/drawing/2014/main" id="{102402B4-B444-4568-B55C-0971A20EDAFC}"/>
+              </a:ext>
+            </a:extLst>
+          </p:cNvPr>
+          <p:cNvSpPr txBox="1"/>
+          <p:nvPr/>
+        </p:nvSpPr>
+        <p:spPr>
+          <a:xfrm>
+            <a:off x="4928676" y="2761183"/>
+            <a:ext cx="713657" cy="307777"/>
+          </a:xfrm>
+          <a:prstGeom prst="rect">
+            <a:avLst/>
+          </a:prstGeom>
+          <a:noFill/>
+        </p:spPr>
+        <p:txBody>
+          <a:bodyPr wrap="none" rtlCol="0">
+            <a:spAutoFit/>
+          </a:bodyPr>
+          <a:lstStyle/>
+          <a:p>
+            <a:r>
+              <a:rPr lang="ko-KR" altLang="en-US" sz="1400" dirty="0">
+                <a:solidFill>
+                  <a:srgbClr val="00B050"/>
+                </a:solidFill>
+              </a:rPr>
+              <a:t>최댓값</a:t>
+            </a:r>
+            <a:endParaRPr lang="ko-KR" altLang="en-US" sz="4400" dirty="0">
+              <a:solidFill>
+                <a:srgbClr val="00B050"/>
+              </a:solidFill>
+            </a:endParaRPr>
+          </a:p>
+        </p:txBody>
+      </p:sp>
+    </p:spTree>
+    <p:extLst>
+      <p:ext uri="{BB962C8B-B14F-4D97-AF65-F5344CB8AC3E}">
+        <p14:creationId xmlns:p14="http://schemas.microsoft.com/office/powerpoint/2010/main" val="2108383867"/>
+      </p:ext>
+    </p:extLst>
+  </p:cSld>
+  <p:clrMapOvr>
+    <a:masterClrMapping/>
+  </p:clrMapOvr>
+</p:sld>
+</file>
+
+<file path=ppt/slides/slide44.xml><?xml version="1.0" encoding="utf-8"?>
+<p:sld xmlns:a="http://schemas.openxmlformats.org/drawingml/2006/main" xmlns:r="http://schemas.openxmlformats.org/officeDocument/2006/relationships" xmlns:p="http://schemas.openxmlformats.org/presentationml/2006/main">
+  <p:cSld>
+    <p:spTree>
+      <p:nvGrpSpPr>
+        <p:cNvPr id="1" name=""/>
+        <p:cNvGrpSpPr/>
+        <p:nvPr/>
+      </p:nvGrpSpPr>
+      <p:grpSpPr>
+        <a:xfrm>
+          <a:off x="0" y="0"/>
+          <a:ext cx="0" cy="0"/>
+          <a:chOff x="0" y="0"/>
+          <a:chExt cx="0" cy="0"/>
+        </a:xfrm>
+      </p:grpSpPr>
+      <p:sp>
+        <p:nvSpPr>
+          <p:cNvPr id="13" name="텍스트 개체 틀 3"/>
+          <p:cNvSpPr>
+            <a:spLocks noGrp="1"/>
+          </p:cNvSpPr>
+          <p:nvPr>
+            <p:ph idx="1"/>
+          </p:nvPr>
+        </p:nvSpPr>
+        <p:spPr>
+          <a:xfrm>
+            <a:off x="231775" y="1052671"/>
+            <a:ext cx="8156755" cy="1368131"/>
+          </a:xfrm>
+          <a:noFill/>
+          <a:ln>
+            <a:noFill/>
+          </a:ln>
+          <a:extLst>
+            <a:ext uri="{909E8E84-426E-40DD-AFC4-6F175D3DCCD1}">
+              <a14:hiddenFill xmlns:a14="http://schemas.microsoft.com/office/drawing/2010/main">
+                <a:solidFill>
+                  <a:srgbClr val="FFFFFF"/>
+                </a:solidFill>
+              </a14:hiddenFill>
+            </a:ext>
+            <a:ext uri="{91240B29-F687-4F45-9708-019B960494DF}">
+              <a14:hiddenLine xmlns:a14="http://schemas.microsoft.com/office/drawing/2010/main" w="9525">
+                <a:solidFill>
+                  <a:srgbClr val="000000"/>
+                </a:solidFill>
+                <a:miter lim="800000"/>
+                <a:headEnd/>
+                <a:tailEnd/>
+              </a14:hiddenLine>
+            </a:ext>
+          </a:extLst>
+        </p:spPr>
+        <p:txBody>
+          <a:bodyPr vert="horz" wrap="square" lIns="0" tIns="0" rIns="0" bIns="0" numCol="1" anchor="t" anchorCtr="0" compatLnSpc="1">
+            <a:prstTxWarp prst="textNoShape">
+              <a:avLst/>
+            </a:prstTxWarp>
+            <a:spAutoFit/>
+          </a:bodyPr>
+          <a:lstStyle/>
+          <a:p>
+            <a:r>
+              <a:rPr lang="ko-KR" altLang="en-US" dirty="0"/>
+              <a:t>상자그림</a:t>
+            </a:r>
+            <a:endParaRPr lang="en-US" altLang="ko-KR" dirty="0"/>
+          </a:p>
+          <a:p>
+            <a:pPr lvl="1">
+              <a:lnSpc>
+                <a:spcPct val="150000"/>
+              </a:lnSpc>
+            </a:pPr>
+            <a:r>
+              <a:rPr lang="ko-KR" altLang="en-US" dirty="0"/>
+              <a:t>정규분포를 따르는 자료에 대한 상자그림</a:t>
+            </a:r>
+            <a:endParaRPr lang="en-US" altLang="ko-KR" dirty="0"/>
+          </a:p>
+          <a:p>
+            <a:pPr lvl="1">
+              <a:lnSpc>
+                <a:spcPct val="150000"/>
+              </a:lnSpc>
+            </a:pPr>
+            <a:endParaRPr lang="en-US" altLang="ko-KR" dirty="0"/>
+          </a:p>
+        </p:txBody>
+      </p:sp>
+      <p:sp>
+        <p:nvSpPr>
+          <p:cNvPr id="3" name="제목 2"/>
+          <p:cNvSpPr>
+            <a:spLocks noGrp="1"/>
+          </p:cNvSpPr>
+          <p:nvPr>
+            <p:ph type="title"/>
+          </p:nvPr>
+        </p:nvSpPr>
+        <p:spPr/>
+        <p:txBody>
+          <a:bodyPr/>
+          <a:lstStyle/>
+          <a:p>
+            <a:r>
+              <a:rPr lang="ko-KR" altLang="en-US" dirty="0"/>
+              <a:t>데이터 시각화</a:t>
+            </a:r>
+          </a:p>
+        </p:txBody>
+      </p:sp>
+      <p:pic>
+        <p:nvPicPr>
+          <p:cNvPr id="4" name="그림 3">
+            <a:extLst>
+              <a:ext uri="{FF2B5EF4-FFF2-40B4-BE49-F238E27FC236}">
+                <a16:creationId xmlns:a16="http://schemas.microsoft.com/office/drawing/2014/main" id="{66B555AF-D66F-4E13-B6A7-78C160D605FA}"/>
+              </a:ext>
+            </a:extLst>
+          </p:cNvPr>
+          <p:cNvPicPr>
+            <a:picLocks noChangeAspect="1"/>
+          </p:cNvPicPr>
+          <p:nvPr/>
+        </p:nvPicPr>
+        <p:blipFill>
+          <a:blip r:embed="rId3"/>
+          <a:stretch>
+            <a:fillRect/>
+          </a:stretch>
+        </p:blipFill>
+        <p:spPr>
+          <a:xfrm>
+            <a:off x="2114545" y="2006943"/>
+            <a:ext cx="4968552" cy="1170933"/>
+          </a:xfrm>
+          <a:prstGeom prst="rect">
+            <a:avLst/>
+          </a:prstGeom>
+        </p:spPr>
+      </p:pic>
+      <p:pic>
+        <p:nvPicPr>
+          <p:cNvPr id="6" name="그림 5">
+            <a:extLst>
+              <a:ext uri="{FF2B5EF4-FFF2-40B4-BE49-F238E27FC236}">
+                <a16:creationId xmlns:a16="http://schemas.microsoft.com/office/drawing/2014/main" id="{A8DD5CB8-4089-46AD-8F31-739D18C17836}"/>
+              </a:ext>
+            </a:extLst>
+          </p:cNvPr>
+          <p:cNvPicPr>
+            <a:picLocks noChangeAspect="1"/>
+          </p:cNvPicPr>
+          <p:nvPr/>
+        </p:nvPicPr>
+        <p:blipFill>
+          <a:blip r:embed="rId4"/>
+          <a:stretch>
+            <a:fillRect/>
+          </a:stretch>
+        </p:blipFill>
+        <p:spPr>
+          <a:xfrm>
+            <a:off x="1807248" y="3233296"/>
+            <a:ext cx="5275849" cy="3504562"/>
+          </a:xfrm>
+          <a:prstGeom prst="rect">
+            <a:avLst/>
+          </a:prstGeom>
+        </p:spPr>
+      </p:pic>
+    </p:spTree>
+    <p:extLst>
+      <p:ext uri="{BB962C8B-B14F-4D97-AF65-F5344CB8AC3E}">
+        <p14:creationId xmlns:p14="http://schemas.microsoft.com/office/powerpoint/2010/main" val="3223313728"/>
+      </p:ext>
+    </p:extLst>
+  </p:cSld>
+  <p:clrMapOvr>
+    <a:masterClrMapping/>
+  </p:clrMapOvr>
+</p:sld>
+</file>
+
+<file path=ppt/slides/slide45.xml><?xml version="1.0" encoding="utf-8"?>
+<p:sld xmlns:a="http://schemas.openxmlformats.org/drawingml/2006/main" xmlns:r="http://schemas.openxmlformats.org/officeDocument/2006/relationships" xmlns:p="http://schemas.openxmlformats.org/presentationml/2006/main">
+  <p:cSld>
+    <p:spTree>
+      <p:nvGrpSpPr>
+        <p:cNvPr id="1" name=""/>
+        <p:cNvGrpSpPr/>
+        <p:nvPr/>
+      </p:nvGrpSpPr>
+      <p:grpSpPr>
+        <a:xfrm>
+          <a:off x="0" y="0"/>
+          <a:ext cx="0" cy="0"/>
+          <a:chOff x="0" y="0"/>
+          <a:chExt cx="0" cy="0"/>
+        </a:xfrm>
+      </p:grpSpPr>
+      <p:sp>
+        <p:nvSpPr>
+          <p:cNvPr id="13" name="텍스트 개체 틀 3"/>
+          <p:cNvSpPr>
+            <a:spLocks noGrp="1"/>
+          </p:cNvSpPr>
+          <p:nvPr>
+            <p:ph idx="1"/>
+          </p:nvPr>
+        </p:nvSpPr>
+        <p:spPr>
+          <a:xfrm>
+            <a:off x="231775" y="1052671"/>
+            <a:ext cx="8156755" cy="875689"/>
+          </a:xfrm>
+          <a:noFill/>
+          <a:ln>
+            <a:noFill/>
+          </a:ln>
+          <a:extLst>
+            <a:ext uri="{909E8E84-426E-40DD-AFC4-6F175D3DCCD1}">
+              <a14:hiddenFill xmlns:a14="http://schemas.microsoft.com/office/drawing/2010/main">
+                <a:solidFill>
+                  <a:srgbClr val="FFFFFF"/>
+                </a:solidFill>
+              </a14:hiddenFill>
+            </a:ext>
+            <a:ext uri="{91240B29-F687-4F45-9708-019B960494DF}">
+              <a14:hiddenLine xmlns:a14="http://schemas.microsoft.com/office/drawing/2010/main" w="9525">
+                <a:solidFill>
+                  <a:srgbClr val="000000"/>
+                </a:solidFill>
+                <a:miter lim="800000"/>
+                <a:headEnd/>
+                <a:tailEnd/>
+              </a14:hiddenLine>
+            </a:ext>
+          </a:extLst>
+        </p:spPr>
+        <p:txBody>
+          <a:bodyPr vert="horz" wrap="square" lIns="0" tIns="0" rIns="0" bIns="0" numCol="1" anchor="t" anchorCtr="0" compatLnSpc="1">
+            <a:prstTxWarp prst="textNoShape">
+              <a:avLst/>
+            </a:prstTxWarp>
+            <a:spAutoFit/>
+          </a:bodyPr>
+          <a:lstStyle/>
+          <a:p>
+            <a:r>
+              <a:rPr lang="ko-KR" altLang="en-US" dirty="0"/>
+              <a:t>파이차트</a:t>
+            </a:r>
+            <a:endParaRPr lang="en-US" altLang="ko-KR" dirty="0"/>
+          </a:p>
+          <a:p>
+            <a:pPr lvl="1">
+              <a:lnSpc>
+                <a:spcPct val="150000"/>
+              </a:lnSpc>
+            </a:pPr>
+            <a:r>
+              <a:rPr lang="ko-KR" altLang="en-US" dirty="0" err="1"/>
+              <a:t>범주별</a:t>
+            </a:r>
+            <a:r>
+              <a:rPr lang="ko-KR" altLang="en-US" dirty="0"/>
+              <a:t> 구성 비율을 원형으로 표현한 그래프</a:t>
+            </a:r>
+            <a:endParaRPr lang="en-US" altLang="ko-KR" dirty="0"/>
+          </a:p>
+        </p:txBody>
+      </p:sp>
+      <p:sp>
+        <p:nvSpPr>
+          <p:cNvPr id="3" name="제목 2"/>
+          <p:cNvSpPr>
+            <a:spLocks noGrp="1"/>
+          </p:cNvSpPr>
+          <p:nvPr>
+            <p:ph type="title"/>
+          </p:nvPr>
+        </p:nvSpPr>
+        <p:spPr/>
+        <p:txBody>
+          <a:bodyPr/>
+          <a:lstStyle/>
+          <a:p>
+            <a:r>
+              <a:rPr lang="ko-KR" altLang="en-US" dirty="0"/>
+              <a:t>데이터 시각화</a:t>
+            </a:r>
+          </a:p>
+        </p:txBody>
+      </p:sp>
+      <p:pic>
+        <p:nvPicPr>
+          <p:cNvPr id="4" name="그림 3">
+            <a:extLst>
+              <a:ext uri="{FF2B5EF4-FFF2-40B4-BE49-F238E27FC236}">
+                <a16:creationId xmlns:a16="http://schemas.microsoft.com/office/drawing/2014/main" id="{43230E8B-3805-4948-88EC-69E4BC69F2CC}"/>
+              </a:ext>
+            </a:extLst>
+          </p:cNvPr>
+          <p:cNvPicPr>
+            <a:picLocks noChangeAspect="1"/>
+          </p:cNvPicPr>
+          <p:nvPr/>
+        </p:nvPicPr>
+        <p:blipFill>
+          <a:blip r:embed="rId3"/>
+          <a:stretch>
+            <a:fillRect/>
+          </a:stretch>
+        </p:blipFill>
+        <p:spPr>
+          <a:xfrm>
+            <a:off x="2195736" y="2000367"/>
+            <a:ext cx="4468382" cy="1788673"/>
+          </a:xfrm>
+          <a:prstGeom prst="rect">
+            <a:avLst/>
+          </a:prstGeom>
+        </p:spPr>
+      </p:pic>
+      <p:pic>
+        <p:nvPicPr>
+          <p:cNvPr id="6" name="그림 5">
+            <a:extLst>
+              <a:ext uri="{FF2B5EF4-FFF2-40B4-BE49-F238E27FC236}">
+                <a16:creationId xmlns:a16="http://schemas.microsoft.com/office/drawing/2014/main" id="{CAD69C95-7BA7-4A19-A15A-2C2C569C6452}"/>
+              </a:ext>
+            </a:extLst>
+          </p:cNvPr>
+          <p:cNvPicPr>
+            <a:picLocks noChangeAspect="1"/>
+          </p:cNvPicPr>
+          <p:nvPr/>
+        </p:nvPicPr>
+        <p:blipFill rotWithShape="1">
+          <a:blip r:embed="rId4"/>
+          <a:srcRect l="10498" b="5478"/>
+          <a:stretch/>
+        </p:blipFill>
+        <p:spPr>
+          <a:xfrm>
+            <a:off x="2372304" y="3861048"/>
+            <a:ext cx="3965273" cy="2912498"/>
+          </a:xfrm>
+          <a:prstGeom prst="rect">
+            <a:avLst/>
+          </a:prstGeom>
+        </p:spPr>
+      </p:pic>
+    </p:spTree>
+    <p:extLst>
+      <p:ext uri="{BB962C8B-B14F-4D97-AF65-F5344CB8AC3E}">
+        <p14:creationId xmlns:p14="http://schemas.microsoft.com/office/powerpoint/2010/main" val="3782876394"/>
+      </p:ext>
+    </p:extLst>
+  </p:cSld>
+  <p:clrMapOvr>
+    <a:masterClrMapping/>
+  </p:clrMapOvr>
+</p:sld>
+</file>
+
+<file path=ppt/slides/slide46.xml><?xml version="1.0" encoding="utf-8"?>
+<p:sld xmlns:a="http://schemas.openxmlformats.org/drawingml/2006/main" xmlns:r="http://schemas.openxmlformats.org/officeDocument/2006/relationships" xmlns:p="http://schemas.openxmlformats.org/presentationml/2006/main">
+  <p:cSld>
+    <p:spTree>
+      <p:nvGrpSpPr>
+        <p:cNvPr id="1" name=""/>
+        <p:cNvGrpSpPr/>
+        <p:nvPr/>
+      </p:nvGrpSpPr>
+      <p:grpSpPr>
+        <a:xfrm>
+          <a:off x="0" y="0"/>
+          <a:ext cx="0" cy="0"/>
+          <a:chOff x="0" y="0"/>
+          <a:chExt cx="0" cy="0"/>
+        </a:xfrm>
+      </p:grpSpPr>
+      <p:sp>
+        <p:nvSpPr>
+          <p:cNvPr id="13" name="텍스트 개체 틀 3"/>
+          <p:cNvSpPr>
+            <a:spLocks noGrp="1"/>
+          </p:cNvSpPr>
+          <p:nvPr>
+            <p:ph idx="1"/>
+          </p:nvPr>
+        </p:nvSpPr>
+        <p:spPr>
+          <a:xfrm>
+            <a:off x="231775" y="1052671"/>
+            <a:ext cx="8156755" cy="361959"/>
+          </a:xfrm>
+          <a:noFill/>
+          <a:ln>
+            <a:noFill/>
+          </a:ln>
+          <a:extLst>
+            <a:ext uri="{909E8E84-426E-40DD-AFC4-6F175D3DCCD1}">
+              <a14:hiddenFill xmlns:a14="http://schemas.microsoft.com/office/drawing/2010/main">
+                <a:solidFill>
+                  <a:srgbClr val="FFFFFF"/>
+                </a:solidFill>
+              </a14:hiddenFill>
+            </a:ext>
+            <a:ext uri="{91240B29-F687-4F45-9708-019B960494DF}">
+              <a14:hiddenLine xmlns:a14="http://schemas.microsoft.com/office/drawing/2010/main" w="9525">
+                <a:solidFill>
+                  <a:srgbClr val="000000"/>
+                </a:solidFill>
+                <a:miter lim="800000"/>
+                <a:headEnd/>
+                <a:tailEnd/>
+              </a14:hiddenLine>
+            </a:ext>
+          </a:extLst>
+        </p:spPr>
+        <p:txBody>
+          <a:bodyPr vert="horz" wrap="square" lIns="0" tIns="0" rIns="0" bIns="0" numCol="1" anchor="t" anchorCtr="0" compatLnSpc="1">
+            <a:prstTxWarp prst="textNoShape">
+              <a:avLst/>
+            </a:prstTxWarp>
+            <a:spAutoFit/>
+          </a:bodyPr>
+          <a:lstStyle/>
+          <a:p>
+            <a:r>
+              <a:rPr lang="ko-KR" altLang="en-US" dirty="0"/>
+              <a:t>파이차트</a:t>
+            </a:r>
+            <a:endParaRPr lang="en-US" altLang="ko-KR" dirty="0"/>
+          </a:p>
+        </p:txBody>
+      </p:sp>
+      <p:sp>
+        <p:nvSpPr>
+          <p:cNvPr id="3" name="제목 2"/>
+          <p:cNvSpPr>
+            <a:spLocks noGrp="1"/>
+          </p:cNvSpPr>
+          <p:nvPr>
+            <p:ph type="title"/>
+          </p:nvPr>
+        </p:nvSpPr>
+        <p:spPr/>
+        <p:txBody>
+          <a:bodyPr/>
+          <a:lstStyle/>
+          <a:p>
+            <a:r>
+              <a:rPr lang="ko-KR" altLang="en-US" dirty="0"/>
+              <a:t>데이터 시각화</a:t>
+            </a:r>
+          </a:p>
+        </p:txBody>
+      </p:sp>
+      <p:pic>
+        <p:nvPicPr>
+          <p:cNvPr id="5" name="그림 4">
+            <a:extLst>
+              <a:ext uri="{FF2B5EF4-FFF2-40B4-BE49-F238E27FC236}">
+                <a16:creationId xmlns:a16="http://schemas.microsoft.com/office/drawing/2014/main" id="{C45981B0-10E2-4529-B458-57604031126E}"/>
+              </a:ext>
+            </a:extLst>
+          </p:cNvPr>
+          <p:cNvPicPr>
+            <a:picLocks noChangeAspect="1"/>
+          </p:cNvPicPr>
+          <p:nvPr/>
+        </p:nvPicPr>
+        <p:blipFill>
+          <a:blip r:embed="rId3"/>
+          <a:stretch>
+            <a:fillRect/>
+          </a:stretch>
+        </p:blipFill>
+        <p:spPr>
+          <a:xfrm>
+            <a:off x="2051720" y="1101954"/>
+            <a:ext cx="4968552" cy="5635422"/>
+          </a:xfrm>
+          <a:prstGeom prst="rect">
+            <a:avLst/>
+          </a:prstGeom>
+        </p:spPr>
+      </p:pic>
+    </p:spTree>
+    <p:extLst>
+      <p:ext uri="{BB962C8B-B14F-4D97-AF65-F5344CB8AC3E}">
+        <p14:creationId xmlns:p14="http://schemas.microsoft.com/office/powerpoint/2010/main" val="1271649080"/>
+      </p:ext>
+    </p:extLst>
+  </p:cSld>
+  <p:clrMapOvr>
+    <a:masterClrMapping/>
+  </p:clrMapOvr>
+</p:sld>
+</file>
+
+<file path=ppt/slides/slide47.xml><?xml version="1.0" encoding="utf-8"?>
+<p:sld xmlns:a="http://schemas.openxmlformats.org/drawingml/2006/main" xmlns:r="http://schemas.openxmlformats.org/officeDocument/2006/relationships" xmlns:p="http://schemas.openxmlformats.org/presentationml/2006/main">
+  <p:cSld>
+    <p:spTree>
+      <p:nvGrpSpPr>
+        <p:cNvPr id="1" name=""/>
+        <p:cNvGrpSpPr/>
+        <p:nvPr/>
+      </p:nvGrpSpPr>
+      <p:grpSpPr>
+        <a:xfrm>
+          <a:off x="0" y="0"/>
+          <a:ext cx="0" cy="0"/>
+          <a:chOff x="0" y="0"/>
+          <a:chExt cx="0" cy="0"/>
+        </a:xfrm>
+      </p:grpSpPr>
+      <p:sp>
+        <p:nvSpPr>
+          <p:cNvPr id="13" name="텍스트 개체 틀 3"/>
+          <p:cNvSpPr>
+            <a:spLocks noGrp="1"/>
+          </p:cNvSpPr>
+          <p:nvPr>
+            <p:ph idx="1"/>
+          </p:nvPr>
+        </p:nvSpPr>
+        <p:spPr>
+          <a:xfrm>
+            <a:off x="231775" y="1052671"/>
+            <a:ext cx="8156755" cy="361959"/>
+          </a:xfrm>
+          <a:noFill/>
+          <a:ln>
+            <a:noFill/>
+          </a:ln>
+          <a:extLst>
+            <a:ext uri="{909E8E84-426E-40DD-AFC4-6F175D3DCCD1}">
+              <a14:hiddenFill xmlns:a14="http://schemas.microsoft.com/office/drawing/2010/main">
+                <a:solidFill>
+                  <a:srgbClr val="FFFFFF"/>
+                </a:solidFill>
+              </a14:hiddenFill>
+            </a:ext>
+            <a:ext uri="{91240B29-F687-4F45-9708-019B960494DF}">
+              <a14:hiddenLine xmlns:a14="http://schemas.microsoft.com/office/drawing/2010/main" w="9525">
+                <a:solidFill>
+                  <a:srgbClr val="000000"/>
+                </a:solidFill>
+                <a:miter lim="800000"/>
+                <a:headEnd/>
+                <a:tailEnd/>
+              </a14:hiddenLine>
+            </a:ext>
+          </a:extLst>
+        </p:spPr>
+        <p:txBody>
+          <a:bodyPr vert="horz" wrap="square" lIns="0" tIns="0" rIns="0" bIns="0" numCol="1" anchor="t" anchorCtr="0" compatLnSpc="1">
+            <a:prstTxWarp prst="textNoShape">
+              <a:avLst/>
+            </a:prstTxWarp>
+            <a:spAutoFit/>
+          </a:bodyPr>
+          <a:lstStyle/>
+          <a:p>
+            <a:r>
+              <a:rPr lang="ko-KR" altLang="en-US" dirty="0"/>
+              <a:t>파이차트</a:t>
+            </a:r>
+            <a:endParaRPr lang="en-US" altLang="ko-KR" dirty="0"/>
+          </a:p>
+        </p:txBody>
+      </p:sp>
+      <p:sp>
+        <p:nvSpPr>
+          <p:cNvPr id="3" name="제목 2"/>
+          <p:cNvSpPr>
+            <a:spLocks noGrp="1"/>
+          </p:cNvSpPr>
+          <p:nvPr>
+            <p:ph type="title"/>
+          </p:nvPr>
+        </p:nvSpPr>
+        <p:spPr/>
+        <p:txBody>
+          <a:bodyPr/>
+          <a:lstStyle/>
+          <a:p>
+            <a:r>
+              <a:rPr lang="ko-KR" altLang="en-US" dirty="0"/>
+              <a:t>데이터 시각화</a:t>
+            </a:r>
+          </a:p>
+        </p:txBody>
+      </p:sp>
+      <p:pic>
+        <p:nvPicPr>
+          <p:cNvPr id="4" name="그림 3">
+            <a:extLst>
+              <a:ext uri="{FF2B5EF4-FFF2-40B4-BE49-F238E27FC236}">
+                <a16:creationId xmlns:a16="http://schemas.microsoft.com/office/drawing/2014/main" id="{25300609-B047-4B65-ADC5-D10B188025B7}"/>
+              </a:ext>
+            </a:extLst>
+          </p:cNvPr>
+          <p:cNvPicPr>
+            <a:picLocks noChangeAspect="1"/>
+          </p:cNvPicPr>
+          <p:nvPr/>
+        </p:nvPicPr>
+        <p:blipFill>
+          <a:blip r:embed="rId3"/>
+          <a:stretch>
+            <a:fillRect/>
+          </a:stretch>
+        </p:blipFill>
+        <p:spPr>
+          <a:xfrm>
+            <a:off x="1763688" y="1056232"/>
+            <a:ext cx="6226900" cy="5541119"/>
+          </a:xfrm>
+          <a:prstGeom prst="rect">
+            <a:avLst/>
+          </a:prstGeom>
+        </p:spPr>
+      </p:pic>
+    </p:spTree>
+    <p:extLst>
+      <p:ext uri="{BB962C8B-B14F-4D97-AF65-F5344CB8AC3E}">
+        <p14:creationId xmlns:p14="http://schemas.microsoft.com/office/powerpoint/2010/main" val="3443871110"/>
+      </p:ext>
+    </p:extLst>
+  </p:cSld>
+  <p:clrMapOvr>
+    <a:masterClrMapping/>
+  </p:clrMapOvr>
+</p:sld>
+</file>
+
+<file path=ppt/slides/slide48.xml><?xml version="1.0" encoding="utf-8"?>
+<p:sld xmlns:a="http://schemas.openxmlformats.org/drawingml/2006/main" xmlns:r="http://schemas.openxmlformats.org/officeDocument/2006/relationships" xmlns:p="http://schemas.openxmlformats.org/presentationml/2006/main">
+  <p:cSld>
+    <p:spTree>
+      <p:nvGrpSpPr>
+        <p:cNvPr id="1" name=""/>
+        <p:cNvGrpSpPr/>
+        <p:nvPr/>
+      </p:nvGrpSpPr>
+      <p:grpSpPr>
+        <a:xfrm>
+          <a:off x="0" y="0"/>
+          <a:ext cx="0" cy="0"/>
+          <a:chOff x="0" y="0"/>
+          <a:chExt cx="0" cy="0"/>
+        </a:xfrm>
+      </p:grpSpPr>
+      <p:sp>
+        <p:nvSpPr>
+          <p:cNvPr id="13" name="텍스트 개체 틀 3"/>
+          <p:cNvSpPr>
+            <a:spLocks noGrp="1"/>
+          </p:cNvSpPr>
+          <p:nvPr>
+            <p:ph idx="1"/>
+          </p:nvPr>
+        </p:nvSpPr>
+        <p:spPr>
+          <a:xfrm>
+            <a:off x="231775" y="1052671"/>
+            <a:ext cx="8156755" cy="361959"/>
+          </a:xfrm>
+          <a:noFill/>
+          <a:ln>
+            <a:noFill/>
+          </a:ln>
+          <a:extLst>
+            <a:ext uri="{909E8E84-426E-40DD-AFC4-6F175D3DCCD1}">
+              <a14:hiddenFill xmlns:a14="http://schemas.microsoft.com/office/drawing/2010/main">
+                <a:solidFill>
+                  <a:srgbClr val="FFFFFF"/>
+                </a:solidFill>
+              </a14:hiddenFill>
+            </a:ext>
+            <a:ext uri="{91240B29-F687-4F45-9708-019B960494DF}">
+              <a14:hiddenLine xmlns:a14="http://schemas.microsoft.com/office/drawing/2010/main" w="9525">
+                <a:solidFill>
+                  <a:srgbClr val="000000"/>
+                </a:solidFill>
+                <a:miter lim="800000"/>
+                <a:headEnd/>
+                <a:tailEnd/>
+              </a14:hiddenLine>
+            </a:ext>
+          </a:extLst>
+        </p:spPr>
+        <p:txBody>
+          <a:bodyPr vert="horz" wrap="square" lIns="0" tIns="0" rIns="0" bIns="0" numCol="1" anchor="t" anchorCtr="0" compatLnSpc="1">
+            <a:prstTxWarp prst="textNoShape">
+              <a:avLst/>
+            </a:prstTxWarp>
+            <a:spAutoFit/>
+          </a:bodyPr>
+          <a:lstStyle/>
+          <a:p>
+            <a:r>
+              <a:rPr lang="ko-KR" altLang="en-US" dirty="0"/>
+              <a:t>파이차트</a:t>
+            </a:r>
+            <a:endParaRPr lang="en-US" altLang="ko-KR" dirty="0"/>
+          </a:p>
+        </p:txBody>
+      </p:sp>
+      <p:sp>
+        <p:nvSpPr>
+          <p:cNvPr id="3" name="제목 2"/>
+          <p:cNvSpPr>
+            <a:spLocks noGrp="1"/>
+          </p:cNvSpPr>
+          <p:nvPr>
+            <p:ph type="title"/>
+          </p:nvPr>
+        </p:nvSpPr>
+        <p:spPr/>
+        <p:txBody>
+          <a:bodyPr/>
+          <a:lstStyle/>
+          <a:p>
+            <a:r>
+              <a:rPr lang="ko-KR" altLang="en-US" dirty="0"/>
+              <a:t>데이터 시각화</a:t>
+            </a:r>
+          </a:p>
+        </p:txBody>
+      </p:sp>
+      <p:pic>
+        <p:nvPicPr>
+          <p:cNvPr id="4" name="그림 3">
+            <a:extLst>
+              <a:ext uri="{FF2B5EF4-FFF2-40B4-BE49-F238E27FC236}">
+                <a16:creationId xmlns:a16="http://schemas.microsoft.com/office/drawing/2014/main" id="{109ECA52-146B-40BE-8208-FB0518A1391B}"/>
+              </a:ext>
+            </a:extLst>
+          </p:cNvPr>
+          <p:cNvPicPr>
+            <a:picLocks noChangeAspect="1"/>
+          </p:cNvPicPr>
+          <p:nvPr/>
+        </p:nvPicPr>
+        <p:blipFill>
+          <a:blip r:embed="rId3"/>
+          <a:stretch>
+            <a:fillRect/>
+          </a:stretch>
+        </p:blipFill>
+        <p:spPr>
+          <a:xfrm>
+            <a:off x="2987824" y="3933056"/>
+            <a:ext cx="3600400" cy="2776042"/>
+          </a:xfrm>
+          <a:prstGeom prst="rect">
+            <a:avLst/>
+          </a:prstGeom>
+        </p:spPr>
+      </p:pic>
+      <p:pic>
+        <p:nvPicPr>
+          <p:cNvPr id="7" name="그림 6">
+            <a:extLst>
+              <a:ext uri="{FF2B5EF4-FFF2-40B4-BE49-F238E27FC236}">
+                <a16:creationId xmlns:a16="http://schemas.microsoft.com/office/drawing/2014/main" id="{AAD20354-CB50-4447-BC71-C204AF7B7084}"/>
+              </a:ext>
+            </a:extLst>
+          </p:cNvPr>
+          <p:cNvPicPr>
+            <a:picLocks noChangeAspect="1"/>
+          </p:cNvPicPr>
+          <p:nvPr/>
+        </p:nvPicPr>
+        <p:blipFill>
+          <a:blip r:embed="rId4"/>
+          <a:stretch>
+            <a:fillRect/>
+          </a:stretch>
+        </p:blipFill>
+        <p:spPr>
+          <a:xfrm>
+            <a:off x="1950442" y="943956"/>
+            <a:ext cx="7007461" cy="2845084"/>
+          </a:xfrm>
+          <a:prstGeom prst="rect">
+            <a:avLst/>
+          </a:prstGeom>
+        </p:spPr>
+      </p:pic>
+    </p:spTree>
+    <p:extLst>
+      <p:ext uri="{BB962C8B-B14F-4D97-AF65-F5344CB8AC3E}">
+        <p14:creationId xmlns:p14="http://schemas.microsoft.com/office/powerpoint/2010/main" val="1604684069"/>
+      </p:ext>
+    </p:extLst>
+  </p:cSld>
+  <p:clrMapOvr>
+    <a:masterClrMapping/>
+  </p:clrMapOvr>
+</p:sld>
+</file>
+
+<file path=ppt/slides/slide49.xml><?xml version="1.0" encoding="utf-8"?>
 <p:sld xmlns:a="http://schemas.openxmlformats.org/drawingml/2006/main" xmlns:r="http://schemas.openxmlformats.org/officeDocument/2006/relationships" xmlns:p="http://schemas.openxmlformats.org/presentationml/2006/main">
   <p:cSld>
     <p:spTree>
@@ -29951,7 +35915,598 @@
 </p:sld>
 </file>
 
-<file path=ppt/slides/slide35.xml><?xml version="1.0" encoding="utf-8"?>
+<file path=ppt/slides/slide5.xml><?xml version="1.0" encoding="utf-8"?>
+<p:sld xmlns:a="http://schemas.openxmlformats.org/drawingml/2006/main" xmlns:r="http://schemas.openxmlformats.org/officeDocument/2006/relationships" xmlns:p="http://schemas.openxmlformats.org/presentationml/2006/main">
+  <p:cSld>
+    <p:spTree>
+      <p:nvGrpSpPr>
+        <p:cNvPr id="1" name=""/>
+        <p:cNvGrpSpPr/>
+        <p:nvPr/>
+      </p:nvGrpSpPr>
+      <p:grpSpPr>
+        <a:xfrm>
+          <a:off x="0" y="0"/>
+          <a:ext cx="0" cy="0"/>
+          <a:chOff x="0" y="0"/>
+          <a:chExt cx="0" cy="0"/>
+        </a:xfrm>
+      </p:grpSpPr>
+      <p:sp>
+        <p:nvSpPr>
+          <p:cNvPr id="3" name="제목 2"/>
+          <p:cNvSpPr>
+            <a:spLocks noGrp="1"/>
+          </p:cNvSpPr>
+          <p:nvPr>
+            <p:ph type="title"/>
+          </p:nvPr>
+        </p:nvSpPr>
+        <p:spPr/>
+        <p:txBody>
+          <a:bodyPr/>
+          <a:lstStyle/>
+          <a:p>
+            <a:r>
+              <a:rPr lang="en-US" altLang="ko-KR" dirty="0" err="1"/>
+              <a:t>matplotlib</a:t>
+            </a:r>
+            <a:r>
+              <a:rPr lang="en-US" altLang="ko-KR" dirty="0"/>
+              <a:t> </a:t>
+            </a:r>
+            <a:r>
+              <a:rPr lang="ko-KR" altLang="en-US" dirty="0"/>
+              <a:t>이란</a:t>
+            </a:r>
+            <a:r>
+              <a:rPr lang="en-US" altLang="ko-KR" dirty="0"/>
+              <a:t>?</a:t>
+            </a:r>
+            <a:endParaRPr lang="ko-KR" altLang="en-US" dirty="0"/>
+          </a:p>
+        </p:txBody>
+      </p:sp>
+      <p:sp>
+        <p:nvSpPr>
+          <p:cNvPr id="11" name="텍스트 개체 틀 3"/>
+          <p:cNvSpPr>
+            <a:spLocks noGrp="1"/>
+          </p:cNvSpPr>
+          <p:nvPr>
+            <p:ph idx="1"/>
+          </p:nvPr>
+        </p:nvSpPr>
+        <p:spPr>
+          <a:xfrm>
+            <a:off x="323410" y="1052670"/>
+            <a:ext cx="8670925" cy="5232202"/>
+          </a:xfrm>
+          <a:noFill/>
+          <a:ln>
+            <a:noFill/>
+          </a:ln>
+          <a:extLst>
+            <a:ext uri="{909E8E84-426E-40DD-AFC4-6F175D3DCCD1}">
+              <a14:hiddenFill xmlns:a14="http://schemas.microsoft.com/office/drawing/2010/main">
+                <a:solidFill>
+                  <a:srgbClr val="FFFFFF"/>
+                </a:solidFill>
+              </a14:hiddenFill>
+            </a:ext>
+            <a:ext uri="{91240B29-F687-4F45-9708-019B960494DF}">
+              <a14:hiddenLine xmlns:a14="http://schemas.microsoft.com/office/drawing/2010/main" w="9525">
+                <a:solidFill>
+                  <a:srgbClr val="000000"/>
+                </a:solidFill>
+                <a:miter lim="800000"/>
+                <a:headEnd/>
+                <a:tailEnd/>
+              </a14:hiddenLine>
+            </a:ext>
+          </a:extLst>
+        </p:spPr>
+        <p:txBody>
+          <a:bodyPr vert="horz" wrap="square" lIns="0" tIns="0" rIns="0" bIns="0" numCol="1" anchor="t" anchorCtr="0" compatLnSpc="1">
+            <a:prstTxWarp prst="textNoShape">
+              <a:avLst/>
+            </a:prstTxWarp>
+            <a:spAutoFit/>
+          </a:bodyPr>
+          <a:lstStyle/>
+          <a:p>
+            <a:r>
+              <a:rPr lang="en-US" altLang="ko-KR" dirty="0" err="1"/>
+              <a:t>matplotlib</a:t>
+            </a:r>
+            <a:r>
+              <a:rPr lang="en-US" altLang="ko-KR" dirty="0"/>
+              <a:t>  </a:t>
+            </a:r>
+            <a:r>
+              <a:rPr lang="ko-KR" altLang="en-US" dirty="0" err="1"/>
+              <a:t>툴킷</a:t>
+            </a:r>
+            <a:endParaRPr lang="ko-KR" altLang="en-US" dirty="0"/>
+          </a:p>
+          <a:p>
+            <a:pPr lvl="1">
+              <a:lnSpc>
+                <a:spcPct val="150000"/>
+              </a:lnSpc>
+            </a:pPr>
+            <a:r>
+              <a:rPr lang="en-US" altLang="ko-KR" dirty="0" err="1"/>
+              <a:t>matplotlib</a:t>
+            </a:r>
+            <a:r>
+              <a:rPr lang="ko-KR" altLang="en-US" dirty="0"/>
+              <a:t>은 </a:t>
+            </a:r>
+            <a:r>
+              <a:rPr lang="ko-KR" altLang="en-US" b="1" dirty="0"/>
+              <a:t>툴킷</a:t>
+            </a:r>
+            <a:r>
+              <a:rPr lang="en-US" altLang="ko-KR" b="1" dirty="0"/>
+              <a:t>(toolkit)</a:t>
+            </a:r>
+            <a:r>
+              <a:rPr lang="ko-KR" altLang="en-US" dirty="0"/>
+              <a:t>이라는 애드온을 추가하여 기능을 확장할 수 있다</a:t>
+            </a:r>
+            <a:r>
+              <a:rPr lang="en-US" altLang="ko-KR" dirty="0"/>
+              <a:t>.</a:t>
+            </a:r>
+          </a:p>
+          <a:p>
+            <a:pPr lvl="1">
+              <a:lnSpc>
+                <a:spcPct val="150000"/>
+              </a:lnSpc>
+            </a:pPr>
+            <a:r>
+              <a:rPr lang="ko-KR" altLang="en-US" dirty="0"/>
+              <a:t>대부분의 경우 </a:t>
+            </a:r>
+            <a:r>
+              <a:rPr lang="en-US" altLang="ko-KR" dirty="0" err="1"/>
+              <a:t>matplotlib</a:t>
+            </a:r>
+            <a:r>
+              <a:rPr lang="ko-KR" altLang="en-US" dirty="0"/>
+              <a:t>과 따로 배포되므로</a:t>
+            </a:r>
+            <a:r>
+              <a:rPr lang="en-US" altLang="ko-KR" dirty="0"/>
+              <a:t>, </a:t>
+            </a:r>
+            <a:r>
+              <a:rPr lang="ko-KR" altLang="en-US" dirty="0"/>
+              <a:t>추가적인 설치가 필요하다</a:t>
+            </a:r>
+            <a:r>
+              <a:rPr lang="en-US" altLang="ko-KR" dirty="0"/>
+              <a:t>.</a:t>
+            </a:r>
+          </a:p>
+          <a:p>
+            <a:pPr lvl="1">
+              <a:lnSpc>
+                <a:spcPct val="150000"/>
+              </a:lnSpc>
+              <a:buNone/>
+            </a:pPr>
+            <a:r>
+              <a:rPr lang="en-US" altLang="ko-KR" dirty="0"/>
+              <a:t>	①  </a:t>
+            </a:r>
+            <a:r>
+              <a:rPr lang="ko-KR" altLang="en-US" dirty="0"/>
+              <a:t>지도 관련 툴</a:t>
+            </a:r>
+            <a:r>
+              <a:rPr lang="en-US" altLang="ko-KR" dirty="0"/>
+              <a:t>(</a:t>
+            </a:r>
+            <a:r>
+              <a:rPr lang="ko-KR" altLang="en-US" dirty="0"/>
+              <a:t>모두 별도 설치 필요</a:t>
+            </a:r>
+            <a:r>
+              <a:rPr lang="en-US" altLang="ko-KR" dirty="0"/>
+              <a:t>): </a:t>
+            </a:r>
+            <a:r>
+              <a:rPr lang="en-US" altLang="ko-KR" dirty="0" err="1"/>
+              <a:t>Basemap</a:t>
+            </a:r>
+            <a:r>
+              <a:rPr lang="en-US" altLang="ko-KR" dirty="0"/>
+              <a:t>, </a:t>
+            </a:r>
+            <a:r>
+              <a:rPr lang="en-US" altLang="ko-KR" dirty="0" err="1"/>
+              <a:t>Cartopy</a:t>
+            </a:r>
+            <a:endParaRPr lang="en-US" altLang="ko-KR" dirty="0"/>
+          </a:p>
+          <a:p>
+            <a:pPr lvl="1">
+              <a:lnSpc>
+                <a:spcPct val="150000"/>
+              </a:lnSpc>
+              <a:buNone/>
+            </a:pPr>
+            <a:r>
+              <a:rPr lang="en-US" altLang="ko-KR" dirty="0"/>
+              <a:t>	          </a:t>
+            </a:r>
+            <a:r>
+              <a:rPr lang="ko-KR" altLang="en-US" sz="1400" dirty="0"/>
+              <a:t>지도 그리기 및 지도 투영 기능을 추가해준다</a:t>
+            </a:r>
+            <a:r>
+              <a:rPr lang="en-US" altLang="ko-KR" sz="1400" dirty="0"/>
+              <a:t>. (</a:t>
+            </a:r>
+            <a:r>
+              <a:rPr lang="ko-KR" altLang="en-US" sz="1400" dirty="0"/>
+              <a:t>데이터를 지도와 함께 보여줄 때 사용</a:t>
+            </a:r>
+            <a:r>
+              <a:rPr lang="en-US" altLang="ko-KR" sz="1400" dirty="0"/>
+              <a:t>)</a:t>
+            </a:r>
+            <a:endParaRPr lang="en-US" altLang="ko-KR" dirty="0"/>
+          </a:p>
+          <a:p>
+            <a:pPr lvl="1">
+              <a:lnSpc>
+                <a:spcPct val="150000"/>
+              </a:lnSpc>
+              <a:buNone/>
+            </a:pPr>
+            <a:r>
+              <a:rPr lang="en-US" altLang="ko-KR" dirty="0"/>
+              <a:t>	②  </a:t>
+            </a:r>
+            <a:r>
+              <a:rPr lang="ko-KR" altLang="en-US" dirty="0"/>
+              <a:t>일반 </a:t>
+            </a:r>
+            <a:r>
+              <a:rPr lang="ko-KR" altLang="en-US" dirty="0" err="1"/>
+              <a:t>툴킷</a:t>
+            </a:r>
+            <a:r>
+              <a:rPr lang="en-US" altLang="ko-KR" dirty="0"/>
+              <a:t>: mplot3d, </a:t>
+            </a:r>
+            <a:r>
+              <a:rPr lang="en-US" altLang="ko-KR" dirty="0" err="1"/>
+              <a:t>AxesGrid</a:t>
+            </a:r>
+            <a:r>
+              <a:rPr lang="en-US" altLang="ko-KR" dirty="0"/>
+              <a:t>, </a:t>
+            </a:r>
+            <a:r>
+              <a:rPr lang="en-US" altLang="ko-KR" dirty="0" err="1"/>
+              <a:t>MplDataCursor</a:t>
+            </a:r>
+            <a:r>
+              <a:rPr lang="en-US" altLang="ko-KR" dirty="0"/>
+              <a:t>(</a:t>
+            </a:r>
+            <a:r>
+              <a:rPr lang="ko-KR" altLang="en-US" dirty="0"/>
+              <a:t>별도 설치 필요</a:t>
+            </a:r>
+            <a:r>
+              <a:rPr lang="en-US" altLang="ko-KR" dirty="0"/>
+              <a:t>), GTK(Gimp Toolkit)</a:t>
+            </a:r>
+          </a:p>
+          <a:p>
+            <a:pPr lvl="1">
+              <a:lnSpc>
+                <a:spcPct val="150000"/>
+              </a:lnSpc>
+              <a:buNone/>
+            </a:pPr>
+            <a:r>
+              <a:rPr lang="en-US" altLang="ko-KR" dirty="0"/>
+              <a:t>	          </a:t>
+            </a:r>
+            <a:r>
+              <a:rPr lang="en-US" altLang="ko-KR" sz="1400" dirty="0"/>
+              <a:t>mplot3d</a:t>
+            </a:r>
+            <a:r>
+              <a:rPr lang="ko-KR" altLang="en-US" sz="1400" dirty="0"/>
+              <a:t>는 간단한 </a:t>
+            </a:r>
+            <a:r>
+              <a:rPr lang="en-US" altLang="ko-KR" sz="1400" dirty="0"/>
+              <a:t>3</a:t>
+            </a:r>
+            <a:r>
+              <a:rPr lang="ko-KR" altLang="en-US" sz="1400" dirty="0"/>
+              <a:t>차원 플롯</a:t>
+            </a:r>
+            <a:r>
+              <a:rPr lang="en-US" altLang="ko-KR" sz="1400" dirty="0"/>
+              <a:t>, </a:t>
+            </a:r>
+            <a:r>
+              <a:rPr lang="en-US" altLang="ko-KR" sz="1400" dirty="0" err="1"/>
+              <a:t>AxesGrid</a:t>
+            </a:r>
+            <a:r>
+              <a:rPr lang="ko-KR" altLang="en-US" sz="1400" dirty="0"/>
+              <a:t>는 여러 개의 이미지 배치</a:t>
+            </a:r>
+            <a:r>
+              <a:rPr lang="en-US" altLang="ko-KR" sz="1400" dirty="0"/>
+              <a:t>, </a:t>
+            </a:r>
+            <a:r>
+              <a:rPr lang="en-US" altLang="ko-KR" sz="1400" dirty="0" err="1"/>
+              <a:t>MplDataCursor</a:t>
+            </a:r>
+            <a:r>
+              <a:rPr lang="ko-KR" altLang="en-US" sz="1400" dirty="0"/>
+              <a:t>는 </a:t>
+            </a:r>
+            <a:endParaRPr lang="en-US" altLang="ko-KR" sz="1400" dirty="0"/>
+          </a:p>
+          <a:p>
+            <a:pPr lvl="1">
+              <a:lnSpc>
+                <a:spcPct val="150000"/>
+              </a:lnSpc>
+              <a:buNone/>
+            </a:pPr>
+            <a:r>
+              <a:rPr lang="ko-KR" altLang="en-US" sz="1400" dirty="0"/>
+              <a:t>                   수치를 팝업 레이어로 표시</a:t>
+            </a:r>
+            <a:r>
+              <a:rPr lang="en-US" altLang="ko-KR" sz="1400" dirty="0"/>
+              <a:t>, GTK</a:t>
+            </a:r>
+            <a:r>
+              <a:rPr lang="ko-KR" altLang="en-US" sz="1400" dirty="0"/>
+              <a:t>는 </a:t>
+            </a:r>
+            <a:r>
+              <a:rPr lang="en-US" altLang="ko-KR" sz="1400" dirty="0"/>
+              <a:t>GTK+</a:t>
+            </a:r>
+            <a:r>
+              <a:rPr lang="ko-KR" altLang="en-US" sz="1400" dirty="0"/>
+              <a:t>를 사용하게 해준다</a:t>
+            </a:r>
+            <a:r>
+              <a:rPr lang="en-US" altLang="ko-KR" sz="1400" dirty="0"/>
+              <a:t>.</a:t>
+            </a:r>
+            <a:r>
+              <a:rPr lang="ko-KR" altLang="en-US" sz="1400" dirty="0"/>
+              <a:t> </a:t>
+            </a:r>
+            <a:r>
+              <a:rPr lang="en-US" altLang="ko-KR" dirty="0"/>
+              <a:t>	</a:t>
+            </a:r>
+          </a:p>
+          <a:p>
+            <a:pPr lvl="1">
+              <a:lnSpc>
+                <a:spcPct val="150000"/>
+              </a:lnSpc>
+              <a:buNone/>
+            </a:pPr>
+            <a:r>
+              <a:rPr lang="en-US" altLang="ko-KR" dirty="0"/>
+              <a:t>	③  </a:t>
+            </a:r>
+            <a:r>
+              <a:rPr lang="ko-KR" altLang="en-US" dirty="0"/>
+              <a:t>고품질 그리기</a:t>
+            </a:r>
+            <a:r>
+              <a:rPr lang="en-US" altLang="ko-KR" dirty="0"/>
+              <a:t>(</a:t>
+            </a:r>
+            <a:r>
+              <a:rPr lang="ko-KR" altLang="en-US" dirty="0"/>
+              <a:t>모두 별도 설치 필요</a:t>
+            </a:r>
+            <a:r>
+              <a:rPr lang="en-US" altLang="ko-KR" dirty="0"/>
+              <a:t>): </a:t>
+            </a:r>
+            <a:r>
+              <a:rPr lang="en-US" altLang="ko-KR" dirty="0" err="1"/>
+              <a:t>Seaborn</a:t>
+            </a:r>
+            <a:r>
+              <a:rPr lang="en-US" altLang="ko-KR" dirty="0"/>
+              <a:t>, </a:t>
+            </a:r>
+            <a:r>
+              <a:rPr lang="en-US" altLang="ko-KR" dirty="0" err="1"/>
+              <a:t>ggplot</a:t>
+            </a:r>
+            <a:r>
+              <a:rPr lang="en-US" altLang="ko-KR" dirty="0"/>
+              <a:t>, </a:t>
+            </a:r>
+            <a:r>
+              <a:rPr lang="en-US" altLang="ko-KR" dirty="0" err="1"/>
+              <a:t>prettyplotlib</a:t>
+            </a:r>
+            <a:endParaRPr lang="en-US" altLang="ko-KR" dirty="0"/>
+          </a:p>
+          <a:p>
+            <a:pPr lvl="1">
+              <a:lnSpc>
+                <a:spcPct val="150000"/>
+              </a:lnSpc>
+            </a:pPr>
+            <a:endParaRPr lang="en-US" altLang="ko-KR" b="1" dirty="0"/>
+          </a:p>
+        </p:txBody>
+      </p:sp>
+      <p:sp>
+        <p:nvSpPr>
+          <p:cNvPr id="7" name="오른쪽 화살표 6"/>
+          <p:cNvSpPr/>
+          <p:nvPr/>
+        </p:nvSpPr>
+        <p:spPr bwMode="auto">
+          <a:xfrm>
+            <a:off x="1571604" y="3143248"/>
+            <a:ext cx="214314" cy="214314"/>
+          </a:xfrm>
+          <a:prstGeom prst="rightArrow">
+            <a:avLst/>
+          </a:prstGeom>
+          <a:solidFill>
+            <a:srgbClr val="808080"/>
+          </a:solidFill>
+          <a:ln w="9525" cap="flat" cmpd="sng" algn="ctr">
+            <a:solidFill>
+              <a:schemeClr val="tx1"/>
+            </a:solidFill>
+            <a:prstDash val="solid"/>
+            <a:round/>
+            <a:headEnd type="none" w="med" len="med"/>
+            <a:tailEnd type="none" w="med" len="med"/>
+          </a:ln>
+          <a:effectLst/>
+        </p:spPr>
+        <p:txBody>
+          <a:bodyPr vert="horz" wrap="none" lIns="91440" tIns="45720" rIns="91440" bIns="45720" numCol="1" rtlCol="0" anchor="ctr" anchorCtr="0" compatLnSpc="1">
+            <a:prstTxWarp prst="textNoShape">
+              <a:avLst/>
+            </a:prstTxWarp>
+          </a:bodyPr>
+          <a:lstStyle/>
+          <a:p>
+            <a:pPr marL="0" marR="0" indent="0" algn="ctr" defTabSz="977900" rtl="0" eaLnBrk="1" fontAlgn="base" latinLnBrk="0" hangingPunct="1">
+              <a:lnSpc>
+                <a:spcPct val="100000"/>
+              </a:lnSpc>
+              <a:spcBef>
+                <a:spcPct val="0"/>
+              </a:spcBef>
+              <a:spcAft>
+                <a:spcPct val="0"/>
+              </a:spcAft>
+              <a:buClrTx/>
+              <a:buSzTx/>
+              <a:buFontTx/>
+              <a:buNone/>
+              <a:tabLst/>
+            </a:pPr>
+            <a:endParaRPr kumimoji="0" lang="ko-KR" altLang="en-US" sz="1300" b="0" i="0" u="none" strike="noStrike" cap="none" normalizeH="0" baseline="0">
+              <a:ln>
+                <a:noFill/>
+              </a:ln>
+              <a:solidFill>
+                <a:schemeClr val="tx1"/>
+              </a:solidFill>
+              <a:effectLst/>
+              <a:latin typeface="맑은 고딕" pitchFamily="50" charset="-127"/>
+              <a:ea typeface="맑은 고딕" pitchFamily="50" charset="-127"/>
+            </a:endParaRPr>
+          </a:p>
+        </p:txBody>
+      </p:sp>
+      <p:sp>
+        <p:nvSpPr>
+          <p:cNvPr id="8" name="오른쪽 화살표 7"/>
+          <p:cNvSpPr/>
+          <p:nvPr/>
+        </p:nvSpPr>
+        <p:spPr bwMode="auto">
+          <a:xfrm>
+            <a:off x="1571604" y="4500570"/>
+            <a:ext cx="214314" cy="214314"/>
+          </a:xfrm>
+          <a:prstGeom prst="rightArrow">
+            <a:avLst/>
+          </a:prstGeom>
+          <a:solidFill>
+            <a:srgbClr val="808080"/>
+          </a:solidFill>
+          <a:ln w="9525" cap="flat" cmpd="sng" algn="ctr">
+            <a:solidFill>
+              <a:schemeClr val="tx1"/>
+            </a:solidFill>
+            <a:prstDash val="solid"/>
+            <a:round/>
+            <a:headEnd type="none" w="med" len="med"/>
+            <a:tailEnd type="none" w="med" len="med"/>
+          </a:ln>
+          <a:effectLst/>
+        </p:spPr>
+        <p:txBody>
+          <a:bodyPr vert="horz" wrap="none" lIns="91440" tIns="45720" rIns="91440" bIns="45720" numCol="1" rtlCol="0" anchor="ctr" anchorCtr="0" compatLnSpc="1">
+            <a:prstTxWarp prst="textNoShape">
+              <a:avLst/>
+            </a:prstTxWarp>
+          </a:bodyPr>
+          <a:lstStyle/>
+          <a:p>
+            <a:pPr marL="0" marR="0" indent="0" algn="ctr" defTabSz="977900" rtl="0" eaLnBrk="1" fontAlgn="base" latinLnBrk="0" hangingPunct="1">
+              <a:lnSpc>
+                <a:spcPct val="100000"/>
+              </a:lnSpc>
+              <a:spcBef>
+                <a:spcPct val="0"/>
+              </a:spcBef>
+              <a:spcAft>
+                <a:spcPct val="0"/>
+              </a:spcAft>
+              <a:buClrTx/>
+              <a:buSzTx/>
+              <a:buFontTx/>
+              <a:buNone/>
+              <a:tabLst/>
+            </a:pPr>
+            <a:endParaRPr kumimoji="0" lang="ko-KR" altLang="en-US" sz="1300" b="0" i="0" u="none" strike="noStrike" cap="none" normalizeH="0" baseline="0">
+              <a:ln>
+                <a:noFill/>
+              </a:ln>
+              <a:solidFill>
+                <a:schemeClr val="tx1"/>
+              </a:solidFill>
+              <a:effectLst/>
+              <a:latin typeface="맑은 고딕" pitchFamily="50" charset="-127"/>
+              <a:ea typeface="맑은 고딕" pitchFamily="50" charset="-127"/>
+            </a:endParaRPr>
+          </a:p>
+        </p:txBody>
+      </p:sp>
+    </p:spTree>
+    <p:extLst>
+      <p:ext uri="{BB962C8B-B14F-4D97-AF65-F5344CB8AC3E}">
+        <p14:creationId xmlns:p14="http://schemas.microsoft.com/office/powerpoint/2010/main" val="2069480276"/>
+      </p:ext>
+    </p:extLst>
+  </p:cSld>
+  <p:clrMapOvr>
+    <a:masterClrMapping/>
+  </p:clrMapOvr>
+</p:sld>
+</file>
+
+<file path=ppt/slides/slide50.xml><?xml version="1.0" encoding="utf-8"?>
 <p:sld xmlns:a="http://schemas.openxmlformats.org/drawingml/2006/main" xmlns:r="http://schemas.openxmlformats.org/officeDocument/2006/relationships" xmlns:p="http://schemas.openxmlformats.org/presentationml/2006/main">
   <p:cSld>
     <p:spTree>
@@ -30232,7 +36787,7 @@
 </p:sld>
 </file>
 
-<file path=ppt/slides/slide4.xml><?xml version="1.0" encoding="utf-8"?>
+<file path=ppt/slides/slide51.xml><?xml version="1.0" encoding="utf-8"?>
 <p:sld xmlns:a="http://schemas.openxmlformats.org/drawingml/2006/main" xmlns:r="http://schemas.openxmlformats.org/officeDocument/2006/relationships" xmlns:p="http://schemas.openxmlformats.org/presentationml/2006/main">
   <p:cSld>
     <p:spTree>
@@ -30251,7 +36806,7 @@
       </p:grpSpPr>
       <p:sp>
         <p:nvSpPr>
-          <p:cNvPr id="3" name="제목 2"/>
+          <p:cNvPr id="2" name="제목 1"/>
           <p:cNvSpPr>
             <a:spLocks noGrp="1"/>
           </p:cNvSpPr>
@@ -30265,28 +36820,15 @@
           <a:lstStyle/>
           <a:p>
             <a:r>
-              <a:rPr lang="en-US" altLang="ko-KR" dirty="0" err="1"/>
-              <a:t>matplotlib</a:t>
-            </a:r>
-            <a:r>
-              <a:rPr lang="en-US" altLang="ko-KR" dirty="0"/>
-              <a:t> </a:t>
-            </a:r>
-            <a:r>
               <a:rPr lang="ko-KR" altLang="en-US" dirty="0"/>
-              <a:t>이란</a:t>
-            </a:r>
-            <a:r>
-              <a:rPr lang="en-US" altLang="ko-KR" dirty="0"/>
-              <a:t>?</a:t>
-            </a:r>
-            <a:endParaRPr lang="ko-KR" altLang="en-US" dirty="0"/>
+              <a:t>연습문제</a:t>
+            </a:r>
           </a:p>
         </p:txBody>
       </p:sp>
       <p:sp>
         <p:nvSpPr>
-          <p:cNvPr id="11" name="텍스트 개체 틀 3"/>
+          <p:cNvPr id="3" name="내용 개체 틀 2"/>
           <p:cNvSpPr>
             <a:spLocks noGrp="1"/>
           </p:cNvSpPr>
@@ -30296,1045 +36838,176 @@
         </p:nvSpPr>
         <p:spPr>
           <a:xfrm>
-            <a:off x="323410" y="1052670"/>
-            <a:ext cx="8670925" cy="1292662"/>
+            <a:off x="236538" y="1060450"/>
+            <a:ext cx="8670925" cy="3293209"/>
           </a:xfrm>
-          <a:noFill/>
-          <a:ln>
-            <a:noFill/>
-          </a:ln>
-          <a:extLst>
-            <a:ext uri="{909E8E84-426E-40DD-AFC4-6F175D3DCCD1}">
-              <a14:hiddenFill xmlns:a14="http://schemas.microsoft.com/office/drawing/2010/main">
-                <a:solidFill>
-                  <a:srgbClr val="FFFFFF"/>
-                </a:solidFill>
-              </a14:hiddenFill>
-            </a:ext>
-            <a:ext uri="{91240B29-F687-4F45-9708-019B960494DF}">
-              <a14:hiddenLine xmlns:a14="http://schemas.microsoft.com/office/drawing/2010/main" w="9525">
-                <a:solidFill>
-                  <a:srgbClr val="000000"/>
-                </a:solidFill>
-                <a:miter lim="800000"/>
-                <a:headEnd/>
-                <a:tailEnd/>
-              </a14:hiddenLine>
-            </a:ext>
-          </a:extLst>
         </p:spPr>
         <p:txBody>
-          <a:bodyPr vert="horz" wrap="square" lIns="0" tIns="0" rIns="0" bIns="0" numCol="1" anchor="t" anchorCtr="0" compatLnSpc="1">
-            <a:prstTxWarp prst="textNoShape">
-              <a:avLst/>
-            </a:prstTxWarp>
-            <a:spAutoFit/>
-          </a:bodyPr>
+          <a:bodyPr/>
           <a:lstStyle/>
           <a:p>
-            <a:r>
-              <a:rPr lang="en-US" altLang="ko-KR" dirty="0" err="1"/>
-              <a:t>matplotlib</a:t>
-            </a:r>
+            <a:pPr>
+              <a:buFont typeface="+mj-ea"/>
+              <a:buAutoNum type="circleNumDbPlain" startAt="3"/>
+            </a:pPr>
             <a:r>
               <a:rPr lang="en-US" altLang="ko-KR" dirty="0"/>
-              <a:t>  </a:t>
+              <a:t>seoul.csv </a:t>
             </a:r>
             <a:r>
               <a:rPr lang="ko-KR" altLang="en-US" dirty="0"/>
-              <a:t>모듈</a:t>
-            </a:r>
-          </a:p>
-          <a:p>
-            <a:pPr lvl="1">
-              <a:lnSpc>
-                <a:spcPct val="150000"/>
-              </a:lnSpc>
+              <a:t>파일에는 서울의 </a:t>
+            </a:r>
+            <a:r>
+              <a:rPr lang="en-US" altLang="ko-KR" dirty="0"/>
+              <a:t>1908</a:t>
+            </a:r>
+            <a:r>
+              <a:rPr lang="ko-KR" altLang="en-US" dirty="0"/>
+              <a:t>년 </a:t>
+            </a:r>
+            <a:r>
+              <a:rPr lang="en-US" altLang="ko-KR" dirty="0"/>
+              <a:t>1</a:t>
+            </a:r>
+            <a:r>
+              <a:rPr lang="ko-KR" altLang="en-US" dirty="0"/>
+              <a:t>월 </a:t>
+            </a:r>
+            <a:r>
+              <a:rPr lang="en-US" altLang="ko-KR" dirty="0"/>
+              <a:t>1</a:t>
+            </a:r>
+            <a:r>
+              <a:rPr lang="ko-KR" altLang="en-US" dirty="0"/>
+              <a:t>일부터 </a:t>
+            </a:r>
+            <a:r>
+              <a:rPr lang="en-US" altLang="ko-KR" dirty="0"/>
+              <a:t>2020</a:t>
+            </a:r>
+            <a:r>
+              <a:rPr lang="ko-KR" altLang="en-US" dirty="0"/>
+              <a:t>년 </a:t>
+            </a:r>
+            <a:r>
+              <a:rPr lang="en-US" altLang="ko-KR" dirty="0"/>
+              <a:t>12</a:t>
+            </a:r>
+            <a:r>
+              <a:rPr lang="ko-KR" altLang="en-US" dirty="0"/>
+              <a:t>월 </a:t>
+            </a:r>
+            <a:r>
+              <a:rPr lang="en-US" altLang="ko-KR" dirty="0"/>
+              <a:t>31</a:t>
+            </a:r>
+            <a:r>
+              <a:rPr lang="ko-KR" altLang="en-US" dirty="0"/>
+              <a:t>일일까지의 일별 기온 자료가 </a:t>
+            </a:r>
+            <a:r>
+              <a:rPr lang="ko-KR" altLang="en-US" dirty="0" err="1"/>
+              <a:t>저장되어있다</a:t>
+            </a:r>
+            <a:r>
+              <a:rPr lang="en-US" altLang="ko-KR" dirty="0"/>
+              <a:t>. </a:t>
+            </a:r>
+            <a:r>
+              <a:rPr lang="ko-KR" altLang="en-US" dirty="0"/>
+              <a:t>전체 기간 동안 최고기온에 대해서 히스토그램을 </a:t>
+            </a:r>
+            <a:r>
+              <a:rPr lang="ko-KR" altLang="en-US" dirty="0" err="1"/>
+              <a:t>그리시오</a:t>
+            </a:r>
+            <a:r>
+              <a:rPr lang="en-US" altLang="ko-KR" dirty="0"/>
+              <a:t>. (</a:t>
+            </a:r>
+            <a:r>
+              <a:rPr lang="ko-KR" altLang="en-US" dirty="0" err="1"/>
+              <a:t>결측치는</a:t>
+            </a:r>
+            <a:r>
+              <a:rPr lang="ko-KR" altLang="en-US" dirty="0"/>
+              <a:t> 공백으로 저장되어 있음</a:t>
+            </a:r>
+            <a:r>
+              <a:rPr lang="en-US" altLang="ko-KR" dirty="0"/>
+              <a:t>)</a:t>
+            </a:r>
+          </a:p>
+          <a:p>
+            <a:pPr>
+              <a:buFont typeface="+mj-ea"/>
+              <a:buAutoNum type="circleNumDbPlain" startAt="3"/>
             </a:pPr>
             <a:r>
               <a:rPr lang="en-US" altLang="ko-KR" dirty="0"/>
-              <a:t>import </a:t>
+              <a:t>8</a:t>
             </a:r>
             <a:r>
               <a:rPr lang="ko-KR" altLang="en-US" dirty="0"/>
-              <a:t>시</a:t>
+              <a:t>월의 최고기온만 이용하여 히스토그램을 </a:t>
+            </a:r>
+            <a:r>
+              <a:rPr lang="ko-KR" altLang="en-US" dirty="0" err="1"/>
+              <a:t>그리시오</a:t>
             </a:r>
             <a:r>
               <a:rPr lang="en-US" altLang="ko-KR" dirty="0"/>
-              <a:t>, </a:t>
+              <a:t>. </a:t>
+            </a:r>
+          </a:p>
+          <a:p>
+            <a:pPr>
+              <a:buFont typeface="+mj-ea"/>
+              <a:buAutoNum type="circleNumDbPlain" startAt="3"/>
+            </a:pPr>
+            <a:r>
+              <a:rPr lang="en-US" altLang="ko-KR" dirty="0"/>
+              <a:t>1</a:t>
             </a:r>
             <a:r>
               <a:rPr lang="ko-KR" altLang="en-US" dirty="0"/>
-              <a:t>다음과 같이 줄여서 사용하는 것을 </a:t>
-            </a:r>
-            <a:r>
-              <a:rPr lang="en-US" altLang="ko-KR" b="1" dirty="0" err="1"/>
-              <a:t>matplotlib</a:t>
+              <a:t>월과 </a:t>
+            </a:r>
+            <a:r>
+              <a:rPr lang="en-US" altLang="ko-KR" dirty="0"/>
+              <a:t>8</a:t>
             </a:r>
             <a:r>
               <a:rPr lang="ko-KR" altLang="en-US" dirty="0"/>
-              <a:t>의 참조 문서에서도 권장하고 있다</a:t>
+              <a:t>월의 최고기온에 대해서 상자그림을 </a:t>
+            </a:r>
+            <a:r>
+              <a:rPr lang="ko-KR" altLang="en-US" dirty="0" err="1"/>
+              <a:t>그리시오</a:t>
             </a:r>
             <a:r>
               <a:rPr lang="en-US" altLang="ko-KR" dirty="0"/>
-              <a:t>.</a:t>
-            </a:r>
-          </a:p>
-        </p:txBody>
-      </p:sp>
-      <p:sp>
-        <p:nvSpPr>
-          <p:cNvPr id="90114" name="AutoShape 2" descr="matplotlib에 대한 이미지 검색결과">
-            <a:hlinkClick r:id="rId3"/>
-          </p:cNvPr>
-          <p:cNvSpPr>
-            <a:spLocks noChangeAspect="1" noChangeArrowheads="1"/>
-          </p:cNvSpPr>
-          <p:nvPr/>
-        </p:nvSpPr>
-        <p:spPr bwMode="auto">
-          <a:xfrm>
-            <a:off x="38100" y="-1439863"/>
-            <a:ext cx="11353800" cy="2724151"/>
-          </a:xfrm>
-          <a:prstGeom prst="rect">
-            <a:avLst/>
-          </a:prstGeom>
-          <a:noFill/>
-        </p:spPr>
-        <p:txBody>
-          <a:bodyPr vert="horz" wrap="square" lIns="91440" tIns="45720" rIns="91440" bIns="45720" numCol="1" anchor="t" anchorCtr="0" compatLnSpc="1">
-            <a:prstTxWarp prst="textNoShape">
-              <a:avLst/>
-            </a:prstTxWarp>
-          </a:bodyPr>
-          <a:lstStyle/>
-          <a:p>
-            <a:endParaRPr lang="ko-KR" altLang="en-US"/>
-          </a:p>
-        </p:txBody>
-      </p:sp>
-      <p:sp>
-        <p:nvSpPr>
-          <p:cNvPr id="90116" name="AutoShape 4" descr="matplotlib에 대한 이미지 검색결과">
-            <a:hlinkClick r:id="rId3"/>
-          </p:cNvPr>
-          <p:cNvSpPr>
-            <a:spLocks noChangeAspect="1" noChangeArrowheads="1"/>
-          </p:cNvSpPr>
-          <p:nvPr/>
-        </p:nvSpPr>
-        <p:spPr bwMode="auto">
-          <a:xfrm>
-            <a:off x="38100" y="-1439863"/>
-            <a:ext cx="11353800" cy="2724151"/>
-          </a:xfrm>
-          <a:prstGeom prst="rect">
-            <a:avLst/>
-          </a:prstGeom>
-          <a:noFill/>
-        </p:spPr>
-        <p:txBody>
-          <a:bodyPr vert="horz" wrap="square" lIns="91440" tIns="45720" rIns="91440" bIns="45720" numCol="1" anchor="t" anchorCtr="0" compatLnSpc="1">
-            <a:prstTxWarp prst="textNoShape">
-              <a:avLst/>
-            </a:prstTxWarp>
-          </a:bodyPr>
-          <a:lstStyle/>
-          <a:p>
-            <a:endParaRPr lang="ko-KR" altLang="en-US"/>
-          </a:p>
-        </p:txBody>
-      </p:sp>
-      <p:sp>
-        <p:nvSpPr>
-          <p:cNvPr id="6" name="직사각형 5"/>
-          <p:cNvSpPr/>
-          <p:nvPr/>
-        </p:nvSpPr>
-        <p:spPr bwMode="auto">
-          <a:xfrm>
-            <a:off x="1214414" y="2500306"/>
-            <a:ext cx="6768940" cy="1571636"/>
-          </a:xfrm>
-          <a:prstGeom prst="rect">
-            <a:avLst/>
-          </a:prstGeom>
-          <a:solidFill>
-            <a:schemeClr val="bg1">
-              <a:lumMod val="85000"/>
-            </a:schemeClr>
-          </a:solidFill>
-          <a:ln w="9525" cap="flat" cmpd="sng" algn="ctr">
-            <a:noFill/>
-            <a:prstDash val="solid"/>
-            <a:round/>
-            <a:headEnd type="none" w="med" len="med"/>
-            <a:tailEnd type="none" w="med" len="med"/>
-          </a:ln>
-          <a:effectLst/>
-        </p:spPr>
-        <p:txBody>
-          <a:bodyPr vert="horz" wrap="none" lIns="360000" tIns="45720" rIns="91440" bIns="45720" numCol="1" rtlCol="0" anchor="ctr" anchorCtr="0" compatLnSpc="1">
-            <a:prstTxWarp prst="textNoShape">
-              <a:avLst/>
-            </a:prstTxWarp>
-          </a:bodyPr>
-          <a:lstStyle/>
-          <a:p>
-            <a:pPr marL="0" marR="0" indent="0" defTabSz="977900" rtl="0" eaLnBrk="1" fontAlgn="base" latinLnBrk="0" hangingPunct="1">
-              <a:lnSpc>
-                <a:spcPct val="100000"/>
-              </a:lnSpc>
-              <a:spcBef>
-                <a:spcPct val="0"/>
-              </a:spcBef>
-              <a:spcAft>
-                <a:spcPct val="0"/>
-              </a:spcAft>
-              <a:buClrTx/>
-              <a:buSzTx/>
-              <a:buFontTx/>
-              <a:buNone/>
-              <a:tabLst/>
+              <a:t>. </a:t>
+            </a:r>
+          </a:p>
+          <a:p>
+            <a:pPr>
+              <a:buFont typeface="+mj-ea"/>
+              <a:buAutoNum type="circleNumDbPlain" startAt="3"/>
             </a:pPr>
-            <a:r>
-              <a:rPr lang="en-US" altLang="ko-KR" sz="1400" dirty="0">
-                <a:latin typeface="맑은 고딕" pitchFamily="50" charset="-127"/>
-                <a:ea typeface="맑은 고딕" pitchFamily="50" charset="-127"/>
-              </a:rPr>
-              <a:t>i</a:t>
-            </a:r>
-            <a:r>
-              <a:rPr kumimoji="0" lang="en-US" altLang="ko-KR" sz="1400" i="0" u="none" strike="noStrike" cap="none" normalizeH="0" baseline="0" dirty="0">
-                <a:ln>
-                  <a:noFill/>
-                </a:ln>
-                <a:solidFill>
-                  <a:schemeClr val="tx1"/>
-                </a:solidFill>
-                <a:effectLst/>
-                <a:latin typeface="맑은 고딕" pitchFamily="50" charset="-127"/>
-                <a:ea typeface="맑은 고딕" pitchFamily="50" charset="-127"/>
-              </a:rPr>
-              <a:t>mport </a:t>
-            </a:r>
-            <a:r>
-              <a:rPr kumimoji="0" lang="en-US" altLang="ko-KR" sz="1400" i="0" u="none" strike="noStrike" cap="none" normalizeH="0" baseline="0" dirty="0" err="1">
-                <a:ln>
-                  <a:noFill/>
-                </a:ln>
-                <a:solidFill>
-                  <a:schemeClr val="tx1"/>
-                </a:solidFill>
-                <a:effectLst/>
-                <a:latin typeface="맑은 고딕" pitchFamily="50" charset="-127"/>
-                <a:ea typeface="맑은 고딕" pitchFamily="50" charset="-127"/>
-              </a:rPr>
-              <a:t>matplotlib</a:t>
-            </a:r>
-            <a:r>
-              <a:rPr lang="en-US" altLang="ko-KR" sz="1400" dirty="0">
-                <a:latin typeface="맑은 고딕" pitchFamily="50" charset="-127"/>
-                <a:ea typeface="맑은 고딕" pitchFamily="50" charset="-127"/>
-              </a:rPr>
-              <a:t> as </a:t>
-            </a:r>
-            <a:r>
-              <a:rPr lang="en-US" altLang="ko-KR" sz="1400" dirty="0" err="1">
-                <a:latin typeface="맑은 고딕" pitchFamily="50" charset="-127"/>
-                <a:ea typeface="맑은 고딕" pitchFamily="50" charset="-127"/>
-              </a:rPr>
-              <a:t>mpl</a:t>
-            </a:r>
-            <a:endParaRPr lang="en-US" altLang="ko-KR" sz="1400" dirty="0">
-              <a:latin typeface="맑은 고딕" pitchFamily="50" charset="-127"/>
-              <a:ea typeface="맑은 고딕" pitchFamily="50" charset="-127"/>
-            </a:endParaRPr>
-          </a:p>
-          <a:p>
-            <a:pPr marL="0" marR="0" indent="0" defTabSz="977900" rtl="0" eaLnBrk="1" fontAlgn="base" latinLnBrk="0" hangingPunct="1">
-              <a:lnSpc>
-                <a:spcPct val="100000"/>
-              </a:lnSpc>
-              <a:spcBef>
-                <a:spcPct val="0"/>
-              </a:spcBef>
-              <a:spcAft>
-                <a:spcPct val="0"/>
-              </a:spcAft>
-              <a:buClrTx/>
-              <a:buSzTx/>
-              <a:buFontTx/>
-              <a:buNone/>
-              <a:tabLst/>
-            </a:pPr>
-            <a:endParaRPr lang="en-US" altLang="ko-KR" sz="1400" dirty="0">
-              <a:latin typeface="맑은 고딕" pitchFamily="50" charset="-127"/>
-              <a:ea typeface="맑은 고딕" pitchFamily="50" charset="-127"/>
-            </a:endParaRPr>
-          </a:p>
-          <a:p>
-            <a:pPr marL="0" marR="0" indent="0" defTabSz="977900" rtl="0" eaLnBrk="1" fontAlgn="base" latinLnBrk="0" hangingPunct="1">
-              <a:lnSpc>
-                <a:spcPct val="100000"/>
-              </a:lnSpc>
-              <a:spcBef>
-                <a:spcPct val="0"/>
-              </a:spcBef>
-              <a:spcAft>
-                <a:spcPct val="0"/>
-              </a:spcAft>
-              <a:buClrTx/>
-              <a:buSzTx/>
-              <a:buFontTx/>
-              <a:buNone/>
-              <a:tabLst/>
-            </a:pPr>
-            <a:r>
-              <a:rPr lang="en-US" altLang="ko-KR" sz="1400" b="0" i="1" dirty="0">
-                <a:latin typeface="맑은 고딕" pitchFamily="50" charset="-127"/>
-                <a:ea typeface="맑은 고딕" pitchFamily="50" charset="-127"/>
-              </a:rPr>
-              <a:t># </a:t>
-            </a:r>
-            <a:r>
-              <a:rPr lang="en-US" altLang="ko-KR" sz="1400" b="0" i="1" dirty="0" err="1">
-                <a:latin typeface="맑은 고딕" pitchFamily="50" charset="-127"/>
-                <a:ea typeface="맑은 고딕" pitchFamily="50" charset="-127"/>
-              </a:rPr>
-              <a:t>pyplot</a:t>
-            </a:r>
-            <a:r>
-              <a:rPr lang="en-US" altLang="ko-KR" sz="1400" b="0" i="1" dirty="0">
-                <a:latin typeface="맑은 고딕" pitchFamily="50" charset="-127"/>
-                <a:ea typeface="맑은 고딕" pitchFamily="50" charset="-127"/>
-              </a:rPr>
-              <a:t> </a:t>
-            </a:r>
-            <a:r>
-              <a:rPr lang="ko-KR" altLang="en-US" sz="1400" b="0" i="1" dirty="0">
-                <a:latin typeface="맑은 고딕" pitchFamily="50" charset="-127"/>
-                <a:ea typeface="맑은 고딕" pitchFamily="50" charset="-127"/>
-              </a:rPr>
-              <a:t>모듈</a:t>
-            </a:r>
-            <a:endParaRPr lang="en-US" altLang="ko-KR" sz="1400" b="0" i="1" dirty="0">
-              <a:latin typeface="맑은 고딕" pitchFamily="50" charset="-127"/>
-              <a:ea typeface="맑은 고딕" pitchFamily="50" charset="-127"/>
-            </a:endParaRPr>
-          </a:p>
-          <a:p>
-            <a:pPr marL="0" marR="0" indent="0" defTabSz="977900" rtl="0" eaLnBrk="1" fontAlgn="base" latinLnBrk="0" hangingPunct="1">
-              <a:lnSpc>
-                <a:spcPct val="100000"/>
-              </a:lnSpc>
-              <a:spcBef>
-                <a:spcPct val="0"/>
-              </a:spcBef>
-              <a:spcAft>
-                <a:spcPct val="0"/>
-              </a:spcAft>
-              <a:buClrTx/>
-              <a:buSzTx/>
-              <a:buFontTx/>
-              <a:buNone/>
-              <a:tabLst/>
-            </a:pPr>
-            <a:r>
-              <a:rPr lang="en-US" altLang="ko-KR" sz="1400" dirty="0">
-                <a:latin typeface="맑은 고딕" pitchFamily="50" charset="-127"/>
-                <a:ea typeface="맑은 고딕" pitchFamily="50" charset="-127"/>
-              </a:rPr>
-              <a:t>import </a:t>
-            </a:r>
-            <a:r>
-              <a:rPr lang="en-US" altLang="ko-KR" sz="1400" dirty="0" err="1">
-                <a:latin typeface="맑은 고딕" pitchFamily="50" charset="-127"/>
-                <a:ea typeface="맑은 고딕" pitchFamily="50" charset="-127"/>
-              </a:rPr>
-              <a:t>matplotlib.pyplot</a:t>
-            </a:r>
-            <a:r>
-              <a:rPr lang="en-US" altLang="ko-KR" sz="1400" dirty="0">
-                <a:latin typeface="맑은 고딕" pitchFamily="50" charset="-127"/>
-                <a:ea typeface="맑은 고딕" pitchFamily="50" charset="-127"/>
-              </a:rPr>
-              <a:t> as </a:t>
-            </a:r>
-            <a:r>
-              <a:rPr lang="en-US" altLang="ko-KR" sz="1400" dirty="0" err="1">
-                <a:latin typeface="맑은 고딕" pitchFamily="50" charset="-127"/>
-                <a:ea typeface="맑은 고딕" pitchFamily="50" charset="-127"/>
-              </a:rPr>
-              <a:t>plt</a:t>
-            </a:r>
-            <a:endParaRPr lang="en-US" altLang="ko-KR" sz="1400" dirty="0">
-              <a:latin typeface="맑은 고딕" pitchFamily="50" charset="-127"/>
-              <a:ea typeface="맑은 고딕" pitchFamily="50" charset="-127"/>
-            </a:endParaRPr>
+            <a:endParaRPr lang="en-US" altLang="ko-KR" dirty="0"/>
+          </a:p>
+          <a:p>
+            <a:pPr lvl="1"/>
+            <a:endParaRPr lang="ko-KR" altLang="en-US" dirty="0"/>
           </a:p>
         </p:txBody>
       </p:sp>
     </p:spTree>
     <p:extLst>
       <p:ext uri="{BB962C8B-B14F-4D97-AF65-F5344CB8AC3E}">
-        <p14:creationId xmlns:p14="http://schemas.microsoft.com/office/powerpoint/2010/main" val="2069480276"/>
-      </p:ext>
-    </p:extLst>
-  </p:cSld>
-  <p:clrMapOvr>
-    <a:masterClrMapping/>
-  </p:clrMapOvr>
-</p:sld>
-</file>
-
-<file path=ppt/slides/slide5.xml><?xml version="1.0" encoding="utf-8"?>
-<p:sld xmlns:a="http://schemas.openxmlformats.org/drawingml/2006/main" xmlns:r="http://schemas.openxmlformats.org/officeDocument/2006/relationships" xmlns:p="http://schemas.openxmlformats.org/presentationml/2006/main">
-  <p:cSld>
-    <p:spTree>
-      <p:nvGrpSpPr>
-        <p:cNvPr id="1" name=""/>
-        <p:cNvGrpSpPr/>
-        <p:nvPr/>
-      </p:nvGrpSpPr>
-      <p:grpSpPr>
-        <a:xfrm>
-          <a:off x="0" y="0"/>
-          <a:ext cx="0" cy="0"/>
-          <a:chOff x="0" y="0"/>
-          <a:chExt cx="0" cy="0"/>
-        </a:xfrm>
-      </p:grpSpPr>
-      <p:sp>
-        <p:nvSpPr>
-          <p:cNvPr id="3" name="제목 2"/>
-          <p:cNvSpPr>
-            <a:spLocks noGrp="1"/>
-          </p:cNvSpPr>
-          <p:nvPr>
-            <p:ph type="title"/>
-          </p:nvPr>
-        </p:nvSpPr>
-        <p:spPr/>
-        <p:txBody>
-          <a:bodyPr/>
-          <a:lstStyle/>
-          <a:p>
-            <a:r>
-              <a:rPr lang="en-US" altLang="ko-KR" dirty="0" err="1"/>
-              <a:t>matplotlib</a:t>
-            </a:r>
-            <a:r>
-              <a:rPr lang="en-US" altLang="ko-KR" dirty="0"/>
-              <a:t> </a:t>
-            </a:r>
-            <a:r>
-              <a:rPr lang="ko-KR" altLang="en-US" dirty="0"/>
-              <a:t>이란</a:t>
-            </a:r>
-            <a:r>
-              <a:rPr lang="en-US" altLang="ko-KR" dirty="0"/>
-              <a:t>?</a:t>
-            </a:r>
-            <a:endParaRPr lang="ko-KR" altLang="en-US" dirty="0"/>
-          </a:p>
-        </p:txBody>
-      </p:sp>
-      <p:sp>
-        <p:nvSpPr>
-          <p:cNvPr id="11" name="텍스트 개체 틀 3"/>
-          <p:cNvSpPr>
-            <a:spLocks noGrp="1"/>
-          </p:cNvSpPr>
-          <p:nvPr>
-            <p:ph idx="1"/>
-          </p:nvPr>
-        </p:nvSpPr>
-        <p:spPr>
-          <a:xfrm>
-            <a:off x="323410" y="1052670"/>
-            <a:ext cx="8670925" cy="5232202"/>
-          </a:xfrm>
-          <a:noFill/>
-          <a:ln>
-            <a:noFill/>
-          </a:ln>
-          <a:extLst>
-            <a:ext uri="{909E8E84-426E-40DD-AFC4-6F175D3DCCD1}">
-              <a14:hiddenFill xmlns:a14="http://schemas.microsoft.com/office/drawing/2010/main">
-                <a:solidFill>
-                  <a:srgbClr val="FFFFFF"/>
-                </a:solidFill>
-              </a14:hiddenFill>
-            </a:ext>
-            <a:ext uri="{91240B29-F687-4F45-9708-019B960494DF}">
-              <a14:hiddenLine xmlns:a14="http://schemas.microsoft.com/office/drawing/2010/main" w="9525">
-                <a:solidFill>
-                  <a:srgbClr val="000000"/>
-                </a:solidFill>
-                <a:miter lim="800000"/>
-                <a:headEnd/>
-                <a:tailEnd/>
-              </a14:hiddenLine>
-            </a:ext>
-          </a:extLst>
-        </p:spPr>
-        <p:txBody>
-          <a:bodyPr vert="horz" wrap="square" lIns="0" tIns="0" rIns="0" bIns="0" numCol="1" anchor="t" anchorCtr="0" compatLnSpc="1">
-            <a:prstTxWarp prst="textNoShape">
-              <a:avLst/>
-            </a:prstTxWarp>
-            <a:spAutoFit/>
-          </a:bodyPr>
-          <a:lstStyle/>
-          <a:p>
-            <a:r>
-              <a:rPr lang="en-US" altLang="ko-KR" dirty="0" err="1"/>
-              <a:t>matplotlib</a:t>
-            </a:r>
-            <a:r>
-              <a:rPr lang="en-US" altLang="ko-KR" dirty="0"/>
-              <a:t>  </a:t>
-            </a:r>
-            <a:r>
-              <a:rPr lang="ko-KR" altLang="en-US" dirty="0" err="1"/>
-              <a:t>툴킷</a:t>
-            </a:r>
-            <a:endParaRPr lang="ko-KR" altLang="en-US" dirty="0"/>
-          </a:p>
-          <a:p>
-            <a:pPr lvl="1">
-              <a:lnSpc>
-                <a:spcPct val="150000"/>
-              </a:lnSpc>
-            </a:pPr>
-            <a:r>
-              <a:rPr lang="en-US" altLang="ko-KR" dirty="0" err="1"/>
-              <a:t>matplotlib</a:t>
-            </a:r>
-            <a:r>
-              <a:rPr lang="ko-KR" altLang="en-US" dirty="0"/>
-              <a:t>은 </a:t>
-            </a:r>
-            <a:r>
-              <a:rPr lang="ko-KR" altLang="en-US" b="1" dirty="0"/>
-              <a:t>툴킷</a:t>
-            </a:r>
-            <a:r>
-              <a:rPr lang="en-US" altLang="ko-KR" b="1" dirty="0"/>
-              <a:t>(toolkit)</a:t>
-            </a:r>
-            <a:r>
-              <a:rPr lang="ko-KR" altLang="en-US" dirty="0"/>
-              <a:t>이라는 애드온을 추가하여 기능을 확장할 수 있다</a:t>
-            </a:r>
-            <a:r>
-              <a:rPr lang="en-US" altLang="ko-KR" dirty="0"/>
-              <a:t>.</a:t>
-            </a:r>
-          </a:p>
-          <a:p>
-            <a:pPr lvl="1">
-              <a:lnSpc>
-                <a:spcPct val="150000"/>
-              </a:lnSpc>
-            </a:pPr>
-            <a:r>
-              <a:rPr lang="ko-KR" altLang="en-US" dirty="0"/>
-              <a:t>대부분의 경우 </a:t>
-            </a:r>
-            <a:r>
-              <a:rPr lang="en-US" altLang="ko-KR" dirty="0" err="1"/>
-              <a:t>matplotlib</a:t>
-            </a:r>
-            <a:r>
-              <a:rPr lang="ko-KR" altLang="en-US" dirty="0"/>
-              <a:t>과 따로 배포되므로</a:t>
-            </a:r>
-            <a:r>
-              <a:rPr lang="en-US" altLang="ko-KR" dirty="0"/>
-              <a:t>, </a:t>
-            </a:r>
-            <a:r>
-              <a:rPr lang="ko-KR" altLang="en-US" dirty="0"/>
-              <a:t>추가적인 설치가 필요하다</a:t>
-            </a:r>
-            <a:r>
-              <a:rPr lang="en-US" altLang="ko-KR" dirty="0"/>
-              <a:t>.</a:t>
-            </a:r>
-          </a:p>
-          <a:p>
-            <a:pPr lvl="1">
-              <a:lnSpc>
-                <a:spcPct val="150000"/>
-              </a:lnSpc>
-              <a:buNone/>
-            </a:pPr>
-            <a:r>
-              <a:rPr lang="en-US" altLang="ko-KR" dirty="0"/>
-              <a:t>	①  </a:t>
-            </a:r>
-            <a:r>
-              <a:rPr lang="ko-KR" altLang="en-US" dirty="0"/>
-              <a:t>지도 관련 툴</a:t>
-            </a:r>
-            <a:r>
-              <a:rPr lang="en-US" altLang="ko-KR" dirty="0"/>
-              <a:t>(</a:t>
-            </a:r>
-            <a:r>
-              <a:rPr lang="ko-KR" altLang="en-US" dirty="0"/>
-              <a:t>모두 별도 설치 필요</a:t>
-            </a:r>
-            <a:r>
-              <a:rPr lang="en-US" altLang="ko-KR" dirty="0"/>
-              <a:t>): </a:t>
-            </a:r>
-            <a:r>
-              <a:rPr lang="en-US" altLang="ko-KR" dirty="0" err="1"/>
-              <a:t>Basemap</a:t>
-            </a:r>
-            <a:r>
-              <a:rPr lang="en-US" altLang="ko-KR" dirty="0"/>
-              <a:t>, </a:t>
-            </a:r>
-            <a:r>
-              <a:rPr lang="en-US" altLang="ko-KR" dirty="0" err="1"/>
-              <a:t>Cartopy</a:t>
-            </a:r>
-            <a:endParaRPr lang="en-US" altLang="ko-KR" dirty="0"/>
-          </a:p>
-          <a:p>
-            <a:pPr lvl="1">
-              <a:lnSpc>
-                <a:spcPct val="150000"/>
-              </a:lnSpc>
-              <a:buNone/>
-            </a:pPr>
-            <a:r>
-              <a:rPr lang="en-US" altLang="ko-KR" dirty="0"/>
-              <a:t>	          </a:t>
-            </a:r>
-            <a:r>
-              <a:rPr lang="ko-KR" altLang="en-US" sz="1400" dirty="0"/>
-              <a:t>지도 그리기 및 지도 투영 기능을 추가해준다</a:t>
-            </a:r>
-            <a:r>
-              <a:rPr lang="en-US" altLang="ko-KR" sz="1400" dirty="0"/>
-              <a:t>. (</a:t>
-            </a:r>
-            <a:r>
-              <a:rPr lang="ko-KR" altLang="en-US" sz="1400" dirty="0"/>
-              <a:t>데이터를 지도와 함께 보여줄 때 사용</a:t>
-            </a:r>
-            <a:r>
-              <a:rPr lang="en-US" altLang="ko-KR" sz="1400" dirty="0"/>
-              <a:t>)</a:t>
-            </a:r>
-            <a:endParaRPr lang="en-US" altLang="ko-KR" dirty="0"/>
-          </a:p>
-          <a:p>
-            <a:pPr lvl="1">
-              <a:lnSpc>
-                <a:spcPct val="150000"/>
-              </a:lnSpc>
-              <a:buNone/>
-            </a:pPr>
-            <a:r>
-              <a:rPr lang="en-US" altLang="ko-KR" dirty="0"/>
-              <a:t>	②  </a:t>
-            </a:r>
-            <a:r>
-              <a:rPr lang="ko-KR" altLang="en-US" dirty="0"/>
-              <a:t>일반 </a:t>
-            </a:r>
-            <a:r>
-              <a:rPr lang="ko-KR" altLang="en-US" dirty="0" err="1"/>
-              <a:t>툴킷</a:t>
-            </a:r>
-            <a:r>
-              <a:rPr lang="en-US" altLang="ko-KR" dirty="0"/>
-              <a:t>: mplot3d, </a:t>
-            </a:r>
-            <a:r>
-              <a:rPr lang="en-US" altLang="ko-KR" dirty="0" err="1"/>
-              <a:t>AxesGrid</a:t>
-            </a:r>
-            <a:r>
-              <a:rPr lang="en-US" altLang="ko-KR" dirty="0"/>
-              <a:t>, </a:t>
-            </a:r>
-            <a:r>
-              <a:rPr lang="en-US" altLang="ko-KR" dirty="0" err="1"/>
-              <a:t>MplDataCursor</a:t>
-            </a:r>
-            <a:r>
-              <a:rPr lang="en-US" altLang="ko-KR" dirty="0"/>
-              <a:t>(</a:t>
-            </a:r>
-            <a:r>
-              <a:rPr lang="ko-KR" altLang="en-US" dirty="0"/>
-              <a:t>별도 설치 필요</a:t>
-            </a:r>
-            <a:r>
-              <a:rPr lang="en-US" altLang="ko-KR" dirty="0"/>
-              <a:t>), GTK(Gimp Toolkit)</a:t>
-            </a:r>
-          </a:p>
-          <a:p>
-            <a:pPr lvl="1">
-              <a:lnSpc>
-                <a:spcPct val="150000"/>
-              </a:lnSpc>
-              <a:buNone/>
-            </a:pPr>
-            <a:r>
-              <a:rPr lang="en-US" altLang="ko-KR" dirty="0"/>
-              <a:t>	          </a:t>
-            </a:r>
-            <a:r>
-              <a:rPr lang="en-US" altLang="ko-KR" sz="1400" dirty="0"/>
-              <a:t>mplot3d</a:t>
-            </a:r>
-            <a:r>
-              <a:rPr lang="ko-KR" altLang="en-US" sz="1400" dirty="0"/>
-              <a:t>는 간단한 </a:t>
-            </a:r>
-            <a:r>
-              <a:rPr lang="en-US" altLang="ko-KR" sz="1400" dirty="0"/>
-              <a:t>3</a:t>
-            </a:r>
-            <a:r>
-              <a:rPr lang="ko-KR" altLang="en-US" sz="1400" dirty="0"/>
-              <a:t>차원 플롯</a:t>
-            </a:r>
-            <a:r>
-              <a:rPr lang="en-US" altLang="ko-KR" sz="1400" dirty="0"/>
-              <a:t>, </a:t>
-            </a:r>
-            <a:r>
-              <a:rPr lang="en-US" altLang="ko-KR" sz="1400" dirty="0" err="1"/>
-              <a:t>AxesGrid</a:t>
-            </a:r>
-            <a:r>
-              <a:rPr lang="ko-KR" altLang="en-US" sz="1400" dirty="0"/>
-              <a:t>는 여러 개의 이미지 배치</a:t>
-            </a:r>
-            <a:r>
-              <a:rPr lang="en-US" altLang="ko-KR" sz="1400" dirty="0"/>
-              <a:t>, </a:t>
-            </a:r>
-            <a:r>
-              <a:rPr lang="en-US" altLang="ko-KR" sz="1400" dirty="0" err="1"/>
-              <a:t>MplDataCursor</a:t>
-            </a:r>
-            <a:r>
-              <a:rPr lang="ko-KR" altLang="en-US" sz="1400" dirty="0"/>
-              <a:t>는 </a:t>
-            </a:r>
-            <a:endParaRPr lang="en-US" altLang="ko-KR" sz="1400" dirty="0"/>
-          </a:p>
-          <a:p>
-            <a:pPr lvl="1">
-              <a:lnSpc>
-                <a:spcPct val="150000"/>
-              </a:lnSpc>
-              <a:buNone/>
-            </a:pPr>
-            <a:r>
-              <a:rPr lang="ko-KR" altLang="en-US" sz="1400" dirty="0"/>
-              <a:t>                   수치를 팝업 레이어로 표시</a:t>
-            </a:r>
-            <a:r>
-              <a:rPr lang="en-US" altLang="ko-KR" sz="1400" dirty="0"/>
-              <a:t>, GTK</a:t>
-            </a:r>
-            <a:r>
-              <a:rPr lang="ko-KR" altLang="en-US" sz="1400" dirty="0"/>
-              <a:t>는 </a:t>
-            </a:r>
-            <a:r>
-              <a:rPr lang="en-US" altLang="ko-KR" sz="1400" dirty="0"/>
-              <a:t>GTK+</a:t>
-            </a:r>
-            <a:r>
-              <a:rPr lang="ko-KR" altLang="en-US" sz="1400" dirty="0"/>
-              <a:t>를 사용하게 해준다</a:t>
-            </a:r>
-            <a:r>
-              <a:rPr lang="en-US" altLang="ko-KR" sz="1400" dirty="0"/>
-              <a:t>.</a:t>
-            </a:r>
-            <a:r>
-              <a:rPr lang="ko-KR" altLang="en-US" sz="1400" dirty="0"/>
-              <a:t> </a:t>
-            </a:r>
-            <a:r>
-              <a:rPr lang="en-US" altLang="ko-KR" dirty="0"/>
-              <a:t>	</a:t>
-            </a:r>
-          </a:p>
-          <a:p>
-            <a:pPr lvl="1">
-              <a:lnSpc>
-                <a:spcPct val="150000"/>
-              </a:lnSpc>
-              <a:buNone/>
-            </a:pPr>
-            <a:r>
-              <a:rPr lang="en-US" altLang="ko-KR" dirty="0"/>
-              <a:t>	③  </a:t>
-            </a:r>
-            <a:r>
-              <a:rPr lang="ko-KR" altLang="en-US" dirty="0"/>
-              <a:t>고품질 그리기</a:t>
-            </a:r>
-            <a:r>
-              <a:rPr lang="en-US" altLang="ko-KR" dirty="0"/>
-              <a:t>(</a:t>
-            </a:r>
-            <a:r>
-              <a:rPr lang="ko-KR" altLang="en-US" dirty="0"/>
-              <a:t>모두 별도 설치 필요</a:t>
-            </a:r>
-            <a:r>
-              <a:rPr lang="en-US" altLang="ko-KR" dirty="0"/>
-              <a:t>): </a:t>
-            </a:r>
-            <a:r>
-              <a:rPr lang="en-US" altLang="ko-KR" dirty="0" err="1"/>
-              <a:t>Seaborn</a:t>
-            </a:r>
-            <a:r>
-              <a:rPr lang="en-US" altLang="ko-KR" dirty="0"/>
-              <a:t>, </a:t>
-            </a:r>
-            <a:r>
-              <a:rPr lang="en-US" altLang="ko-KR" dirty="0" err="1"/>
-              <a:t>ggplot</a:t>
-            </a:r>
-            <a:r>
-              <a:rPr lang="en-US" altLang="ko-KR" dirty="0"/>
-              <a:t>, </a:t>
-            </a:r>
-            <a:r>
-              <a:rPr lang="en-US" altLang="ko-KR" dirty="0" err="1"/>
-              <a:t>prettyplotlib</a:t>
-            </a:r>
-            <a:endParaRPr lang="en-US" altLang="ko-KR" dirty="0"/>
-          </a:p>
-          <a:p>
-            <a:pPr lvl="1">
-              <a:lnSpc>
-                <a:spcPct val="150000"/>
-              </a:lnSpc>
-            </a:pPr>
-            <a:endParaRPr lang="en-US" altLang="ko-KR" b="1" dirty="0"/>
-          </a:p>
-        </p:txBody>
-      </p:sp>
-      <p:sp>
-        <p:nvSpPr>
-          <p:cNvPr id="90114" name="AutoShape 2" descr="matplotlib에 대한 이미지 검색결과">
-            <a:hlinkClick r:id="rId3"/>
-          </p:cNvPr>
-          <p:cNvSpPr>
-            <a:spLocks noChangeAspect="1" noChangeArrowheads="1"/>
-          </p:cNvSpPr>
-          <p:nvPr/>
-        </p:nvSpPr>
-        <p:spPr bwMode="auto">
-          <a:xfrm>
-            <a:off x="38100" y="-1439863"/>
-            <a:ext cx="11353800" cy="2724151"/>
-          </a:xfrm>
-          <a:prstGeom prst="rect">
-            <a:avLst/>
-          </a:prstGeom>
-          <a:noFill/>
-        </p:spPr>
-        <p:txBody>
-          <a:bodyPr vert="horz" wrap="square" lIns="91440" tIns="45720" rIns="91440" bIns="45720" numCol="1" anchor="t" anchorCtr="0" compatLnSpc="1">
-            <a:prstTxWarp prst="textNoShape">
-              <a:avLst/>
-            </a:prstTxWarp>
-          </a:bodyPr>
-          <a:lstStyle/>
-          <a:p>
-            <a:endParaRPr lang="ko-KR" altLang="en-US"/>
-          </a:p>
-        </p:txBody>
-      </p:sp>
-      <p:sp>
-        <p:nvSpPr>
-          <p:cNvPr id="90116" name="AutoShape 4" descr="matplotlib에 대한 이미지 검색결과">
-            <a:hlinkClick r:id="rId3"/>
-          </p:cNvPr>
-          <p:cNvSpPr>
-            <a:spLocks noChangeAspect="1" noChangeArrowheads="1"/>
-          </p:cNvSpPr>
-          <p:nvPr/>
-        </p:nvSpPr>
-        <p:spPr bwMode="auto">
-          <a:xfrm>
-            <a:off x="38100" y="-1439863"/>
-            <a:ext cx="11353800" cy="2724151"/>
-          </a:xfrm>
-          <a:prstGeom prst="rect">
-            <a:avLst/>
-          </a:prstGeom>
-          <a:noFill/>
-        </p:spPr>
-        <p:txBody>
-          <a:bodyPr vert="horz" wrap="square" lIns="91440" tIns="45720" rIns="91440" bIns="45720" numCol="1" anchor="t" anchorCtr="0" compatLnSpc="1">
-            <a:prstTxWarp prst="textNoShape">
-              <a:avLst/>
-            </a:prstTxWarp>
-          </a:bodyPr>
-          <a:lstStyle/>
-          <a:p>
-            <a:endParaRPr lang="ko-KR" altLang="en-US"/>
-          </a:p>
-        </p:txBody>
-      </p:sp>
-      <p:sp>
-        <p:nvSpPr>
-          <p:cNvPr id="7" name="오른쪽 화살표 6"/>
-          <p:cNvSpPr/>
-          <p:nvPr/>
-        </p:nvSpPr>
-        <p:spPr bwMode="auto">
-          <a:xfrm>
-            <a:off x="1571604" y="3143248"/>
-            <a:ext cx="214314" cy="214314"/>
-          </a:xfrm>
-          <a:prstGeom prst="rightArrow">
-            <a:avLst/>
-          </a:prstGeom>
-          <a:solidFill>
-            <a:srgbClr val="808080"/>
-          </a:solidFill>
-          <a:ln w="9525" cap="flat" cmpd="sng" algn="ctr">
-            <a:solidFill>
-              <a:schemeClr val="tx1"/>
-            </a:solidFill>
-            <a:prstDash val="solid"/>
-            <a:round/>
-            <a:headEnd type="none" w="med" len="med"/>
-            <a:tailEnd type="none" w="med" len="med"/>
-          </a:ln>
-          <a:effectLst/>
-        </p:spPr>
-        <p:txBody>
-          <a:bodyPr vert="horz" wrap="none" lIns="91440" tIns="45720" rIns="91440" bIns="45720" numCol="1" rtlCol="0" anchor="ctr" anchorCtr="0" compatLnSpc="1">
-            <a:prstTxWarp prst="textNoShape">
-              <a:avLst/>
-            </a:prstTxWarp>
-          </a:bodyPr>
-          <a:lstStyle/>
-          <a:p>
-            <a:pPr marL="0" marR="0" indent="0" algn="ctr" defTabSz="977900" rtl="0" eaLnBrk="1" fontAlgn="base" latinLnBrk="0" hangingPunct="1">
-              <a:lnSpc>
-                <a:spcPct val="100000"/>
-              </a:lnSpc>
-              <a:spcBef>
-                <a:spcPct val="0"/>
-              </a:spcBef>
-              <a:spcAft>
-                <a:spcPct val="0"/>
-              </a:spcAft>
-              <a:buClrTx/>
-              <a:buSzTx/>
-              <a:buFontTx/>
-              <a:buNone/>
-              <a:tabLst/>
-            </a:pPr>
-            <a:endParaRPr kumimoji="0" lang="ko-KR" altLang="en-US" sz="1300" b="0" i="0" u="none" strike="noStrike" cap="none" normalizeH="0" baseline="0">
-              <a:ln>
-                <a:noFill/>
-              </a:ln>
-              <a:solidFill>
-                <a:schemeClr val="tx1"/>
-              </a:solidFill>
-              <a:effectLst/>
-              <a:latin typeface="맑은 고딕" pitchFamily="50" charset="-127"/>
-              <a:ea typeface="맑은 고딕" pitchFamily="50" charset="-127"/>
-            </a:endParaRPr>
-          </a:p>
-        </p:txBody>
-      </p:sp>
-      <p:sp>
-        <p:nvSpPr>
-          <p:cNvPr id="8" name="오른쪽 화살표 7"/>
-          <p:cNvSpPr/>
-          <p:nvPr/>
-        </p:nvSpPr>
-        <p:spPr bwMode="auto">
-          <a:xfrm>
-            <a:off x="1571604" y="4500570"/>
-            <a:ext cx="214314" cy="214314"/>
-          </a:xfrm>
-          <a:prstGeom prst="rightArrow">
-            <a:avLst/>
-          </a:prstGeom>
-          <a:solidFill>
-            <a:srgbClr val="808080"/>
-          </a:solidFill>
-          <a:ln w="9525" cap="flat" cmpd="sng" algn="ctr">
-            <a:solidFill>
-              <a:schemeClr val="tx1"/>
-            </a:solidFill>
-            <a:prstDash val="solid"/>
-            <a:round/>
-            <a:headEnd type="none" w="med" len="med"/>
-            <a:tailEnd type="none" w="med" len="med"/>
-          </a:ln>
-          <a:effectLst/>
-        </p:spPr>
-        <p:txBody>
-          <a:bodyPr vert="horz" wrap="none" lIns="91440" tIns="45720" rIns="91440" bIns="45720" numCol="1" rtlCol="0" anchor="ctr" anchorCtr="0" compatLnSpc="1">
-            <a:prstTxWarp prst="textNoShape">
-              <a:avLst/>
-            </a:prstTxWarp>
-          </a:bodyPr>
-          <a:lstStyle/>
-          <a:p>
-            <a:pPr marL="0" marR="0" indent="0" algn="ctr" defTabSz="977900" rtl="0" eaLnBrk="1" fontAlgn="base" latinLnBrk="0" hangingPunct="1">
-              <a:lnSpc>
-                <a:spcPct val="100000"/>
-              </a:lnSpc>
-              <a:spcBef>
-                <a:spcPct val="0"/>
-              </a:spcBef>
-              <a:spcAft>
-                <a:spcPct val="0"/>
-              </a:spcAft>
-              <a:buClrTx/>
-              <a:buSzTx/>
-              <a:buFontTx/>
-              <a:buNone/>
-              <a:tabLst/>
-            </a:pPr>
-            <a:endParaRPr kumimoji="0" lang="ko-KR" altLang="en-US" sz="1300" b="0" i="0" u="none" strike="noStrike" cap="none" normalizeH="0" baseline="0">
-              <a:ln>
-                <a:noFill/>
-              </a:ln>
-              <a:solidFill>
-                <a:schemeClr val="tx1"/>
-              </a:solidFill>
-              <a:effectLst/>
-              <a:latin typeface="맑은 고딕" pitchFamily="50" charset="-127"/>
-              <a:ea typeface="맑은 고딕" pitchFamily="50" charset="-127"/>
-            </a:endParaRPr>
-          </a:p>
-        </p:txBody>
-      </p:sp>
-    </p:spTree>
-    <p:extLst>
-      <p:ext uri="{BB962C8B-B14F-4D97-AF65-F5344CB8AC3E}">
-        <p14:creationId xmlns:p14="http://schemas.microsoft.com/office/powerpoint/2010/main" val="2069480276"/>
+        <p14:creationId xmlns:p14="http://schemas.microsoft.com/office/powerpoint/2010/main" val="433450991"/>
       </p:ext>
     </p:extLst>
   </p:cSld>
